--- a/finalPresentation.pptx
+++ b/finalPresentation.pptx
@@ -5,25 +5,26 @@
     <p:sldMasterId id="2147483660" r:id="rId1"/>
   </p:sldMasterIdLst>
   <p:notesMasterIdLst>
-    <p:notesMasterId r:id="rId18"/>
+    <p:notesMasterId r:id="rId19"/>
   </p:notesMasterIdLst>
   <p:sldIdLst>
     <p:sldId id="256" r:id="rId2"/>
     <p:sldId id="263" r:id="rId3"/>
     <p:sldId id="271" r:id="rId4"/>
-    <p:sldId id="258" r:id="rId5"/>
-    <p:sldId id="268" r:id="rId6"/>
-    <p:sldId id="259" r:id="rId7"/>
-    <p:sldId id="264" r:id="rId8"/>
-    <p:sldId id="257" r:id="rId9"/>
-    <p:sldId id="265" r:id="rId10"/>
-    <p:sldId id="266" r:id="rId11"/>
-    <p:sldId id="267" r:id="rId12"/>
-    <p:sldId id="269" r:id="rId13"/>
-    <p:sldId id="270" r:id="rId14"/>
-    <p:sldId id="272" r:id="rId15"/>
-    <p:sldId id="273" r:id="rId16"/>
-    <p:sldId id="274" r:id="rId17"/>
+    <p:sldId id="275" r:id="rId5"/>
+    <p:sldId id="258" r:id="rId6"/>
+    <p:sldId id="268" r:id="rId7"/>
+    <p:sldId id="259" r:id="rId8"/>
+    <p:sldId id="264" r:id="rId9"/>
+    <p:sldId id="257" r:id="rId10"/>
+    <p:sldId id="265" r:id="rId11"/>
+    <p:sldId id="266" r:id="rId12"/>
+    <p:sldId id="267" r:id="rId13"/>
+    <p:sldId id="269" r:id="rId14"/>
+    <p:sldId id="270" r:id="rId15"/>
+    <p:sldId id="272" r:id="rId16"/>
+    <p:sldId id="273" r:id="rId17"/>
+    <p:sldId id="274" r:id="rId18"/>
   </p:sldIdLst>
   <p:sldSz cx="12192000" cy="6858000"/>
   <p:notesSz cx="6858000" cy="9144000"/>
@@ -125,6 +126,9 @@
   <p:extLst>
     <p:ext uri="{EFAFB233-063F-42B5-8137-9DF3F51BA10A}">
       <p15:sldGuideLst xmlns:p15="http://schemas.microsoft.com/office/powerpoint/2012/main"/>
+    </p:ext>
+    <p:ext uri="{2D200454-40CA-4A62-9FC3-DE9A4176ACB9}">
+      <p15:notesGuideLst xmlns:p15="http://schemas.microsoft.com/office/powerpoint/2012/main"/>
     </p:ext>
   </p:extLst>
 </p:presentation>
@@ -522,7 +526,7 @@
           <a:p>
             <a:fld id="{B276C657-1A15-4952-8E3A-6A6EFCFCF4F7}" type="datetimeFigureOut">
               <a:rPr lang="en-US" smtClean="0"/>
-              <a:t>11/18/2019</a:t>
+              <a:t>11/19/2019</a:t>
             </a:fld>
             <a:endParaRPr lang="en-US"/>
           </a:p>
@@ -953,7 +957,7 @@
     </p:spTree>
     <p:extLst>
       <p:ext uri="{BB962C8B-B14F-4D97-AF65-F5344CB8AC3E}">
-        <p14:creationId xmlns:p14="http://schemas.microsoft.com/office/powerpoint/2010/main" val="2903268095"/>
+        <p14:creationId xmlns:p14="http://schemas.microsoft.com/office/powerpoint/2010/main" val="1609042718"/>
       </p:ext>
     </p:extLst>
   </p:cSld>
@@ -1040,7 +1044,7 @@
     </p:spTree>
     <p:extLst>
       <p:ext uri="{BB962C8B-B14F-4D97-AF65-F5344CB8AC3E}">
-        <p14:creationId xmlns:p14="http://schemas.microsoft.com/office/powerpoint/2010/main" val="2771539713"/>
+        <p14:creationId xmlns:p14="http://schemas.microsoft.com/office/powerpoint/2010/main" val="2903268095"/>
       </p:ext>
     </p:extLst>
   </p:cSld>
@@ -1096,7 +1100,7 @@
           <a:p>
             <a:r>
               <a:rPr lang="en-US" dirty="0"/>
-              <a:t>JULIA SWEET</a:t>
+              <a:t>MATT</a:t>
             </a:r>
           </a:p>
         </p:txBody>
@@ -1127,7 +1131,7 @@
     </p:spTree>
     <p:extLst>
       <p:ext uri="{BB962C8B-B14F-4D97-AF65-F5344CB8AC3E}">
-        <p14:creationId xmlns:p14="http://schemas.microsoft.com/office/powerpoint/2010/main" val="309440631"/>
+        <p14:creationId xmlns:p14="http://schemas.microsoft.com/office/powerpoint/2010/main" val="2771539713"/>
       </p:ext>
     </p:extLst>
   </p:cSld>
@@ -1183,7 +1187,7 @@
           <a:p>
             <a:r>
               <a:rPr lang="en-US" dirty="0"/>
-              <a:t>RICARDO</a:t>
+              <a:t>JULIA SWEET</a:t>
             </a:r>
           </a:p>
         </p:txBody>
@@ -1214,7 +1218,7 @@
     </p:spTree>
     <p:extLst>
       <p:ext uri="{BB962C8B-B14F-4D97-AF65-F5344CB8AC3E}">
-        <p14:creationId xmlns:p14="http://schemas.microsoft.com/office/powerpoint/2010/main" val="757506667"/>
+        <p14:creationId xmlns:p14="http://schemas.microsoft.com/office/powerpoint/2010/main" val="309440631"/>
       </p:ext>
     </p:extLst>
   </p:cSld>
@@ -1301,7 +1305,7 @@
     </p:spTree>
     <p:extLst>
       <p:ext uri="{BB962C8B-B14F-4D97-AF65-F5344CB8AC3E}">
-        <p14:creationId xmlns:p14="http://schemas.microsoft.com/office/powerpoint/2010/main" val="1121691768"/>
+        <p14:creationId xmlns:p14="http://schemas.microsoft.com/office/powerpoint/2010/main" val="757506667"/>
       </p:ext>
     </p:extLst>
   </p:cSld>
@@ -1380,6 +1384,93 @@
             <a:fld id="{D7740055-6CD9-405B-A6CE-E8B2DD9EC084}" type="slidenum">
               <a:rPr lang="en-US" smtClean="0"/>
               <a:t>15</a:t>
+            </a:fld>
+            <a:endParaRPr lang="en-US"/>
+          </a:p>
+        </p:txBody>
+      </p:sp>
+    </p:spTree>
+    <p:extLst>
+      <p:ext uri="{BB962C8B-B14F-4D97-AF65-F5344CB8AC3E}">
+        <p14:creationId xmlns:p14="http://schemas.microsoft.com/office/powerpoint/2010/main" val="1121691768"/>
+      </p:ext>
+    </p:extLst>
+  </p:cSld>
+  <p:clrMapOvr>
+    <a:masterClrMapping/>
+  </p:clrMapOvr>
+</p:notes>
+</file>
+
+<file path=ppt/notesSlides/notesSlide16.xml><?xml version="1.0" encoding="utf-8"?>
+<p:notes xmlns:a="http://schemas.openxmlformats.org/drawingml/2006/main" xmlns:r="http://schemas.openxmlformats.org/officeDocument/2006/relationships" xmlns:p="http://schemas.openxmlformats.org/presentationml/2006/main">
+  <p:cSld>
+    <p:spTree>
+      <p:nvGrpSpPr>
+        <p:cNvPr id="1" name=""/>
+        <p:cNvGrpSpPr/>
+        <p:nvPr/>
+      </p:nvGrpSpPr>
+      <p:grpSpPr>
+        <a:xfrm>
+          <a:off x="0" y="0"/>
+          <a:ext cx="0" cy="0"/>
+          <a:chOff x="0" y="0"/>
+          <a:chExt cx="0" cy="0"/>
+        </a:xfrm>
+      </p:grpSpPr>
+      <p:sp>
+        <p:nvSpPr>
+          <p:cNvPr id="2" name="Slide Image Placeholder 1"/>
+          <p:cNvSpPr>
+            <a:spLocks noGrp="1" noRot="1" noChangeAspect="1"/>
+          </p:cNvSpPr>
+          <p:nvPr>
+            <p:ph type="sldImg"/>
+          </p:nvPr>
+        </p:nvSpPr>
+        <p:spPr/>
+      </p:sp>
+      <p:sp>
+        <p:nvSpPr>
+          <p:cNvPr id="3" name="Notes Placeholder 2"/>
+          <p:cNvSpPr>
+            <a:spLocks noGrp="1"/>
+          </p:cNvSpPr>
+          <p:nvPr>
+            <p:ph type="body" idx="1"/>
+          </p:nvPr>
+        </p:nvSpPr>
+        <p:spPr/>
+        <p:txBody>
+          <a:bodyPr/>
+          <a:lstStyle/>
+          <a:p>
+            <a:r>
+              <a:rPr lang="en-US" dirty="0"/>
+              <a:t>RICARDO</a:t>
+            </a:r>
+          </a:p>
+        </p:txBody>
+      </p:sp>
+      <p:sp>
+        <p:nvSpPr>
+          <p:cNvPr id="4" name="Slide Number Placeholder 3"/>
+          <p:cNvSpPr>
+            <a:spLocks noGrp="1"/>
+          </p:cNvSpPr>
+          <p:nvPr>
+            <p:ph type="sldNum" sz="quarter" idx="5"/>
+          </p:nvPr>
+        </p:nvSpPr>
+        <p:spPr/>
+        <p:txBody>
+          <a:bodyPr/>
+          <a:lstStyle/>
+          <a:p>
+            <a:fld id="{D7740055-6CD9-405B-A6CE-E8B2DD9EC084}" type="slidenum">
+              <a:rPr lang="en-US" smtClean="0"/>
+              <a:t>16</a:t>
             </a:fld>
             <a:endParaRPr lang="en-US"/>
           </a:p>
@@ -1618,7 +1709,7 @@
           <a:p>
             <a:r>
               <a:rPr lang="en-US" dirty="0"/>
-              <a:t>KYLE </a:t>
+              <a:t>JULIA SMITH</a:t>
             </a:r>
           </a:p>
         </p:txBody>
@@ -1649,7 +1740,7 @@
     </p:spTree>
     <p:extLst>
       <p:ext uri="{BB962C8B-B14F-4D97-AF65-F5344CB8AC3E}">
-        <p14:creationId xmlns:p14="http://schemas.microsoft.com/office/powerpoint/2010/main" val="1606004401"/>
+        <p14:creationId xmlns:p14="http://schemas.microsoft.com/office/powerpoint/2010/main" val="3364257581"/>
       </p:ext>
     </p:extLst>
   </p:cSld>
@@ -1705,7 +1796,7 @@
           <a:p>
             <a:r>
               <a:rPr lang="en-US" dirty="0"/>
-              <a:t>JULIA SWEET</a:t>
+              <a:t>KYLE </a:t>
             </a:r>
           </a:p>
         </p:txBody>
@@ -1736,7 +1827,7 @@
     </p:spTree>
     <p:extLst>
       <p:ext uri="{BB962C8B-B14F-4D97-AF65-F5344CB8AC3E}">
-        <p14:creationId xmlns:p14="http://schemas.microsoft.com/office/powerpoint/2010/main" val="349279903"/>
+        <p14:creationId xmlns:p14="http://schemas.microsoft.com/office/powerpoint/2010/main" val="1606004401"/>
       </p:ext>
     </p:extLst>
   </p:cSld>
@@ -1792,7 +1883,7 @@
           <a:p>
             <a:r>
               <a:rPr lang="en-US" dirty="0"/>
-              <a:t>JOHN</a:t>
+              <a:t>JULIA SWEET</a:t>
             </a:r>
           </a:p>
         </p:txBody>
@@ -1823,7 +1914,7 @@
     </p:spTree>
     <p:extLst>
       <p:ext uri="{BB962C8B-B14F-4D97-AF65-F5344CB8AC3E}">
-        <p14:creationId xmlns:p14="http://schemas.microsoft.com/office/powerpoint/2010/main" val="3759436169"/>
+        <p14:creationId xmlns:p14="http://schemas.microsoft.com/office/powerpoint/2010/main" val="349279903"/>
       </p:ext>
     </p:extLst>
   </p:cSld>
@@ -1879,7 +1970,7 @@
           <a:p>
             <a:r>
               <a:rPr lang="en-US" dirty="0"/>
-              <a:t>MATT</a:t>
+              <a:t>JOHN</a:t>
             </a:r>
           </a:p>
         </p:txBody>
@@ -1910,7 +2001,7 @@
     </p:spTree>
     <p:extLst>
       <p:ext uri="{BB962C8B-B14F-4D97-AF65-F5344CB8AC3E}">
-        <p14:creationId xmlns:p14="http://schemas.microsoft.com/office/powerpoint/2010/main" val="284421022"/>
+        <p14:creationId xmlns:p14="http://schemas.microsoft.com/office/powerpoint/2010/main" val="3759436169"/>
       </p:ext>
     </p:extLst>
   </p:cSld>
@@ -1997,7 +2088,7 @@
     </p:spTree>
     <p:extLst>
       <p:ext uri="{BB962C8B-B14F-4D97-AF65-F5344CB8AC3E}">
-        <p14:creationId xmlns:p14="http://schemas.microsoft.com/office/powerpoint/2010/main" val="3933418445"/>
+        <p14:creationId xmlns:p14="http://schemas.microsoft.com/office/powerpoint/2010/main" val="284421022"/>
       </p:ext>
     </p:extLst>
   </p:cSld>
@@ -2084,7 +2175,7 @@
     </p:spTree>
     <p:extLst>
       <p:ext uri="{BB962C8B-B14F-4D97-AF65-F5344CB8AC3E}">
-        <p14:creationId xmlns:p14="http://schemas.microsoft.com/office/powerpoint/2010/main" val="1609042718"/>
+        <p14:creationId xmlns:p14="http://schemas.microsoft.com/office/powerpoint/2010/main" val="3933418445"/>
       </p:ext>
     </p:extLst>
   </p:cSld>
@@ -2307,7 +2398,7 @@
           <a:p>
             <a:fld id="{3792BFC1-2469-4495-8118-E30BFE44158D}" type="datetimeFigureOut">
               <a:rPr lang="en-US" smtClean="0"/>
-              <a:t>11/18/2019</a:t>
+              <a:t>11/19/2019</a:t>
             </a:fld>
             <a:endParaRPr lang="en-US"/>
           </a:p>
@@ -2598,7 +2689,7 @@
           <a:p>
             <a:fld id="{3792BFC1-2469-4495-8118-E30BFE44158D}" type="datetimeFigureOut">
               <a:rPr lang="en-US" smtClean="0"/>
-              <a:t>11/18/2019</a:t>
+              <a:t>11/19/2019</a:t>
             </a:fld>
             <a:endParaRPr lang="en-US"/>
           </a:p>
@@ -2857,7 +2948,7 @@
           <a:p>
             <a:fld id="{3792BFC1-2469-4495-8118-E30BFE44158D}" type="datetimeFigureOut">
               <a:rPr lang="en-US" smtClean="0"/>
-              <a:t>11/18/2019</a:t>
+              <a:t>11/19/2019</a:t>
             </a:fld>
             <a:endParaRPr lang="en-US"/>
           </a:p>
@@ -3326,7 +3417,7 @@
           <a:p>
             <a:fld id="{3792BFC1-2469-4495-8118-E30BFE44158D}" type="datetimeFigureOut">
               <a:rPr lang="en-US" smtClean="0"/>
-              <a:t>11/18/2019</a:t>
+              <a:t>11/19/2019</a:t>
             </a:fld>
             <a:endParaRPr lang="en-US"/>
           </a:p>
@@ -3506,7 +3597,7 @@
           <a:p>
             <a:fld id="{3792BFC1-2469-4495-8118-E30BFE44158D}" type="datetimeFigureOut">
               <a:rPr lang="en-US" smtClean="0"/>
-              <a:t>11/18/2019</a:t>
+              <a:t>11/19/2019</a:t>
             </a:fld>
             <a:endParaRPr lang="en-US"/>
           </a:p>
@@ -4082,7 +4173,7 @@
           <a:p>
             <a:fld id="{3792BFC1-2469-4495-8118-E30BFE44158D}" type="datetimeFigureOut">
               <a:rPr lang="en-US" smtClean="0"/>
-              <a:t>11/18/2019</a:t>
+              <a:t>11/19/2019</a:t>
             </a:fld>
             <a:endParaRPr lang="en-US"/>
           </a:p>
@@ -4414,7 +4505,7 @@
           <a:p>
             <a:fld id="{3792BFC1-2469-4495-8118-E30BFE44158D}" type="datetimeFigureOut">
               <a:rPr lang="en-US" smtClean="0"/>
-              <a:t>11/18/2019</a:t>
+              <a:t>11/19/2019</a:t>
             </a:fld>
             <a:endParaRPr lang="en-US"/>
           </a:p>
@@ -4589,7 +4680,7 @@
           <a:p>
             <a:fld id="{3792BFC1-2469-4495-8118-E30BFE44158D}" type="datetimeFigureOut">
               <a:rPr lang="en-US" smtClean="0"/>
-              <a:t>11/18/2019</a:t>
+              <a:t>11/19/2019</a:t>
             </a:fld>
             <a:endParaRPr lang="en-US"/>
           </a:p>
@@ -4769,7 +4860,7 @@
           <a:p>
             <a:fld id="{3792BFC1-2469-4495-8118-E30BFE44158D}" type="datetimeFigureOut">
               <a:rPr lang="en-US" smtClean="0"/>
-              <a:t>11/18/2019</a:t>
+              <a:t>11/19/2019</a:t>
             </a:fld>
             <a:endParaRPr lang="en-US"/>
           </a:p>
@@ -4939,7 +5030,7 @@
           <a:p>
             <a:fld id="{3792BFC1-2469-4495-8118-E30BFE44158D}" type="datetimeFigureOut">
               <a:rPr lang="en-US" smtClean="0"/>
-              <a:t>11/18/2019</a:t>
+              <a:t>11/19/2019</a:t>
             </a:fld>
             <a:endParaRPr lang="en-US"/>
           </a:p>
@@ -5196,7 +5287,7 @@
           <a:p>
             <a:fld id="{3792BFC1-2469-4495-8118-E30BFE44158D}" type="datetimeFigureOut">
               <a:rPr lang="en-US" smtClean="0"/>
-              <a:t>11/18/2019</a:t>
+              <a:t>11/19/2019</a:t>
             </a:fld>
             <a:endParaRPr lang="en-US"/>
           </a:p>
@@ -5488,7 +5579,7 @@
           <a:p>
             <a:fld id="{3792BFC1-2469-4495-8118-E30BFE44158D}" type="datetimeFigureOut">
               <a:rPr lang="en-US" smtClean="0"/>
-              <a:t>11/18/2019</a:t>
+              <a:t>11/19/2019</a:t>
             </a:fld>
             <a:endParaRPr lang="en-US"/>
           </a:p>
@@ -5918,7 +6009,7 @@
           <a:p>
             <a:fld id="{3792BFC1-2469-4495-8118-E30BFE44158D}" type="datetimeFigureOut">
               <a:rPr lang="en-US" smtClean="0"/>
-              <a:t>11/18/2019</a:t>
+              <a:t>11/19/2019</a:t>
             </a:fld>
             <a:endParaRPr lang="en-US"/>
           </a:p>
@@ -6036,7 +6127,7 @@
           <a:p>
             <a:fld id="{3792BFC1-2469-4495-8118-E30BFE44158D}" type="datetimeFigureOut">
               <a:rPr lang="en-US" smtClean="0"/>
-              <a:t>11/18/2019</a:t>
+              <a:t>11/19/2019</a:t>
             </a:fld>
             <a:endParaRPr lang="en-US"/>
           </a:p>
@@ -6131,7 +6222,7 @@
           <a:p>
             <a:fld id="{3792BFC1-2469-4495-8118-E30BFE44158D}" type="datetimeFigureOut">
               <a:rPr lang="en-US" smtClean="0"/>
-              <a:t>11/18/2019</a:t>
+              <a:t>11/19/2019</a:t>
             </a:fld>
             <a:endParaRPr lang="en-US"/>
           </a:p>
@@ -6414,7 +6505,7 @@
           <a:p>
             <a:fld id="{3792BFC1-2469-4495-8118-E30BFE44158D}" type="datetimeFigureOut">
               <a:rPr lang="en-US" smtClean="0"/>
-              <a:t>11/18/2019</a:t>
+              <a:t>11/19/2019</a:t>
             </a:fld>
             <a:endParaRPr lang="en-US"/>
           </a:p>
@@ -6705,7 +6796,7 @@
           <a:p>
             <a:fld id="{3792BFC1-2469-4495-8118-E30BFE44158D}" type="datetimeFigureOut">
               <a:rPr lang="en-US" smtClean="0"/>
-              <a:t>11/18/2019</a:t>
+              <a:t>11/19/2019</a:t>
             </a:fld>
             <a:endParaRPr lang="en-US"/>
           </a:p>
@@ -6936,7 +7027,7 @@
           <a:p>
             <a:fld id="{3792BFC1-2469-4495-8118-E30BFE44158D}" type="datetimeFigureOut">
               <a:rPr lang="en-US" smtClean="0"/>
-              <a:t>11/18/2019</a:t>
+              <a:t>11/19/2019</a:t>
             </a:fld>
             <a:endParaRPr lang="en-US"/>
           </a:p>
@@ -7839,2667 +7930,6 @@
       </p:grpSpPr>
       <p:sp>
         <p:nvSpPr>
-          <p:cNvPr id="10" name="TextBox 9">
-            <a:extLst>
-              <a:ext uri="{FF2B5EF4-FFF2-40B4-BE49-F238E27FC236}">
-                <a16:creationId xmlns:a16="http://schemas.microsoft.com/office/drawing/2014/main" id="{C47F4133-0DF6-49D0-AE87-A39DD540404B}"/>
-              </a:ext>
-            </a:extLst>
-          </p:cNvPr>
-          <p:cNvSpPr txBox="1"/>
-          <p:nvPr/>
-        </p:nvSpPr>
-        <p:spPr>
-          <a:xfrm>
-            <a:off x="1288556" y="0"/>
-            <a:ext cx="10204007" cy="523220"/>
-          </a:xfrm>
-          <a:prstGeom prst="rect">
-            <a:avLst/>
-          </a:prstGeom>
-          <a:noFill/>
-        </p:spPr>
-        <p:txBody>
-          <a:bodyPr wrap="square" rtlCol="0">
-            <a:spAutoFit/>
-          </a:bodyPr>
-          <a:lstStyle/>
-          <a:p>
-            <a:pPr algn="ctr"/>
-            <a:r>
-              <a:rPr lang="en-US" sz="2800" dirty="0"/>
-              <a:t>3</a:t>
-            </a:r>
-            <a:r>
-              <a:rPr lang="en-US" sz="2800" baseline="30000" dirty="0"/>
-              <a:t>rd</a:t>
-            </a:r>
-            <a:r>
-              <a:rPr lang="en-US" sz="2800" dirty="0"/>
-              <a:t> Down Run/Pass &lt;=1 Yards to go (n=2946)</a:t>
-            </a:r>
-          </a:p>
-        </p:txBody>
-      </p:sp>
-      <p:pic>
-        <p:nvPicPr>
-          <p:cNvPr id="3" name="Picture 2" descr="A screenshot of a cell phone&#10;&#10;Description automatically generated">
-            <a:extLst>
-              <a:ext uri="{FF2B5EF4-FFF2-40B4-BE49-F238E27FC236}">
-                <a16:creationId xmlns:a16="http://schemas.microsoft.com/office/drawing/2014/main" id="{D78B674C-58DE-479E-8B32-A2B61A6EDD93}"/>
-              </a:ext>
-            </a:extLst>
-          </p:cNvPr>
-          <p:cNvPicPr>
-            <a:picLocks noChangeAspect="1"/>
-          </p:cNvPicPr>
-          <p:nvPr/>
-        </p:nvPicPr>
-        <p:blipFill>
-          <a:blip r:embed="rId3">
-            <a:extLst>
-              <a:ext uri="{28A0092B-C50C-407E-A947-70E740481C1C}">
-                <a14:useLocalDpi xmlns:a14="http://schemas.microsoft.com/office/drawing/2010/main" val="0"/>
-              </a:ext>
-            </a:extLst>
-          </a:blip>
-          <a:stretch>
-            <a:fillRect/>
-          </a:stretch>
-        </p:blipFill>
-        <p:spPr>
-          <a:xfrm>
-            <a:off x="7312593" y="773959"/>
-            <a:ext cx="4352395" cy="2424761"/>
-          </a:xfrm>
-          <a:prstGeom prst="rect">
-            <a:avLst/>
-          </a:prstGeom>
-        </p:spPr>
-      </p:pic>
-      <p:pic>
-        <p:nvPicPr>
-          <p:cNvPr id="5" name="Picture 4" descr="A screenshot of a cell phone&#10;&#10;Description automatically generated">
-            <a:extLst>
-              <a:ext uri="{FF2B5EF4-FFF2-40B4-BE49-F238E27FC236}">
-                <a16:creationId xmlns:a16="http://schemas.microsoft.com/office/drawing/2014/main" id="{23BEDD86-C444-41ED-9492-A540D47FB046}"/>
-              </a:ext>
-            </a:extLst>
-          </p:cNvPr>
-          <p:cNvPicPr>
-            <a:picLocks noChangeAspect="1"/>
-          </p:cNvPicPr>
-          <p:nvPr/>
-        </p:nvPicPr>
-        <p:blipFill>
-          <a:blip r:embed="rId4">
-            <a:extLst>
-              <a:ext uri="{28A0092B-C50C-407E-A947-70E740481C1C}">
-                <a14:useLocalDpi xmlns:a14="http://schemas.microsoft.com/office/drawing/2010/main" val="0"/>
-              </a:ext>
-            </a:extLst>
-          </a:blip>
-          <a:stretch>
-            <a:fillRect/>
-          </a:stretch>
-        </p:blipFill>
-        <p:spPr>
-          <a:xfrm>
-            <a:off x="7003755" y="3078312"/>
-            <a:ext cx="4970072" cy="3779688"/>
-          </a:xfrm>
-          <a:prstGeom prst="rect">
-            <a:avLst/>
-          </a:prstGeom>
-        </p:spPr>
-      </p:pic>
-      <p:pic>
-        <p:nvPicPr>
-          <p:cNvPr id="7" name="Picture 6" descr="A screenshot of a cell phone&#10;&#10;Description automatically generated">
-            <a:extLst>
-              <a:ext uri="{FF2B5EF4-FFF2-40B4-BE49-F238E27FC236}">
-                <a16:creationId xmlns:a16="http://schemas.microsoft.com/office/drawing/2014/main" id="{57410A97-2276-4209-AAD5-3A9FAF10EF0D}"/>
-              </a:ext>
-            </a:extLst>
-          </p:cNvPr>
-          <p:cNvPicPr>
-            <a:picLocks noChangeAspect="1"/>
-          </p:cNvPicPr>
-          <p:nvPr/>
-        </p:nvPicPr>
-        <p:blipFill>
-          <a:blip r:embed="rId5">
-            <a:extLst>
-              <a:ext uri="{28A0092B-C50C-407E-A947-70E740481C1C}">
-                <a14:useLocalDpi xmlns:a14="http://schemas.microsoft.com/office/drawing/2010/main" val="0"/>
-              </a:ext>
-            </a:extLst>
-          </a:blip>
-          <a:stretch>
-            <a:fillRect/>
-          </a:stretch>
-        </p:blipFill>
-        <p:spPr>
-          <a:xfrm>
-            <a:off x="527013" y="523220"/>
-            <a:ext cx="5642782" cy="3206640"/>
-          </a:xfrm>
-          <a:prstGeom prst="rect">
-            <a:avLst/>
-          </a:prstGeom>
-        </p:spPr>
-      </p:pic>
-      <p:pic>
-        <p:nvPicPr>
-          <p:cNvPr id="9" name="Picture 8" descr="A picture containing bird, table&#10;&#10;Description automatically generated">
-            <a:extLst>
-              <a:ext uri="{FF2B5EF4-FFF2-40B4-BE49-F238E27FC236}">
-                <a16:creationId xmlns:a16="http://schemas.microsoft.com/office/drawing/2014/main" id="{3696C4B9-7C08-45B0-A600-D366D4DBE0A7}"/>
-              </a:ext>
-            </a:extLst>
-          </p:cNvPr>
-          <p:cNvPicPr>
-            <a:picLocks noChangeAspect="1"/>
-          </p:cNvPicPr>
-          <p:nvPr/>
-        </p:nvPicPr>
-        <p:blipFill>
-          <a:blip r:embed="rId6">
-            <a:extLst>
-              <a:ext uri="{28A0092B-C50C-407E-A947-70E740481C1C}">
-                <a14:useLocalDpi xmlns:a14="http://schemas.microsoft.com/office/drawing/2010/main" val="0"/>
-              </a:ext>
-            </a:extLst>
-          </a:blip>
-          <a:stretch>
-            <a:fillRect/>
-          </a:stretch>
-        </p:blipFill>
-        <p:spPr>
-          <a:xfrm>
-            <a:off x="1539430" y="4037869"/>
-            <a:ext cx="4389088" cy="2526561"/>
-          </a:xfrm>
-          <a:prstGeom prst="rect">
-            <a:avLst/>
-          </a:prstGeom>
-        </p:spPr>
-      </p:pic>
-    </p:spTree>
-    <p:extLst>
-      <p:ext uri="{BB962C8B-B14F-4D97-AF65-F5344CB8AC3E}">
-        <p14:creationId xmlns:p14="http://schemas.microsoft.com/office/powerpoint/2010/main" val="3620870480"/>
-      </p:ext>
-    </p:extLst>
-  </p:cSld>
-  <p:clrMapOvr>
-    <a:masterClrMapping/>
-  </p:clrMapOvr>
-</p:sld>
-</file>
-
-<file path=ppt/slides/slide11.xml><?xml version="1.0" encoding="utf-8"?>
-<p:sld xmlns:a="http://schemas.openxmlformats.org/drawingml/2006/main" xmlns:r="http://schemas.openxmlformats.org/officeDocument/2006/relationships" xmlns:p="http://schemas.openxmlformats.org/presentationml/2006/main">
-  <p:cSld>
-    <p:spTree>
-      <p:nvGrpSpPr>
-        <p:cNvPr id="1" name=""/>
-        <p:cNvGrpSpPr/>
-        <p:nvPr/>
-      </p:nvGrpSpPr>
-      <p:grpSpPr>
-        <a:xfrm>
-          <a:off x="0" y="0"/>
-          <a:ext cx="0" cy="0"/>
-          <a:chOff x="0" y="0"/>
-          <a:chExt cx="0" cy="0"/>
-        </a:xfrm>
-      </p:grpSpPr>
-      <p:sp>
-        <p:nvSpPr>
-          <p:cNvPr id="2" name="Title 1">
-            <a:extLst>
-              <a:ext uri="{FF2B5EF4-FFF2-40B4-BE49-F238E27FC236}">
-                <a16:creationId xmlns:a16="http://schemas.microsoft.com/office/drawing/2014/main" id="{F1C79842-E8BF-432C-B13A-F655174638C1}"/>
-              </a:ext>
-            </a:extLst>
-          </p:cNvPr>
-          <p:cNvSpPr>
-            <a:spLocks noGrp="1"/>
-          </p:cNvSpPr>
-          <p:nvPr>
-            <p:ph type="title"/>
-          </p:nvPr>
-        </p:nvSpPr>
-        <p:spPr/>
-        <p:txBody>
-          <a:bodyPr/>
-          <a:lstStyle/>
-          <a:p>
-            <a:endParaRPr lang="en-US"/>
-          </a:p>
-        </p:txBody>
-      </p:sp>
-      <p:sp>
-        <p:nvSpPr>
-          <p:cNvPr id="3" name="Content Placeholder 2">
-            <a:extLst>
-              <a:ext uri="{FF2B5EF4-FFF2-40B4-BE49-F238E27FC236}">
-                <a16:creationId xmlns:a16="http://schemas.microsoft.com/office/drawing/2014/main" id="{B98B4B06-06E1-4CF3-A153-AF5DF0343193}"/>
-              </a:ext>
-            </a:extLst>
-          </p:cNvPr>
-          <p:cNvSpPr>
-            <a:spLocks noGrp="1"/>
-          </p:cNvSpPr>
-          <p:nvPr>
-            <p:ph idx="1"/>
-          </p:nvPr>
-        </p:nvSpPr>
-        <p:spPr/>
-        <p:txBody>
-          <a:bodyPr/>
-          <a:lstStyle/>
-          <a:p>
-            <a:endParaRPr lang="en-US"/>
-          </a:p>
-        </p:txBody>
-      </p:sp>
-      <p:pic>
-        <p:nvPicPr>
-          <p:cNvPr id="4" name="Picture 3">
-            <a:extLst>
-              <a:ext uri="{FF2B5EF4-FFF2-40B4-BE49-F238E27FC236}">
-                <a16:creationId xmlns:a16="http://schemas.microsoft.com/office/drawing/2014/main" id="{4C1D8765-61F3-4063-AA0C-0EB4BF8AF8AB}"/>
-              </a:ext>
-            </a:extLst>
-          </p:cNvPr>
-          <p:cNvPicPr>
-            <a:picLocks noChangeAspect="1"/>
-          </p:cNvPicPr>
-          <p:nvPr/>
-        </p:nvPicPr>
-        <p:blipFill>
-          <a:blip r:embed="rId3"/>
-          <a:stretch>
-            <a:fillRect/>
-          </a:stretch>
-        </p:blipFill>
-        <p:spPr>
-          <a:xfrm>
-            <a:off x="0" y="11832"/>
-            <a:ext cx="12192000" cy="6834335"/>
-          </a:xfrm>
-          <a:prstGeom prst="rect">
-            <a:avLst/>
-          </a:prstGeom>
-        </p:spPr>
-      </p:pic>
-    </p:spTree>
-    <p:extLst>
-      <p:ext uri="{BB962C8B-B14F-4D97-AF65-F5344CB8AC3E}">
-        <p14:creationId xmlns:p14="http://schemas.microsoft.com/office/powerpoint/2010/main" val="259039989"/>
-      </p:ext>
-    </p:extLst>
-  </p:cSld>
-  <p:clrMapOvr>
-    <a:masterClrMapping/>
-  </p:clrMapOvr>
-</p:sld>
-</file>
-
-<file path=ppt/slides/slide12.xml><?xml version="1.0" encoding="utf-8"?>
-<p:sld xmlns:a="http://schemas.openxmlformats.org/drawingml/2006/main" xmlns:r="http://schemas.openxmlformats.org/officeDocument/2006/relationships" xmlns:p="http://schemas.openxmlformats.org/presentationml/2006/main">
-  <p:cSld>
-    <p:spTree>
-      <p:nvGrpSpPr>
-        <p:cNvPr id="1" name=""/>
-        <p:cNvGrpSpPr/>
-        <p:nvPr/>
-      </p:nvGrpSpPr>
-      <p:grpSpPr>
-        <a:xfrm>
-          <a:off x="0" y="0"/>
-          <a:ext cx="0" cy="0"/>
-          <a:chOff x="0" y="0"/>
-          <a:chExt cx="0" cy="0"/>
-        </a:xfrm>
-      </p:grpSpPr>
-      <p:sp>
-        <p:nvSpPr>
-          <p:cNvPr id="5" name="Title 4">
-            <a:extLst>
-              <a:ext uri="{FF2B5EF4-FFF2-40B4-BE49-F238E27FC236}">
-                <a16:creationId xmlns:a16="http://schemas.microsoft.com/office/drawing/2014/main" id="{D6F8D27D-0848-445B-8C84-7534F2F855A0}"/>
-              </a:ext>
-            </a:extLst>
-          </p:cNvPr>
-          <p:cNvSpPr>
-            <a:spLocks noGrp="1"/>
-          </p:cNvSpPr>
-          <p:nvPr>
-            <p:ph type="title"/>
-          </p:nvPr>
-        </p:nvSpPr>
-        <p:spPr/>
-        <p:txBody>
-          <a:bodyPr/>
-          <a:lstStyle/>
-          <a:p>
-            <a:r>
-              <a:rPr lang="en-US" dirty="0"/>
-              <a:t>Challenge Two: Low accuracy</a:t>
-            </a:r>
-          </a:p>
-        </p:txBody>
-      </p:sp>
-      <p:sp>
-        <p:nvSpPr>
-          <p:cNvPr id="6" name="Content Placeholder 5">
-            <a:extLst>
-              <a:ext uri="{FF2B5EF4-FFF2-40B4-BE49-F238E27FC236}">
-                <a16:creationId xmlns:a16="http://schemas.microsoft.com/office/drawing/2014/main" id="{E24E3E28-6F7D-4A11-AFFB-99BFD1A8DC78}"/>
-              </a:ext>
-            </a:extLst>
-          </p:cNvPr>
-          <p:cNvSpPr>
-            <a:spLocks noGrp="1"/>
-          </p:cNvSpPr>
-          <p:nvPr>
-            <p:ph idx="1"/>
-          </p:nvPr>
-        </p:nvSpPr>
-        <p:spPr/>
-        <p:txBody>
-          <a:bodyPr/>
-          <a:lstStyle/>
-          <a:p>
-            <a:r>
-              <a:rPr lang="en-US" dirty="0"/>
-              <a:t>We used linear regression, logistic regression, and two classification models in the hopes of finding one that could accurately predict the likelihood of success of the plays. </a:t>
-            </a:r>
-          </a:p>
-          <a:p>
-            <a:r>
-              <a:rPr lang="en-US" dirty="0"/>
-              <a:t>Unfortunately, we were unable to find any with an accuracy of above 70 ~4%, even when we used deep learning. </a:t>
-            </a:r>
-          </a:p>
-        </p:txBody>
-      </p:sp>
-    </p:spTree>
-    <p:extLst>
-      <p:ext uri="{BB962C8B-B14F-4D97-AF65-F5344CB8AC3E}">
-        <p14:creationId xmlns:p14="http://schemas.microsoft.com/office/powerpoint/2010/main" val="500897574"/>
-      </p:ext>
-    </p:extLst>
-  </p:cSld>
-  <p:clrMapOvr>
-    <a:masterClrMapping/>
-  </p:clrMapOvr>
-</p:sld>
-</file>
-
-<file path=ppt/slides/slide13.xml><?xml version="1.0" encoding="utf-8"?>
-<p:sld xmlns:a="http://schemas.openxmlformats.org/drawingml/2006/main" xmlns:r="http://schemas.openxmlformats.org/officeDocument/2006/relationships" xmlns:p="http://schemas.openxmlformats.org/presentationml/2006/main">
-  <p:cSld>
-    <p:spTree>
-      <p:nvGrpSpPr>
-        <p:cNvPr id="1" name=""/>
-        <p:cNvGrpSpPr/>
-        <p:nvPr/>
-      </p:nvGrpSpPr>
-      <p:grpSpPr>
-        <a:xfrm>
-          <a:off x="0" y="0"/>
-          <a:ext cx="0" cy="0"/>
-          <a:chOff x="0" y="0"/>
-          <a:chExt cx="0" cy="0"/>
-        </a:xfrm>
-      </p:grpSpPr>
-      <p:sp>
-        <p:nvSpPr>
-          <p:cNvPr id="7" name="Title 6">
-            <a:extLst>
-              <a:ext uri="{FF2B5EF4-FFF2-40B4-BE49-F238E27FC236}">
-                <a16:creationId xmlns:a16="http://schemas.microsoft.com/office/drawing/2014/main" id="{BE5FEBAE-36C2-4AB8-AE0A-C133EB23C482}"/>
-              </a:ext>
-            </a:extLst>
-          </p:cNvPr>
-          <p:cNvSpPr>
-            <a:spLocks noGrp="1"/>
-          </p:cNvSpPr>
-          <p:nvPr>
-            <p:ph type="title"/>
-          </p:nvPr>
-        </p:nvSpPr>
-        <p:spPr>
-          <a:xfrm>
-            <a:off x="1141413" y="609600"/>
-            <a:ext cx="9905998" cy="457200"/>
-          </a:xfrm>
-        </p:spPr>
-        <p:txBody>
-          <a:bodyPr>
-            <a:normAutofit fontScale="90000"/>
-          </a:bodyPr>
-          <a:lstStyle/>
-          <a:p>
-            <a:endParaRPr lang="en-US" dirty="0"/>
-          </a:p>
-        </p:txBody>
-      </p:sp>
-      <p:pic>
-        <p:nvPicPr>
-          <p:cNvPr id="11" name="Content Placeholder 10" descr="A screenshot of a cell phone&#10;&#10;Description automatically generated">
-            <a:extLst>
-              <a:ext uri="{FF2B5EF4-FFF2-40B4-BE49-F238E27FC236}">
-                <a16:creationId xmlns:a16="http://schemas.microsoft.com/office/drawing/2014/main" id="{154186B7-EE1A-4D56-943D-E62DACD2082D}"/>
-              </a:ext>
-            </a:extLst>
-          </p:cNvPr>
-          <p:cNvPicPr>
-            <a:picLocks noGrp="1" noChangeAspect="1"/>
-          </p:cNvPicPr>
-          <p:nvPr>
-            <p:ph sz="half" idx="1"/>
-          </p:nvPr>
-        </p:nvPicPr>
-        <p:blipFill>
-          <a:blip r:embed="rId3">
-            <a:extLst>
-              <a:ext uri="{28A0092B-C50C-407E-A947-70E740481C1C}">
-                <a14:useLocalDpi xmlns:a14="http://schemas.microsoft.com/office/drawing/2010/main" val="0"/>
-              </a:ext>
-            </a:extLst>
-          </a:blip>
-          <a:stretch>
-            <a:fillRect/>
-          </a:stretch>
-        </p:blipFill>
-        <p:spPr>
-          <a:xfrm>
-            <a:off x="1141413" y="1498600"/>
-            <a:ext cx="4312919" cy="4292600"/>
-          </a:xfrm>
-        </p:spPr>
-      </p:pic>
-      <p:pic>
-        <p:nvPicPr>
-          <p:cNvPr id="17" name="Content Placeholder 16" descr="A screenshot of a cell phone&#10;&#10;Description automatically generated">
-            <a:extLst>
-              <a:ext uri="{FF2B5EF4-FFF2-40B4-BE49-F238E27FC236}">
-                <a16:creationId xmlns:a16="http://schemas.microsoft.com/office/drawing/2014/main" id="{B2D7D716-B318-4B07-9B3D-2E48777E4B8B}"/>
-              </a:ext>
-            </a:extLst>
-          </p:cNvPr>
-          <p:cNvPicPr>
-            <a:picLocks noGrp="1" noChangeAspect="1"/>
-          </p:cNvPicPr>
-          <p:nvPr>
-            <p:ph sz="half" idx="2"/>
-          </p:nvPr>
-        </p:nvPicPr>
-        <p:blipFill>
-          <a:blip r:embed="rId4">
-            <a:extLst>
-              <a:ext uri="{28A0092B-C50C-407E-A947-70E740481C1C}">
-                <a14:useLocalDpi xmlns:a14="http://schemas.microsoft.com/office/drawing/2010/main" val="0"/>
-              </a:ext>
-            </a:extLst>
-          </a:blip>
-          <a:stretch>
-            <a:fillRect/>
-          </a:stretch>
-        </p:blipFill>
-        <p:spPr>
-          <a:xfrm>
-            <a:off x="6353493" y="1498600"/>
-            <a:ext cx="5151119" cy="4292600"/>
-          </a:xfrm>
-        </p:spPr>
-      </p:pic>
-    </p:spTree>
-    <p:extLst>
-      <p:ext uri="{BB962C8B-B14F-4D97-AF65-F5344CB8AC3E}">
-        <p14:creationId xmlns:p14="http://schemas.microsoft.com/office/powerpoint/2010/main" val="1159949302"/>
-      </p:ext>
-    </p:extLst>
-  </p:cSld>
-  <p:clrMapOvr>
-    <a:masterClrMapping/>
-  </p:clrMapOvr>
-</p:sld>
-</file>
-
-<file path=ppt/slides/slide14.xml><?xml version="1.0" encoding="utf-8"?>
-<p:sld xmlns:a="http://schemas.openxmlformats.org/drawingml/2006/main" xmlns:r="http://schemas.openxmlformats.org/officeDocument/2006/relationships" xmlns:p="http://schemas.openxmlformats.org/presentationml/2006/main">
-  <p:cSld>
-    <p:spTree>
-      <p:nvGrpSpPr>
-        <p:cNvPr id="1" name=""/>
-        <p:cNvGrpSpPr/>
-        <p:nvPr/>
-      </p:nvGrpSpPr>
-      <p:grpSpPr>
-        <a:xfrm>
-          <a:off x="0" y="0"/>
-          <a:ext cx="0" cy="0"/>
-          <a:chOff x="0" y="0"/>
-          <a:chExt cx="0" cy="0"/>
-        </a:xfrm>
-      </p:grpSpPr>
-      <p:sp>
-        <p:nvSpPr>
-          <p:cNvPr id="7" name="Title 6">
-            <a:extLst>
-              <a:ext uri="{FF2B5EF4-FFF2-40B4-BE49-F238E27FC236}">
-                <a16:creationId xmlns:a16="http://schemas.microsoft.com/office/drawing/2014/main" id="{BE5FEBAE-36C2-4AB8-AE0A-C133EB23C482}"/>
-              </a:ext>
-            </a:extLst>
-          </p:cNvPr>
-          <p:cNvSpPr>
-            <a:spLocks noGrp="1"/>
-          </p:cNvSpPr>
-          <p:nvPr>
-            <p:ph type="title"/>
-          </p:nvPr>
-        </p:nvSpPr>
-        <p:spPr>
-          <a:xfrm>
-            <a:off x="1141413" y="609600"/>
-            <a:ext cx="9905998" cy="457200"/>
-          </a:xfrm>
-        </p:spPr>
-        <p:txBody>
-          <a:bodyPr>
-            <a:normAutofit fontScale="90000"/>
-          </a:bodyPr>
-          <a:lstStyle/>
-          <a:p>
-            <a:endParaRPr lang="en-US" dirty="0"/>
-          </a:p>
-        </p:txBody>
-      </p:sp>
-      <p:pic>
-        <p:nvPicPr>
-          <p:cNvPr id="8" name="Content Placeholder 7" descr="A screenshot of a cell phone&#10;&#10;Description automatically generated">
-            <a:extLst>
-              <a:ext uri="{FF2B5EF4-FFF2-40B4-BE49-F238E27FC236}">
-                <a16:creationId xmlns:a16="http://schemas.microsoft.com/office/drawing/2014/main" id="{1DEAF9F4-FA74-4087-8BD6-38D686C6A87E}"/>
-              </a:ext>
-            </a:extLst>
-          </p:cNvPr>
-          <p:cNvPicPr>
-            <a:picLocks noGrp="1" noChangeAspect="1"/>
-          </p:cNvPicPr>
-          <p:nvPr>
-            <p:ph sz="half" idx="1"/>
-          </p:nvPr>
-        </p:nvPicPr>
-        <p:blipFill>
-          <a:blip r:embed="rId3">
-            <a:extLst>
-              <a:ext uri="{28A0092B-C50C-407E-A947-70E740481C1C}">
-                <a14:useLocalDpi xmlns:a14="http://schemas.microsoft.com/office/drawing/2010/main" val="0"/>
-              </a:ext>
-            </a:extLst>
-          </a:blip>
-          <a:stretch>
-            <a:fillRect/>
-          </a:stretch>
-        </p:blipFill>
-        <p:spPr>
-          <a:xfrm>
-            <a:off x="486093" y="1651000"/>
-            <a:ext cx="4968239" cy="4140200"/>
-          </a:xfrm>
-        </p:spPr>
-      </p:pic>
-      <p:pic>
-        <p:nvPicPr>
-          <p:cNvPr id="10" name="Content Placeholder 9" descr="A screenshot of a cell phone&#10;&#10;Description automatically generated">
-            <a:extLst>
-              <a:ext uri="{FF2B5EF4-FFF2-40B4-BE49-F238E27FC236}">
-                <a16:creationId xmlns:a16="http://schemas.microsoft.com/office/drawing/2014/main" id="{A20AE008-9BB9-45A6-99CF-A03D1BB22EF4}"/>
-              </a:ext>
-            </a:extLst>
-          </p:cNvPr>
-          <p:cNvPicPr>
-            <a:picLocks noGrp="1" noChangeAspect="1"/>
-          </p:cNvPicPr>
-          <p:nvPr>
-            <p:ph sz="half" idx="2"/>
-          </p:nvPr>
-        </p:nvPicPr>
-        <p:blipFill>
-          <a:blip r:embed="rId4">
-            <a:extLst>
-              <a:ext uri="{28A0092B-C50C-407E-A947-70E740481C1C}">
-                <a14:useLocalDpi xmlns:a14="http://schemas.microsoft.com/office/drawing/2010/main" val="0"/>
-              </a:ext>
-            </a:extLst>
-          </a:blip>
-          <a:stretch>
-            <a:fillRect/>
-          </a:stretch>
-        </p:blipFill>
-        <p:spPr>
-          <a:xfrm>
-            <a:off x="6734493" y="1651000"/>
-            <a:ext cx="4968239" cy="4140200"/>
-          </a:xfrm>
-        </p:spPr>
-      </p:pic>
-    </p:spTree>
-    <p:extLst>
-      <p:ext uri="{BB962C8B-B14F-4D97-AF65-F5344CB8AC3E}">
-        <p14:creationId xmlns:p14="http://schemas.microsoft.com/office/powerpoint/2010/main" val="2934833398"/>
-      </p:ext>
-    </p:extLst>
-  </p:cSld>
-  <p:clrMapOvr>
-    <a:masterClrMapping/>
-  </p:clrMapOvr>
-</p:sld>
-</file>
-
-<file path=ppt/slides/slide15.xml><?xml version="1.0" encoding="utf-8"?>
-<p:sld xmlns:a="http://schemas.openxmlformats.org/drawingml/2006/main" xmlns:r="http://schemas.openxmlformats.org/officeDocument/2006/relationships" xmlns:p="http://schemas.openxmlformats.org/presentationml/2006/main">
-  <p:cSld>
-    <p:spTree>
-      <p:nvGrpSpPr>
-        <p:cNvPr id="1" name=""/>
-        <p:cNvGrpSpPr/>
-        <p:nvPr/>
-      </p:nvGrpSpPr>
-      <p:grpSpPr>
-        <a:xfrm>
-          <a:off x="0" y="0"/>
-          <a:ext cx="0" cy="0"/>
-          <a:chOff x="0" y="0"/>
-          <a:chExt cx="0" cy="0"/>
-        </a:xfrm>
-      </p:grpSpPr>
-      <p:sp>
-        <p:nvSpPr>
-          <p:cNvPr id="2" name="Title 1">
-            <a:extLst>
-              <a:ext uri="{FF2B5EF4-FFF2-40B4-BE49-F238E27FC236}">
-                <a16:creationId xmlns:a16="http://schemas.microsoft.com/office/drawing/2014/main" id="{4014AB50-5090-4EB7-BCA5-F39FFF73DAFF}"/>
-              </a:ext>
-            </a:extLst>
-          </p:cNvPr>
-          <p:cNvSpPr>
-            <a:spLocks noGrp="1"/>
-          </p:cNvSpPr>
-          <p:nvPr>
-            <p:ph type="title"/>
-          </p:nvPr>
-        </p:nvSpPr>
-        <p:spPr>
-          <a:xfrm>
-            <a:off x="1141413" y="609600"/>
-            <a:ext cx="9905998" cy="457200"/>
-          </a:xfrm>
-        </p:spPr>
-        <p:txBody>
-          <a:bodyPr>
-            <a:normAutofit fontScale="90000"/>
-          </a:bodyPr>
-          <a:lstStyle/>
-          <a:p>
-            <a:endParaRPr lang="en-US" dirty="0"/>
-          </a:p>
-        </p:txBody>
-      </p:sp>
-      <p:pic>
-        <p:nvPicPr>
-          <p:cNvPr id="6" name="Content Placeholder 5" descr="A screenshot of a cell phone&#10;&#10;Description automatically generated">
-            <a:extLst>
-              <a:ext uri="{FF2B5EF4-FFF2-40B4-BE49-F238E27FC236}">
-                <a16:creationId xmlns:a16="http://schemas.microsoft.com/office/drawing/2014/main" id="{8F584762-C0AB-4554-BDC3-8E0CC6368041}"/>
-              </a:ext>
-            </a:extLst>
-          </p:cNvPr>
-          <p:cNvPicPr>
-            <a:picLocks noGrp="1" noChangeAspect="1"/>
-          </p:cNvPicPr>
-          <p:nvPr>
-            <p:ph sz="half" idx="1"/>
-          </p:nvPr>
-        </p:nvPicPr>
-        <p:blipFill>
-          <a:blip r:embed="rId3">
-            <a:extLst>
-              <a:ext uri="{28A0092B-C50C-407E-A947-70E740481C1C}">
-                <a14:useLocalDpi xmlns:a14="http://schemas.microsoft.com/office/drawing/2010/main" val="0"/>
-              </a:ext>
-            </a:extLst>
-          </a:blip>
-          <a:stretch>
-            <a:fillRect/>
-          </a:stretch>
-        </p:blipFill>
-        <p:spPr>
-          <a:xfrm>
-            <a:off x="1705293" y="2667000"/>
-            <a:ext cx="3749039" cy="3124200"/>
-          </a:xfrm>
-        </p:spPr>
-      </p:pic>
-      <p:pic>
-        <p:nvPicPr>
-          <p:cNvPr id="8" name="Content Placeholder 7" descr="A screenshot of a cell phone&#10;&#10;Description automatically generated">
-            <a:extLst>
-              <a:ext uri="{FF2B5EF4-FFF2-40B4-BE49-F238E27FC236}">
-                <a16:creationId xmlns:a16="http://schemas.microsoft.com/office/drawing/2014/main" id="{8AA0E65B-2425-4701-8718-080125B03605}"/>
-              </a:ext>
-            </a:extLst>
-          </p:cNvPr>
-          <p:cNvPicPr>
-            <a:picLocks noGrp="1" noChangeAspect="1"/>
-          </p:cNvPicPr>
-          <p:nvPr>
-            <p:ph sz="half" idx="2"/>
-          </p:nvPr>
-        </p:nvPicPr>
-        <p:blipFill>
-          <a:blip r:embed="rId4">
-            <a:extLst>
-              <a:ext uri="{28A0092B-C50C-407E-A947-70E740481C1C}">
-                <a14:useLocalDpi xmlns:a14="http://schemas.microsoft.com/office/drawing/2010/main" val="0"/>
-              </a:ext>
-            </a:extLst>
-          </a:blip>
-          <a:stretch>
-            <a:fillRect/>
-          </a:stretch>
-        </p:blipFill>
-        <p:spPr>
-          <a:xfrm>
-            <a:off x="6734493" y="2667000"/>
-            <a:ext cx="3749039" cy="3124200"/>
-          </a:xfrm>
-        </p:spPr>
-      </p:pic>
-    </p:spTree>
-    <p:extLst>
-      <p:ext uri="{BB962C8B-B14F-4D97-AF65-F5344CB8AC3E}">
-        <p14:creationId xmlns:p14="http://schemas.microsoft.com/office/powerpoint/2010/main" val="2780314523"/>
-      </p:ext>
-    </p:extLst>
-  </p:cSld>
-  <p:clrMapOvr>
-    <a:masterClrMapping/>
-  </p:clrMapOvr>
-</p:sld>
-</file>
-
-<file path=ppt/slides/slide16.xml><?xml version="1.0" encoding="utf-8"?>
-<p:sld xmlns:a="http://schemas.openxmlformats.org/drawingml/2006/main" xmlns:r="http://schemas.openxmlformats.org/officeDocument/2006/relationships" xmlns:p="http://schemas.openxmlformats.org/presentationml/2006/main">
-  <p:cSld>
-    <p:spTree>
-      <p:nvGrpSpPr>
-        <p:cNvPr id="1" name=""/>
-        <p:cNvGrpSpPr/>
-        <p:nvPr/>
-      </p:nvGrpSpPr>
-      <p:grpSpPr>
-        <a:xfrm>
-          <a:off x="0" y="0"/>
-          <a:ext cx="0" cy="0"/>
-          <a:chOff x="0" y="0"/>
-          <a:chExt cx="0" cy="0"/>
-        </a:xfrm>
-      </p:grpSpPr>
-      <p:sp>
-        <p:nvSpPr>
-          <p:cNvPr id="2" name="Title 1">
-            <a:extLst>
-              <a:ext uri="{FF2B5EF4-FFF2-40B4-BE49-F238E27FC236}">
-                <a16:creationId xmlns:a16="http://schemas.microsoft.com/office/drawing/2014/main" id="{E3E128F2-E747-4D55-A988-33E341C27F22}"/>
-              </a:ext>
-            </a:extLst>
-          </p:cNvPr>
-          <p:cNvSpPr>
-            <a:spLocks noGrp="1"/>
-          </p:cNvSpPr>
-          <p:nvPr>
-            <p:ph type="title"/>
-          </p:nvPr>
-        </p:nvSpPr>
-        <p:spPr>
-          <a:xfrm>
-            <a:off x="1141413" y="609600"/>
-            <a:ext cx="9905998" cy="5377132"/>
-          </a:xfrm>
-        </p:spPr>
-        <p:txBody>
-          <a:bodyPr/>
-          <a:lstStyle/>
-          <a:p>
-            <a:pPr algn="ctr"/>
-            <a:r>
-              <a:rPr lang="en-US" dirty="0"/>
-              <a:t>fin</a:t>
-            </a:r>
-          </a:p>
-        </p:txBody>
-      </p:sp>
-    </p:spTree>
-    <p:extLst>
-      <p:ext uri="{BB962C8B-B14F-4D97-AF65-F5344CB8AC3E}">
-        <p14:creationId xmlns:p14="http://schemas.microsoft.com/office/powerpoint/2010/main" val="1685573632"/>
-      </p:ext>
-    </p:extLst>
-  </p:cSld>
-  <p:clrMapOvr>
-    <a:masterClrMapping/>
-  </p:clrMapOvr>
-</p:sld>
-</file>
-
-<file path=ppt/slides/slide2.xml><?xml version="1.0" encoding="utf-8"?>
-<p:sld xmlns:a="http://schemas.openxmlformats.org/drawingml/2006/main" xmlns:r="http://schemas.openxmlformats.org/officeDocument/2006/relationships" xmlns:p="http://schemas.openxmlformats.org/presentationml/2006/main">
-  <p:cSld>
-    <p:spTree>
-      <p:nvGrpSpPr>
-        <p:cNvPr id="1" name=""/>
-        <p:cNvGrpSpPr/>
-        <p:nvPr/>
-      </p:nvGrpSpPr>
-      <p:grpSpPr>
-        <a:xfrm>
-          <a:off x="0" y="0"/>
-          <a:ext cx="0" cy="0"/>
-          <a:chOff x="0" y="0"/>
-          <a:chExt cx="0" cy="0"/>
-        </a:xfrm>
-      </p:grpSpPr>
-      <p:sp>
-        <p:nvSpPr>
-          <p:cNvPr id="2" name="Title 1">
-            <a:extLst>
-              <a:ext uri="{FF2B5EF4-FFF2-40B4-BE49-F238E27FC236}">
-                <a16:creationId xmlns:a16="http://schemas.microsoft.com/office/drawing/2014/main" id="{DD47DD54-DD28-46D3-A6E5-2A5963C06A3F}"/>
-              </a:ext>
-            </a:extLst>
-          </p:cNvPr>
-          <p:cNvSpPr>
-            <a:spLocks noGrp="1"/>
-          </p:cNvSpPr>
-          <p:nvPr>
-            <p:ph type="title"/>
-          </p:nvPr>
-        </p:nvSpPr>
-        <p:spPr/>
-        <p:txBody>
-          <a:bodyPr/>
-          <a:lstStyle/>
-          <a:p>
-            <a:r>
-              <a:rPr lang="en-US" dirty="0"/>
-              <a:t>Goal</a:t>
-            </a:r>
-          </a:p>
-        </p:txBody>
-      </p:sp>
-      <p:sp>
-        <p:nvSpPr>
-          <p:cNvPr id="3" name="Content Placeholder 2">
-            <a:extLst>
-              <a:ext uri="{FF2B5EF4-FFF2-40B4-BE49-F238E27FC236}">
-                <a16:creationId xmlns:a16="http://schemas.microsoft.com/office/drawing/2014/main" id="{5D6B98E1-5589-4066-A5A8-DE574AA6A1AC}"/>
-              </a:ext>
-            </a:extLst>
-          </p:cNvPr>
-          <p:cNvSpPr>
-            <a:spLocks noGrp="1"/>
-          </p:cNvSpPr>
-          <p:nvPr>
-            <p:ph idx="1"/>
-          </p:nvPr>
-        </p:nvSpPr>
-        <p:spPr>
-          <a:xfrm>
-            <a:off x="1072055" y="2191407"/>
-            <a:ext cx="9975356" cy="3599794"/>
-          </a:xfrm>
-        </p:spPr>
-        <p:txBody>
-          <a:bodyPr/>
-          <a:lstStyle/>
-          <a:p>
-            <a:r>
-              <a:rPr lang="en-US" dirty="0"/>
-              <a:t>The goal was to determine whether we could accurately predict the success potential of a third down play based on current game situation. Specifically, whether teams should run or pass in certain conditions.</a:t>
-            </a:r>
-          </a:p>
-          <a:p>
-            <a:r>
-              <a:rPr lang="en-US" dirty="0"/>
-              <a:t>We focused on third down because failing to convert a third down usually means the drive has stalled and the team must punt or attempt a field goal. In turn, time of possession is something that teams seek to control in each game. While each down is important, this “make or Break” situation doesn’t exist on the 1</a:t>
-            </a:r>
-            <a:r>
-              <a:rPr lang="en-US" baseline="30000" dirty="0"/>
-              <a:t>st</a:t>
-            </a:r>
-            <a:r>
-              <a:rPr lang="en-US" dirty="0"/>
-              <a:t> and 2</a:t>
-            </a:r>
-            <a:r>
-              <a:rPr lang="en-US" baseline="30000" dirty="0"/>
-              <a:t>nd</a:t>
-            </a:r>
-            <a:r>
-              <a:rPr lang="en-US" dirty="0"/>
-              <a:t> down. </a:t>
-            </a:r>
-          </a:p>
-        </p:txBody>
-      </p:sp>
-    </p:spTree>
-    <p:extLst>
-      <p:ext uri="{BB962C8B-B14F-4D97-AF65-F5344CB8AC3E}">
-        <p14:creationId xmlns:p14="http://schemas.microsoft.com/office/powerpoint/2010/main" val="2890131826"/>
-      </p:ext>
-    </p:extLst>
-  </p:cSld>
-  <p:clrMapOvr>
-    <a:masterClrMapping/>
-  </p:clrMapOvr>
-</p:sld>
-</file>
-
-<file path=ppt/slides/slide3.xml><?xml version="1.0" encoding="utf-8"?>
-<p:sld xmlns:a="http://schemas.openxmlformats.org/drawingml/2006/main" xmlns:r="http://schemas.openxmlformats.org/officeDocument/2006/relationships" xmlns:p="http://schemas.openxmlformats.org/presentationml/2006/main">
-  <p:cSld>
-    <p:spTree>
-      <p:nvGrpSpPr>
-        <p:cNvPr id="1" name=""/>
-        <p:cNvGrpSpPr/>
-        <p:nvPr/>
-      </p:nvGrpSpPr>
-      <p:grpSpPr>
-        <a:xfrm>
-          <a:off x="0" y="0"/>
-          <a:ext cx="0" cy="0"/>
-          <a:chOff x="0" y="0"/>
-          <a:chExt cx="0" cy="0"/>
-        </a:xfrm>
-      </p:grpSpPr>
-      <p:sp>
-        <p:nvSpPr>
-          <p:cNvPr id="2" name="Title 1">
-            <a:extLst>
-              <a:ext uri="{FF2B5EF4-FFF2-40B4-BE49-F238E27FC236}">
-                <a16:creationId xmlns:a16="http://schemas.microsoft.com/office/drawing/2014/main" id="{B70F4CF8-69BA-4940-8D09-AF80B38B8030}"/>
-              </a:ext>
-            </a:extLst>
-          </p:cNvPr>
-          <p:cNvSpPr>
-            <a:spLocks noGrp="1"/>
-          </p:cNvSpPr>
-          <p:nvPr>
-            <p:ph type="title"/>
-          </p:nvPr>
-        </p:nvSpPr>
-        <p:spPr/>
-        <p:txBody>
-          <a:bodyPr/>
-          <a:lstStyle/>
-          <a:p>
-            <a:r>
-              <a:rPr lang="en-US" dirty="0"/>
-              <a:t>Tools and data</a:t>
-            </a:r>
-          </a:p>
-        </p:txBody>
-      </p:sp>
-      <p:sp>
-        <p:nvSpPr>
-          <p:cNvPr id="3" name="Content Placeholder 2">
-            <a:extLst>
-              <a:ext uri="{FF2B5EF4-FFF2-40B4-BE49-F238E27FC236}">
-                <a16:creationId xmlns:a16="http://schemas.microsoft.com/office/drawing/2014/main" id="{5EE97864-97F9-488A-8423-A93BFBB716FC}"/>
-              </a:ext>
-            </a:extLst>
-          </p:cNvPr>
-          <p:cNvSpPr>
-            <a:spLocks noGrp="1"/>
-          </p:cNvSpPr>
-          <p:nvPr>
-            <p:ph idx="1"/>
-          </p:nvPr>
-        </p:nvSpPr>
-        <p:spPr/>
-        <p:txBody>
-          <a:bodyPr/>
-          <a:lstStyle/>
-          <a:p>
-            <a:r>
-              <a:rPr lang="en-US" dirty="0"/>
-              <a:t>We used several python libraries in our analyses: pandas, </a:t>
-            </a:r>
-            <a:r>
-              <a:rPr lang="en-US" dirty="0" err="1"/>
-              <a:t>numpy</a:t>
-            </a:r>
-            <a:r>
-              <a:rPr lang="en-US" dirty="0"/>
-              <a:t>, sci-kit learn.</a:t>
-            </a:r>
-          </a:p>
-          <a:p>
-            <a:r>
-              <a:rPr lang="en-US" dirty="0"/>
-              <a:t>We  used the seaborn and matplotlib libraries and tableau to create our visualizations. </a:t>
-            </a:r>
-          </a:p>
-          <a:p>
-            <a:r>
-              <a:rPr lang="en-US" dirty="0"/>
-              <a:t>Our data came from the </a:t>
-            </a:r>
-            <a:r>
-              <a:rPr lang="en-US" dirty="0" err="1"/>
-              <a:t>nfl</a:t>
-            </a:r>
-            <a:r>
-              <a:rPr lang="en-US" dirty="0"/>
-              <a:t> </a:t>
-            </a:r>
-            <a:r>
-              <a:rPr lang="en-US" dirty="0" err="1"/>
-              <a:t>api</a:t>
-            </a:r>
-            <a:r>
-              <a:rPr lang="en-US" dirty="0"/>
-              <a:t>.</a:t>
-            </a:r>
-          </a:p>
-        </p:txBody>
-      </p:sp>
-    </p:spTree>
-    <p:extLst>
-      <p:ext uri="{BB962C8B-B14F-4D97-AF65-F5344CB8AC3E}">
-        <p14:creationId xmlns:p14="http://schemas.microsoft.com/office/powerpoint/2010/main" val="2253457673"/>
-      </p:ext>
-    </p:extLst>
-  </p:cSld>
-  <p:clrMapOvr>
-    <a:masterClrMapping/>
-  </p:clrMapOvr>
-</p:sld>
-</file>
-
-<file path=ppt/slides/slide4.xml><?xml version="1.0" encoding="utf-8"?>
-<p:sld xmlns:a="http://schemas.openxmlformats.org/drawingml/2006/main" xmlns:r="http://schemas.openxmlformats.org/officeDocument/2006/relationships" xmlns:p="http://schemas.openxmlformats.org/presentationml/2006/main">
-  <p:cSld>
-    <p:bg>
-      <p:bgPr>
-        <a:blipFill rotWithShape="1">
-          <a:blip r:embed="rId3">
-            <a:duotone>
-              <a:schemeClr val="bg2">
-                <a:shade val="28000"/>
-                <a:satMod val="94000"/>
-                <a:lumMod val="20000"/>
-              </a:schemeClr>
-              <a:schemeClr val="bg2">
-                <a:tint val="94000"/>
-                <a:shade val="84000"/>
-                <a:satMod val="148000"/>
-                <a:lumMod val="114000"/>
-              </a:schemeClr>
-            </a:duotone>
-          </a:blip>
-          <a:stretch/>
-        </a:blipFill>
-        <a:effectLst/>
-      </p:bgPr>
-    </p:bg>
-    <p:spTree>
-      <p:nvGrpSpPr>
-        <p:cNvPr id="1" name=""/>
-        <p:cNvGrpSpPr/>
-        <p:nvPr/>
-      </p:nvGrpSpPr>
-      <p:grpSpPr>
-        <a:xfrm>
-          <a:off x="0" y="0"/>
-          <a:ext cx="0" cy="0"/>
-          <a:chOff x="0" y="0"/>
-          <a:chExt cx="0" cy="0"/>
-        </a:xfrm>
-      </p:grpSpPr>
-      <p:sp>
-        <p:nvSpPr>
-          <p:cNvPr id="2" name="Title 1">
-            <a:extLst>
-              <a:ext uri="{FF2B5EF4-FFF2-40B4-BE49-F238E27FC236}">
-                <a16:creationId xmlns:a16="http://schemas.microsoft.com/office/drawing/2014/main" id="{2479F550-120A-49F4-B295-D9926EBFC31C}"/>
-              </a:ext>
-            </a:extLst>
-          </p:cNvPr>
-          <p:cNvSpPr>
-            <a:spLocks noGrp="1"/>
-          </p:cNvSpPr>
-          <p:nvPr>
-            <p:ph type="title"/>
-          </p:nvPr>
-        </p:nvSpPr>
-        <p:spPr>
-          <a:xfrm>
-            <a:off x="974179" y="714375"/>
-            <a:ext cx="3332955" cy="5076826"/>
-          </a:xfrm>
-        </p:spPr>
-        <p:txBody>
-          <a:bodyPr anchor="ctr">
-            <a:normAutofit/>
-          </a:bodyPr>
-          <a:lstStyle/>
-          <a:p>
-            <a:r>
-              <a:rPr lang="en-US" sz="4000" dirty="0">
-                <a:solidFill>
-                  <a:schemeClr val="tx2">
-                    <a:lumMod val="90000"/>
-                  </a:schemeClr>
-                </a:solidFill>
-              </a:rPr>
-              <a:t>Data and cleaning: </a:t>
-            </a:r>
-          </a:p>
-        </p:txBody>
-      </p:sp>
-      <p:sp>
-        <p:nvSpPr>
-          <p:cNvPr id="8" name="Rectangle 7">
-            <a:extLst>
-              <a:ext uri="{FF2B5EF4-FFF2-40B4-BE49-F238E27FC236}">
-                <a16:creationId xmlns:a16="http://schemas.microsoft.com/office/drawing/2014/main" id="{375136A9-49F9-4DA0-A741-F065B0FA091D}"/>
-              </a:ext>
-              <a:ext uri="{C183D7F6-B498-43B3-948B-1728B52AA6E4}">
-                <adec:decorative xmlns:adec="http://schemas.microsoft.com/office/drawing/2017/decorative" val="1"/>
-              </a:ext>
-            </a:extLst>
-          </p:cNvPr>
-          <p:cNvSpPr>
-            <a:spLocks noGrp="1" noRot="1" noChangeAspect="1" noMove="1" noResize="1" noEditPoints="1" noAdjustHandles="1" noChangeArrowheads="1" noChangeShapeType="1" noTextEdit="1"/>
-          </p:cNvSpPr>
-          <p:nvPr>
-            <p:extLst>
-              <p:ext uri="{386F3935-93C4-4BCD-93E2-E3B085C9AB24}">
-                <p16:designElem xmlns:p16="http://schemas.microsoft.com/office/powerpoint/2015/main" val="1"/>
-              </p:ext>
-            </p:extLst>
-          </p:nvPr>
-        </p:nvSpPr>
-        <p:spPr>
-          <a:xfrm>
-            <a:off x="4633356" y="0"/>
-            <a:ext cx="7558643" cy="6858000"/>
-          </a:xfrm>
-          <a:prstGeom prst="rect">
-            <a:avLst/>
-          </a:prstGeom>
-          <a:solidFill>
-            <a:schemeClr val="bg2"/>
-          </a:solidFill>
-          <a:ln>
-            <a:noFill/>
-          </a:ln>
-          <a:effectLst>
-            <a:innerShdw blurRad="63500" dist="50800" dir="10800000">
-              <a:prstClr val="black">
-                <a:alpha val="50000"/>
-              </a:prstClr>
-            </a:innerShdw>
-          </a:effectLst>
-        </p:spPr>
-        <p:style>
-          <a:lnRef idx="2">
-            <a:schemeClr val="accent1">
-              <a:shade val="50000"/>
-            </a:schemeClr>
-          </a:lnRef>
-          <a:fillRef idx="1">
-            <a:schemeClr val="accent1"/>
-          </a:fillRef>
-          <a:effectRef idx="0">
-            <a:schemeClr val="accent1"/>
-          </a:effectRef>
-          <a:fontRef idx="minor">
-            <a:schemeClr val="lt1"/>
-          </a:fontRef>
-        </p:style>
-        <p:txBody>
-          <a:bodyPr rtlCol="0" anchor="ctr"/>
-          <a:lstStyle/>
-          <a:p>
-            <a:pPr algn="ctr"/>
-            <a:endParaRPr lang="en-US" dirty="0"/>
-          </a:p>
-        </p:txBody>
-      </p:sp>
-      <p:sp>
-        <p:nvSpPr>
-          <p:cNvPr id="10" name="Rectangle 9">
-            <a:extLst>
-              <a:ext uri="{FF2B5EF4-FFF2-40B4-BE49-F238E27FC236}">
-                <a16:creationId xmlns:a16="http://schemas.microsoft.com/office/drawing/2014/main" id="{B912F6C7-0423-4B6F-AECE-710C848918FD}"/>
-              </a:ext>
-              <a:ext uri="{C183D7F6-B498-43B3-948B-1728B52AA6E4}">
-                <adec:decorative xmlns:adec="http://schemas.microsoft.com/office/drawing/2017/decorative" val="1"/>
-              </a:ext>
-            </a:extLst>
-          </p:cNvPr>
-          <p:cNvSpPr>
-            <a:spLocks noGrp="1" noRot="1" noChangeAspect="1" noMove="1" noResize="1" noEditPoints="1" noAdjustHandles="1" noChangeArrowheads="1" noChangeShapeType="1" noTextEdit="1"/>
-          </p:cNvSpPr>
-          <p:nvPr>
-            <p:extLst>
-              <p:ext uri="{386F3935-93C4-4BCD-93E2-E3B085C9AB24}">
-                <p16:designElem xmlns:p16="http://schemas.microsoft.com/office/powerpoint/2015/main" val="1"/>
-              </p:ext>
-            </p:extLst>
-          </p:nvPr>
-        </p:nvSpPr>
-        <p:spPr>
-          <a:xfrm rot="5400000" flipH="1">
-            <a:off x="1446539" y="3195797"/>
-            <a:ext cx="6858000" cy="466406"/>
-          </a:xfrm>
-          <a:prstGeom prst="rect">
-            <a:avLst/>
-          </a:prstGeom>
-          <a:gradFill>
-            <a:gsLst>
-              <a:gs pos="0">
-                <a:srgbClr val="363D46">
-                  <a:alpha val="0"/>
-                </a:srgbClr>
-              </a:gs>
-              <a:gs pos="100000">
-                <a:srgbClr val="363D46">
-                  <a:lumMod val="75000"/>
-                </a:srgbClr>
-              </a:gs>
-            </a:gsLst>
-            <a:lin ang="5400000" scaled="0"/>
-          </a:gradFill>
-          <a:ln>
-            <a:noFill/>
-          </a:ln>
-          <a:effectLst/>
-        </p:spPr>
-        <p:style>
-          <a:lnRef idx="2">
-            <a:schemeClr val="accent1">
-              <a:shade val="50000"/>
-            </a:schemeClr>
-          </a:lnRef>
-          <a:fillRef idx="1">
-            <a:schemeClr val="accent1"/>
-          </a:fillRef>
-          <a:effectRef idx="0">
-            <a:schemeClr val="accent1"/>
-          </a:effectRef>
-          <a:fontRef idx="minor">
-            <a:schemeClr val="lt1"/>
-          </a:fontRef>
-        </p:style>
-        <p:txBody>
-          <a:bodyPr rot="0" spcFirstLastPara="0" vertOverflow="overflow" horzOverflow="overflow" vert="horz" wrap="square" lIns="91440" tIns="45720" rIns="91440" bIns="45720" numCol="1" spcCol="0" rtlCol="0" fromWordArt="0" anchor="ctr" anchorCtr="0" forceAA="0" compatLnSpc="1">
-            <a:prstTxWarp prst="textNoShape">
-              <a:avLst/>
-            </a:prstTxWarp>
-            <a:noAutofit/>
-          </a:bodyPr>
-          <a:lstStyle/>
-          <a:p>
-            <a:pPr algn="ctr"/>
-            <a:endParaRPr lang="en-US"/>
-          </a:p>
-        </p:txBody>
-      </p:sp>
-      <p:cxnSp>
-        <p:nvCxnSpPr>
-          <p:cNvPr id="12" name="Straight Connector 11">
-            <a:extLst>
-              <a:ext uri="{FF2B5EF4-FFF2-40B4-BE49-F238E27FC236}">
-                <a16:creationId xmlns:a16="http://schemas.microsoft.com/office/drawing/2014/main" id="{A7208205-03EE-4EC8-9C34-59270C1880D8}"/>
-              </a:ext>
-              <a:ext uri="{C183D7F6-B498-43B3-948B-1728B52AA6E4}">
-                <adec:decorative xmlns:adec="http://schemas.microsoft.com/office/drawing/2017/decorative" val="1"/>
-              </a:ext>
-            </a:extLst>
-          </p:cNvPr>
-          <p:cNvCxnSpPr>
-            <a:cxnSpLocks noGrp="1" noRot="1" noChangeAspect="1" noMove="1" noResize="1" noEditPoints="1" noAdjustHandles="1" noChangeArrowheads="1" noChangeShapeType="1"/>
-          </p:cNvCxnSpPr>
-          <p:nvPr>
-            <p:extLst>
-              <p:ext uri="{386F3935-93C4-4BCD-93E2-E3B085C9AB24}">
-                <p16:designElem xmlns:p16="http://schemas.microsoft.com/office/powerpoint/2015/main" val="1"/>
-              </p:ext>
-            </p:extLst>
-          </p:nvPr>
-        </p:nvCxnSpPr>
-        <p:spPr>
-          <a:xfrm>
-            <a:off x="4642336" y="0"/>
-            <a:ext cx="0" cy="6858000"/>
-          </a:xfrm>
-          <a:prstGeom prst="line">
-            <a:avLst/>
-          </a:prstGeom>
-          <a:solidFill>
-            <a:srgbClr val="FFFFFF"/>
-          </a:solidFill>
-          <a:ln w="38100" cap="flat">
-            <a:gradFill flip="none" rotWithShape="1">
-              <a:gsLst>
-                <a:gs pos="0">
-                  <a:srgbClr val="363D46"/>
-                </a:gs>
-                <a:gs pos="100000">
-                  <a:srgbClr val="363D46">
-                    <a:lumMod val="75000"/>
-                  </a:srgbClr>
-                </a:gs>
-              </a:gsLst>
-              <a:lin ang="5400000" scaled="0"/>
-              <a:tileRect/>
-            </a:gradFill>
-            <a:miter lim="800000"/>
-          </a:ln>
-          <a:effectLst>
-            <a:innerShdw blurRad="57150" dist="38100" dir="14460000">
-              <a:srgbClr val="000000">
-                <a:alpha val="70000"/>
-              </a:srgbClr>
-            </a:innerShdw>
-          </a:effectLst>
-        </p:spPr>
-        <p:style>
-          <a:lnRef idx="2">
-            <a:schemeClr val="accent1">
-              <a:shade val="50000"/>
-            </a:schemeClr>
-          </a:lnRef>
-          <a:fillRef idx="1">
-            <a:schemeClr val="accent1"/>
-          </a:fillRef>
-          <a:effectRef idx="0">
-            <a:schemeClr val="accent1"/>
-          </a:effectRef>
-          <a:fontRef idx="minor">
-            <a:schemeClr val="lt1"/>
-          </a:fontRef>
-        </p:style>
-      </p:cxnSp>
-      <p:sp>
-        <p:nvSpPr>
-          <p:cNvPr id="7" name="Rectangle 4">
-            <a:extLst>
-              <a:ext uri="{FF2B5EF4-FFF2-40B4-BE49-F238E27FC236}">
-                <a16:creationId xmlns:a16="http://schemas.microsoft.com/office/drawing/2014/main" id="{ACA45BE0-1CD8-489E-AB1C-3CFC98B4CEE4}"/>
-              </a:ext>
-            </a:extLst>
-          </p:cNvPr>
-          <p:cNvSpPr>
-            <a:spLocks noGrp="1" noChangeArrowheads="1"/>
-          </p:cNvSpPr>
-          <p:nvPr>
-            <p:ph idx="1"/>
-          </p:nvPr>
-        </p:nvSpPr>
-        <p:spPr bwMode="auto">
-          <a:xfrm>
-            <a:off x="4973639" y="1159910"/>
-            <a:ext cx="6976624" cy="4185761"/>
-          </a:xfrm>
-          <a:prstGeom prst="rect">
-            <a:avLst/>
-          </a:prstGeom>
-          <a:noFill/>
-          <a:ln>
-            <a:noFill/>
-          </a:ln>
-          <a:effectLst/>
-          <a:extLst>
-            <a:ext uri="{909E8E84-426E-40DD-AFC4-6F175D3DCCD1}">
-              <a14:hiddenFill xmlns:a14="http://schemas.microsoft.com/office/drawing/2010/main">
-                <a:solidFill>
-                  <a:schemeClr val="accent1"/>
-                </a:solidFill>
-              </a14:hiddenFill>
-            </a:ext>
-            <a:ext uri="{91240B29-F687-4F45-9708-019B960494DF}">
-              <a14:hiddenLine xmlns:a14="http://schemas.microsoft.com/office/drawing/2010/main" w="9525">
-                <a:solidFill>
-                  <a:schemeClr val="tx1"/>
-                </a:solidFill>
-                <a:miter lim="800000"/>
-                <a:headEnd/>
-                <a:tailEnd/>
-              </a14:hiddenLine>
-            </a:ext>
-            <a:ext uri="{AF507438-7753-43E0-B8FC-AC1667EBCBE1}">
-              <a14:hiddenEffects xmlns:a14="http://schemas.microsoft.com/office/drawing/2010/main">
-                <a:effectLst>
-                  <a:outerShdw dist="35921" dir="2700000" algn="ctr" rotWithShape="0">
-                    <a:schemeClr val="bg2"/>
-                  </a:outerShdw>
-                </a:effectLst>
-              </a14:hiddenEffects>
-            </a:ext>
-          </a:extLst>
-        </p:spPr>
-        <p:txBody>
-          <a:bodyPr vert="horz" wrap="square" lIns="91440" tIns="45720" rIns="91440" bIns="45720" numCol="1" anchor="ctr" anchorCtr="0" compatLnSpc="1">
-            <a:prstTxWarp prst="textNoShape">
-              <a:avLst/>
-            </a:prstTxWarp>
-            <a:spAutoFit/>
-          </a:bodyPr>
-          <a:lstStyle>
-            <a:lvl1pPr eaLnBrk="0" fontAlgn="base" hangingPunct="0">
-              <a:spcBef>
-                <a:spcPct val="0"/>
-              </a:spcBef>
-              <a:spcAft>
-                <a:spcPct val="0"/>
-              </a:spcAft>
-              <a:defRPr>
-                <a:solidFill>
-                  <a:schemeClr val="tx1"/>
-                </a:solidFill>
-                <a:latin typeface="Arial" panose="020B0604020202020204" pitchFamily="34" charset="0"/>
-              </a:defRPr>
-            </a:lvl1pPr>
-            <a:lvl2pPr eaLnBrk="0" fontAlgn="base" hangingPunct="0">
-              <a:spcBef>
-                <a:spcPct val="0"/>
-              </a:spcBef>
-              <a:spcAft>
-                <a:spcPct val="0"/>
-              </a:spcAft>
-              <a:defRPr>
-                <a:solidFill>
-                  <a:schemeClr val="tx1"/>
-                </a:solidFill>
-                <a:latin typeface="Arial" panose="020B0604020202020204" pitchFamily="34" charset="0"/>
-              </a:defRPr>
-            </a:lvl2pPr>
-            <a:lvl3pPr eaLnBrk="0" fontAlgn="base" hangingPunct="0">
-              <a:spcBef>
-                <a:spcPct val="0"/>
-              </a:spcBef>
-              <a:spcAft>
-                <a:spcPct val="0"/>
-              </a:spcAft>
-              <a:defRPr>
-                <a:solidFill>
-                  <a:schemeClr val="tx1"/>
-                </a:solidFill>
-                <a:latin typeface="Arial" panose="020B0604020202020204" pitchFamily="34" charset="0"/>
-              </a:defRPr>
-            </a:lvl3pPr>
-            <a:lvl4pPr eaLnBrk="0" fontAlgn="base" hangingPunct="0">
-              <a:spcBef>
-                <a:spcPct val="0"/>
-              </a:spcBef>
-              <a:spcAft>
-                <a:spcPct val="0"/>
-              </a:spcAft>
-              <a:defRPr>
-                <a:solidFill>
-                  <a:schemeClr val="tx1"/>
-                </a:solidFill>
-                <a:latin typeface="Arial" panose="020B0604020202020204" pitchFamily="34" charset="0"/>
-              </a:defRPr>
-            </a:lvl4pPr>
-            <a:lvl5pPr eaLnBrk="0" fontAlgn="base" hangingPunct="0">
-              <a:spcBef>
-                <a:spcPct val="0"/>
-              </a:spcBef>
-              <a:spcAft>
-                <a:spcPct val="0"/>
-              </a:spcAft>
-              <a:defRPr>
-                <a:solidFill>
-                  <a:schemeClr val="tx1"/>
-                </a:solidFill>
-                <a:latin typeface="Arial" panose="020B0604020202020204" pitchFamily="34" charset="0"/>
-              </a:defRPr>
-            </a:lvl5pPr>
-            <a:lvl6pPr eaLnBrk="0" fontAlgn="base" hangingPunct="0">
-              <a:spcBef>
-                <a:spcPct val="0"/>
-              </a:spcBef>
-              <a:spcAft>
-                <a:spcPct val="0"/>
-              </a:spcAft>
-              <a:defRPr>
-                <a:solidFill>
-                  <a:schemeClr val="tx1"/>
-                </a:solidFill>
-                <a:latin typeface="Arial" panose="020B0604020202020204" pitchFamily="34" charset="0"/>
-              </a:defRPr>
-            </a:lvl6pPr>
-            <a:lvl7pPr eaLnBrk="0" fontAlgn="base" hangingPunct="0">
-              <a:spcBef>
-                <a:spcPct val="0"/>
-              </a:spcBef>
-              <a:spcAft>
-                <a:spcPct val="0"/>
-              </a:spcAft>
-              <a:defRPr>
-                <a:solidFill>
-                  <a:schemeClr val="tx1"/>
-                </a:solidFill>
-                <a:latin typeface="Arial" panose="020B0604020202020204" pitchFamily="34" charset="0"/>
-              </a:defRPr>
-            </a:lvl7pPr>
-            <a:lvl8pPr eaLnBrk="0" fontAlgn="base" hangingPunct="0">
-              <a:spcBef>
-                <a:spcPct val="0"/>
-              </a:spcBef>
-              <a:spcAft>
-                <a:spcPct val="0"/>
-              </a:spcAft>
-              <a:defRPr>
-                <a:solidFill>
-                  <a:schemeClr val="tx1"/>
-                </a:solidFill>
-                <a:latin typeface="Arial" panose="020B0604020202020204" pitchFamily="34" charset="0"/>
-              </a:defRPr>
-            </a:lvl8pPr>
-            <a:lvl9pPr eaLnBrk="0" fontAlgn="base" hangingPunct="0">
-              <a:spcBef>
-                <a:spcPct val="0"/>
-              </a:spcBef>
-              <a:spcAft>
-                <a:spcPct val="0"/>
-              </a:spcAft>
-              <a:defRPr>
-                <a:solidFill>
-                  <a:schemeClr val="tx1"/>
-                </a:solidFill>
-                <a:latin typeface="Arial" panose="020B0604020202020204" pitchFamily="34" charset="0"/>
-              </a:defRPr>
-            </a:lvl9pPr>
-          </a:lstStyle>
-          <a:p>
-            <a:pPr marL="0" marR="0" lvl="0" indent="0" algn="l" defTabSz="914400" rtl="0" eaLnBrk="0" fontAlgn="base" latinLnBrk="0" hangingPunct="0">
-              <a:lnSpc>
-                <a:spcPct val="100000"/>
-              </a:lnSpc>
-              <a:spcBef>
-                <a:spcPct val="0"/>
-              </a:spcBef>
-              <a:spcAft>
-                <a:spcPct val="0"/>
-              </a:spcAft>
-              <a:buClrTx/>
-              <a:buSzTx/>
-              <a:buFontTx/>
-              <a:buNone/>
-              <a:tabLst/>
-            </a:pPr>
-            <a:r>
-              <a:rPr kumimoji="0" lang="en-US" altLang="en-US" sz="1900" b="0" i="0" u="none" strike="noStrike" cap="none" normalizeH="0" baseline="0" dirty="0">
-                <a:ln>
-                  <a:noFill/>
-                </a:ln>
-                <a:solidFill>
-                  <a:schemeClr val="tx2">
-                    <a:lumMod val="90000"/>
-                  </a:schemeClr>
-                </a:solidFill>
-                <a:effectLst/>
-                <a:latin typeface="+mn-lt"/>
-              </a:rPr>
-              <a:t>Our Data came from </a:t>
-            </a:r>
-            <a:r>
-              <a:rPr kumimoji="0" lang="en-US" altLang="en-US" sz="1900" b="0" i="0" u="none" strike="noStrike" cap="none" normalizeH="0" baseline="0" dirty="0" err="1">
-                <a:ln>
-                  <a:noFill/>
-                </a:ln>
-                <a:solidFill>
-                  <a:schemeClr val="tx2">
-                    <a:lumMod val="90000"/>
-                  </a:schemeClr>
-                </a:solidFill>
-                <a:effectLst/>
-                <a:latin typeface="+mn-lt"/>
-              </a:rPr>
-              <a:t>nflscrapR</a:t>
-            </a:r>
-            <a:r>
-              <a:rPr kumimoji="0" lang="en-US" altLang="en-US" sz="1900" b="0" i="0" u="none" strike="noStrike" cap="none" normalizeH="0" baseline="0" dirty="0">
-                <a:ln>
-                  <a:noFill/>
-                </a:ln>
-                <a:solidFill>
-                  <a:schemeClr val="tx2">
-                    <a:lumMod val="90000"/>
-                  </a:schemeClr>
-                </a:solidFill>
-                <a:effectLst/>
-                <a:latin typeface="+mn-lt"/>
-              </a:rPr>
-              <a:t> which is a library in R that pulls play by play data from the NFL API.  This data contains every play from 2009-2018.  Using Pandas, we combined each year to create one large data frame.  From there </a:t>
-            </a:r>
-            <a:r>
-              <a:rPr kumimoji="0" lang="en-US" altLang="en-US" b="0" i="0" u="none" strike="noStrike" cap="none" normalizeH="0" baseline="0" dirty="0">
-                <a:ln>
-                  <a:noFill/>
-                </a:ln>
-                <a:solidFill>
-                  <a:schemeClr val="tx2">
-                    <a:lumMod val="90000"/>
-                  </a:schemeClr>
-                </a:solidFill>
-                <a:effectLst/>
-                <a:latin typeface="+mn-lt"/>
-              </a:rPr>
-              <a:t>we</a:t>
-            </a:r>
-            <a:r>
-              <a:rPr kumimoji="0" lang="en-US" altLang="en-US" sz="1900" b="0" i="0" u="none" strike="noStrike" cap="none" normalizeH="0" baseline="0" dirty="0">
-                <a:ln>
-                  <a:noFill/>
-                </a:ln>
-                <a:solidFill>
-                  <a:schemeClr val="tx2">
-                    <a:lumMod val="90000"/>
-                  </a:schemeClr>
-                </a:solidFill>
-                <a:effectLst/>
-                <a:latin typeface="+mn-lt"/>
-              </a:rPr>
-              <a:t> kept rows that had an EPA that was not null and had a play type of either no play, pass, or run.  Then we dropped all plays that were classified as a replay, challenge, or timeout.  We also removed any plays that involved a kneel or a spike.  Then, since the scope of our project was related to 3rd down, we dropped every play that wasn’t on 3rd down. Lastly, we selected the columns we wanted to use as attributes and created our final data frame which was then exported to a CSV for use within our machine learning models. </a:t>
-            </a:r>
-          </a:p>
-        </p:txBody>
-      </p:sp>
-    </p:spTree>
-    <p:extLst>
-      <p:ext uri="{BB962C8B-B14F-4D97-AF65-F5344CB8AC3E}">
-        <p14:creationId xmlns:p14="http://schemas.microsoft.com/office/powerpoint/2010/main" val="2185216837"/>
-      </p:ext>
-    </p:extLst>
-  </p:cSld>
-  <p:clrMapOvr>
-    <a:masterClrMapping/>
-  </p:clrMapOvr>
-</p:sld>
-</file>
-
-<file path=ppt/slides/slide5.xml><?xml version="1.0" encoding="utf-8"?>
-<p:sld xmlns:a="http://schemas.openxmlformats.org/drawingml/2006/main" xmlns:r="http://schemas.openxmlformats.org/officeDocument/2006/relationships" xmlns:p="http://schemas.openxmlformats.org/presentationml/2006/main">
-  <p:cSld>
-    <p:spTree>
-      <p:nvGrpSpPr>
-        <p:cNvPr id="1" name=""/>
-        <p:cNvGrpSpPr/>
-        <p:nvPr/>
-      </p:nvGrpSpPr>
-      <p:grpSpPr>
-        <a:xfrm>
-          <a:off x="0" y="0"/>
-          <a:ext cx="0" cy="0"/>
-          <a:chOff x="0" y="0"/>
-          <a:chExt cx="0" cy="0"/>
-        </a:xfrm>
-      </p:grpSpPr>
-      <p:sp>
-        <p:nvSpPr>
-          <p:cNvPr id="2" name="Title 1">
-            <a:extLst>
-              <a:ext uri="{FF2B5EF4-FFF2-40B4-BE49-F238E27FC236}">
-                <a16:creationId xmlns:a16="http://schemas.microsoft.com/office/drawing/2014/main" id="{144D50D9-FE03-4ECA-813F-D72A652EBD53}"/>
-              </a:ext>
-            </a:extLst>
-          </p:cNvPr>
-          <p:cNvSpPr>
-            <a:spLocks noGrp="1"/>
-          </p:cNvSpPr>
-          <p:nvPr>
-            <p:ph type="title"/>
-          </p:nvPr>
-        </p:nvSpPr>
-        <p:spPr/>
-        <p:txBody>
-          <a:bodyPr/>
-          <a:lstStyle/>
-          <a:p>
-            <a:r>
-              <a:rPr lang="en-US" dirty="0"/>
-              <a:t>CHALLENGE 1: Imbalanced data</a:t>
-            </a:r>
-          </a:p>
-        </p:txBody>
-      </p:sp>
-      <p:pic>
-        <p:nvPicPr>
-          <p:cNvPr id="6" name="Content Placeholder 5" descr="A picture containing device&#10;&#10;Description automatically generated">
-            <a:extLst>
-              <a:ext uri="{FF2B5EF4-FFF2-40B4-BE49-F238E27FC236}">
-                <a16:creationId xmlns:a16="http://schemas.microsoft.com/office/drawing/2014/main" id="{A63BABB0-6E60-4781-8BD8-38CD04087F3D}"/>
-              </a:ext>
-            </a:extLst>
-          </p:cNvPr>
-          <p:cNvPicPr>
-            <a:picLocks noGrp="1" noChangeAspect="1"/>
-          </p:cNvPicPr>
-          <p:nvPr>
-            <p:ph idx="1"/>
-          </p:nvPr>
-        </p:nvPicPr>
-        <p:blipFill>
-          <a:blip r:embed="rId3">
-            <a:extLst>
-              <a:ext uri="{28A0092B-C50C-407E-A947-70E740481C1C}">
-                <a14:useLocalDpi xmlns:a14="http://schemas.microsoft.com/office/drawing/2010/main" val="0"/>
-              </a:ext>
-            </a:extLst>
-          </a:blip>
-          <a:stretch>
-            <a:fillRect/>
-          </a:stretch>
-        </p:blipFill>
-        <p:spPr>
-          <a:xfrm>
-            <a:off x="5331788" y="1008993"/>
-            <a:ext cx="5487650" cy="4020623"/>
-          </a:xfrm>
-        </p:spPr>
-      </p:pic>
-      <p:sp>
-        <p:nvSpPr>
-          <p:cNvPr id="4" name="Text Placeholder 3">
-            <a:extLst>
-              <a:ext uri="{FF2B5EF4-FFF2-40B4-BE49-F238E27FC236}">
-                <a16:creationId xmlns:a16="http://schemas.microsoft.com/office/drawing/2014/main" id="{A0E139E5-FA67-4E5D-A537-BB51A93CF89F}"/>
-              </a:ext>
-            </a:extLst>
-          </p:cNvPr>
-          <p:cNvSpPr>
-            <a:spLocks noGrp="1"/>
-          </p:cNvSpPr>
-          <p:nvPr>
-            <p:ph type="body" sz="half" idx="2"/>
-          </p:nvPr>
-        </p:nvSpPr>
-        <p:spPr/>
-        <p:txBody>
-          <a:bodyPr/>
-          <a:lstStyle/>
-          <a:p>
-            <a:r>
-              <a:rPr lang="en-US" dirty="0"/>
-              <a:t>Many more pass plays than run plays. </a:t>
-            </a:r>
-          </a:p>
-          <a:p>
-            <a:r>
-              <a:rPr lang="en-US" dirty="0"/>
-              <a:t>Some features were limited to one type of play.</a:t>
-            </a:r>
-          </a:p>
-        </p:txBody>
-      </p:sp>
-    </p:spTree>
-    <p:extLst>
-      <p:ext uri="{BB962C8B-B14F-4D97-AF65-F5344CB8AC3E}">
-        <p14:creationId xmlns:p14="http://schemas.microsoft.com/office/powerpoint/2010/main" val="364487534"/>
-      </p:ext>
-    </p:extLst>
-  </p:cSld>
-  <p:clrMapOvr>
-    <a:masterClrMapping/>
-  </p:clrMapOvr>
-</p:sld>
-</file>
-
-<file path=ppt/slides/slide6.xml><?xml version="1.0" encoding="utf-8"?>
-<p:sld xmlns:a="http://schemas.openxmlformats.org/drawingml/2006/main" xmlns:r="http://schemas.openxmlformats.org/officeDocument/2006/relationships" xmlns:p="http://schemas.openxmlformats.org/presentationml/2006/main">
-  <p:cSld>
-    <p:spTree>
-      <p:nvGrpSpPr>
-        <p:cNvPr id="1" name=""/>
-        <p:cNvGrpSpPr/>
-        <p:nvPr/>
-      </p:nvGrpSpPr>
-      <p:grpSpPr>
-        <a:xfrm>
-          <a:off x="0" y="0"/>
-          <a:ext cx="0" cy="0"/>
-          <a:chOff x="0" y="0"/>
-          <a:chExt cx="0" cy="0"/>
-        </a:xfrm>
-      </p:grpSpPr>
-      <p:sp>
-        <p:nvSpPr>
-          <p:cNvPr id="4" name="Title 3">
-            <a:extLst>
-              <a:ext uri="{FF2B5EF4-FFF2-40B4-BE49-F238E27FC236}">
-                <a16:creationId xmlns:a16="http://schemas.microsoft.com/office/drawing/2014/main" id="{96FCDB0D-C213-47C4-9C8A-048916944CCB}"/>
-              </a:ext>
-            </a:extLst>
-          </p:cNvPr>
-          <p:cNvSpPr>
-            <a:spLocks noGrp="1"/>
-          </p:cNvSpPr>
-          <p:nvPr>
-            <p:ph type="title"/>
-          </p:nvPr>
-        </p:nvSpPr>
-        <p:spPr>
-          <a:xfrm>
-            <a:off x="1141413" y="609599"/>
-            <a:ext cx="9905998" cy="4742985"/>
-          </a:xfrm>
-        </p:spPr>
-        <p:txBody>
-          <a:bodyPr/>
-          <a:lstStyle/>
-          <a:p>
-            <a:r>
-              <a:rPr lang="en-US" dirty="0">
-                <a:hlinkClick r:id="rId3"/>
-              </a:rPr>
-              <a:t>https://public.tableau.com/profile/john.goodale#!/vizhome/ThirdDownSuccess/ThirdDownRunAvgEP?publish=yes</a:t>
-            </a:r>
-            <a:endParaRPr lang="en-US" dirty="0"/>
-          </a:p>
-        </p:txBody>
-      </p:sp>
-    </p:spTree>
-    <p:extLst>
-      <p:ext uri="{BB962C8B-B14F-4D97-AF65-F5344CB8AC3E}">
-        <p14:creationId xmlns:p14="http://schemas.microsoft.com/office/powerpoint/2010/main" val="1068461066"/>
-      </p:ext>
-    </p:extLst>
-  </p:cSld>
-  <p:clrMapOvr>
-    <a:masterClrMapping/>
-  </p:clrMapOvr>
-</p:sld>
-</file>
-
-<file path=ppt/slides/slide7.xml><?xml version="1.0" encoding="utf-8"?>
-<p:sld xmlns:a="http://schemas.openxmlformats.org/drawingml/2006/main" xmlns:r="http://schemas.openxmlformats.org/officeDocument/2006/relationships" xmlns:p="http://schemas.openxmlformats.org/presentationml/2006/main">
-  <p:cSld>
-    <p:spTree>
-      <p:nvGrpSpPr>
-        <p:cNvPr id="1" name=""/>
-        <p:cNvGrpSpPr/>
-        <p:nvPr/>
-      </p:nvGrpSpPr>
-      <p:grpSpPr>
-        <a:xfrm>
-          <a:off x="0" y="0"/>
-          <a:ext cx="0" cy="0"/>
-          <a:chOff x="0" y="0"/>
-          <a:chExt cx="0" cy="0"/>
-        </a:xfrm>
-      </p:grpSpPr>
-      <p:sp>
-        <p:nvSpPr>
-          <p:cNvPr id="10" name="TextBox 9">
-            <a:extLst>
-              <a:ext uri="{FF2B5EF4-FFF2-40B4-BE49-F238E27FC236}">
-                <a16:creationId xmlns:a16="http://schemas.microsoft.com/office/drawing/2014/main" id="{C47F4133-0DF6-49D0-AE87-A39DD540404B}"/>
-              </a:ext>
-            </a:extLst>
-          </p:cNvPr>
-          <p:cNvSpPr txBox="1"/>
-          <p:nvPr/>
-        </p:nvSpPr>
-        <p:spPr>
-          <a:xfrm>
-            <a:off x="1288557" y="0"/>
-            <a:ext cx="9614886" cy="523220"/>
-          </a:xfrm>
-          <a:prstGeom prst="rect">
-            <a:avLst/>
-          </a:prstGeom>
-          <a:noFill/>
-        </p:spPr>
-        <p:txBody>
-          <a:bodyPr wrap="square" rtlCol="0">
-            <a:spAutoFit/>
-          </a:bodyPr>
-          <a:lstStyle/>
-          <a:p>
-            <a:pPr algn="ctr"/>
-            <a:r>
-              <a:rPr lang="en-US" sz="2800" dirty="0"/>
-              <a:t>3</a:t>
-            </a:r>
-            <a:r>
-              <a:rPr lang="en-US" sz="2800" baseline="30000" dirty="0"/>
-              <a:t>rd</a:t>
-            </a:r>
-            <a:r>
-              <a:rPr lang="en-US" sz="2800" dirty="0"/>
-              <a:t> Down Conversion Random Forest Model (n=19704)</a:t>
-            </a:r>
-          </a:p>
-        </p:txBody>
-      </p:sp>
-      <p:pic>
-        <p:nvPicPr>
-          <p:cNvPr id="14" name="Picture 13" descr="A screenshot of a cell phone&#10;&#10;Description automatically generated">
-            <a:extLst>
-              <a:ext uri="{FF2B5EF4-FFF2-40B4-BE49-F238E27FC236}">
-                <a16:creationId xmlns:a16="http://schemas.microsoft.com/office/drawing/2014/main" id="{0A871C8B-F883-46E9-8F45-416505FA8648}"/>
-              </a:ext>
-            </a:extLst>
-          </p:cNvPr>
-          <p:cNvPicPr>
-            <a:picLocks noChangeAspect="1"/>
-          </p:cNvPicPr>
-          <p:nvPr/>
-        </p:nvPicPr>
-        <p:blipFill>
-          <a:blip r:embed="rId3">
-            <a:extLst>
-              <a:ext uri="{28A0092B-C50C-407E-A947-70E740481C1C}">
-                <a14:useLocalDpi xmlns:a14="http://schemas.microsoft.com/office/drawing/2010/main" val="0"/>
-              </a:ext>
-            </a:extLst>
-          </a:blip>
-          <a:stretch>
-            <a:fillRect/>
-          </a:stretch>
-        </p:blipFill>
-        <p:spPr>
-          <a:xfrm>
-            <a:off x="7018570" y="523220"/>
-            <a:ext cx="5031557" cy="2641842"/>
-          </a:xfrm>
-          <a:prstGeom prst="rect">
-            <a:avLst/>
-          </a:prstGeom>
-        </p:spPr>
-      </p:pic>
-      <p:pic>
-        <p:nvPicPr>
-          <p:cNvPr id="16" name="Picture 15" descr="A screenshot of a cell phone&#10;&#10;Description automatically generated">
-            <a:extLst>
-              <a:ext uri="{FF2B5EF4-FFF2-40B4-BE49-F238E27FC236}">
-                <a16:creationId xmlns:a16="http://schemas.microsoft.com/office/drawing/2014/main" id="{F31D768E-A47D-4CB3-A995-24535CF38396}"/>
-              </a:ext>
-            </a:extLst>
-          </p:cNvPr>
-          <p:cNvPicPr>
-            <a:picLocks noChangeAspect="1"/>
-          </p:cNvPicPr>
-          <p:nvPr/>
-        </p:nvPicPr>
-        <p:blipFill>
-          <a:blip r:embed="rId4">
-            <a:extLst>
-              <a:ext uri="{28A0092B-C50C-407E-A947-70E740481C1C}">
-                <a14:useLocalDpi xmlns:a14="http://schemas.microsoft.com/office/drawing/2010/main" val="0"/>
-              </a:ext>
-            </a:extLst>
-          </a:blip>
-          <a:stretch>
-            <a:fillRect/>
-          </a:stretch>
-        </p:blipFill>
-        <p:spPr>
-          <a:xfrm>
-            <a:off x="6981794" y="3042326"/>
-            <a:ext cx="5105108" cy="3815674"/>
-          </a:xfrm>
-          <a:prstGeom prst="rect">
-            <a:avLst/>
-          </a:prstGeom>
-        </p:spPr>
-      </p:pic>
-      <p:pic>
-        <p:nvPicPr>
-          <p:cNvPr id="18" name="Picture 17" descr="A screenshot of a cell phone&#10;&#10;Description automatically generated">
-            <a:extLst>
-              <a:ext uri="{FF2B5EF4-FFF2-40B4-BE49-F238E27FC236}">
-                <a16:creationId xmlns:a16="http://schemas.microsoft.com/office/drawing/2014/main" id="{3837024C-2EF8-401F-8DD1-34546D845C0D}"/>
-              </a:ext>
-            </a:extLst>
-          </p:cNvPr>
-          <p:cNvPicPr>
-            <a:picLocks noChangeAspect="1"/>
-          </p:cNvPicPr>
-          <p:nvPr/>
-        </p:nvPicPr>
-        <p:blipFill>
-          <a:blip r:embed="rId5">
-            <a:extLst>
-              <a:ext uri="{28A0092B-C50C-407E-A947-70E740481C1C}">
-                <a14:useLocalDpi xmlns:a14="http://schemas.microsoft.com/office/drawing/2010/main" val="0"/>
-              </a:ext>
-            </a:extLst>
-          </a:blip>
-          <a:stretch>
-            <a:fillRect/>
-          </a:stretch>
-        </p:blipFill>
-        <p:spPr>
-          <a:xfrm>
-            <a:off x="105098" y="523220"/>
-            <a:ext cx="5614975" cy="3185962"/>
-          </a:xfrm>
-          <a:prstGeom prst="rect">
-            <a:avLst/>
-          </a:prstGeom>
-        </p:spPr>
-      </p:pic>
-      <p:pic>
-        <p:nvPicPr>
-          <p:cNvPr id="20" name="Picture 19" descr="A screenshot of a cell phone&#10;&#10;Description automatically generated">
-            <a:extLst>
-              <a:ext uri="{FF2B5EF4-FFF2-40B4-BE49-F238E27FC236}">
-                <a16:creationId xmlns:a16="http://schemas.microsoft.com/office/drawing/2014/main" id="{270529A6-CE04-44E7-A1D5-BA3EE2B6EE74}"/>
-              </a:ext>
-            </a:extLst>
-          </p:cNvPr>
-          <p:cNvPicPr>
-            <a:picLocks noChangeAspect="1"/>
-          </p:cNvPicPr>
-          <p:nvPr/>
-        </p:nvPicPr>
-        <p:blipFill>
-          <a:blip r:embed="rId6">
-            <a:extLst>
-              <a:ext uri="{28A0092B-C50C-407E-A947-70E740481C1C}">
-                <a14:useLocalDpi xmlns:a14="http://schemas.microsoft.com/office/drawing/2010/main" val="0"/>
-              </a:ext>
-            </a:extLst>
-          </a:blip>
-          <a:stretch>
-            <a:fillRect/>
-          </a:stretch>
-        </p:blipFill>
-        <p:spPr>
-          <a:xfrm>
-            <a:off x="1801378" y="3673459"/>
-            <a:ext cx="3246923" cy="3144388"/>
-          </a:xfrm>
-          <a:prstGeom prst="rect">
-            <a:avLst/>
-          </a:prstGeom>
-        </p:spPr>
-      </p:pic>
-    </p:spTree>
-    <p:extLst>
-      <p:ext uri="{BB962C8B-B14F-4D97-AF65-F5344CB8AC3E}">
-        <p14:creationId xmlns:p14="http://schemas.microsoft.com/office/powerpoint/2010/main" val="4292151078"/>
-      </p:ext>
-    </p:extLst>
-  </p:cSld>
-  <p:clrMapOvr>
-    <a:masterClrMapping/>
-  </p:clrMapOvr>
-</p:sld>
-</file>
-
-<file path=ppt/slides/slide8.xml><?xml version="1.0" encoding="utf-8"?>
-<p:sld xmlns:a="http://schemas.openxmlformats.org/drawingml/2006/main" xmlns:r="http://schemas.openxmlformats.org/officeDocument/2006/relationships" xmlns:p="http://schemas.openxmlformats.org/presentationml/2006/main">
-  <p:cSld>
-    <p:spTree>
-      <p:nvGrpSpPr>
-        <p:cNvPr id="1" name=""/>
-        <p:cNvGrpSpPr/>
-        <p:nvPr/>
-      </p:nvGrpSpPr>
-      <p:grpSpPr>
-        <a:xfrm>
-          <a:off x="0" y="0"/>
-          <a:ext cx="0" cy="0"/>
-          <a:chOff x="0" y="0"/>
-          <a:chExt cx="0" cy="0"/>
-        </a:xfrm>
-      </p:grpSpPr>
-      <p:sp>
-        <p:nvSpPr>
-          <p:cNvPr id="12" name="TextBox 11">
-            <a:extLst>
-              <a:ext uri="{FF2B5EF4-FFF2-40B4-BE49-F238E27FC236}">
-                <a16:creationId xmlns:a16="http://schemas.microsoft.com/office/drawing/2014/main" id="{5E674315-D02E-4331-9434-C86DA67263A1}"/>
-              </a:ext>
-            </a:extLst>
-          </p:cNvPr>
-          <p:cNvSpPr txBox="1"/>
-          <p:nvPr/>
-        </p:nvSpPr>
-        <p:spPr>
-          <a:xfrm>
-            <a:off x="705991" y="774395"/>
-            <a:ext cx="3191069" cy="307777"/>
-          </a:xfrm>
-          <a:prstGeom prst="rect">
-            <a:avLst/>
-          </a:prstGeom>
-          <a:noFill/>
-        </p:spPr>
-        <p:txBody>
-          <a:bodyPr wrap="square" rtlCol="0">
-            <a:spAutoFit/>
-          </a:bodyPr>
-          <a:lstStyle/>
-          <a:p>
-            <a:pPr algn="ctr"/>
-            <a:r>
-              <a:rPr lang="en-US" sz="1400" dirty="0"/>
-              <a:t>3</a:t>
-            </a:r>
-            <a:r>
-              <a:rPr lang="en-US" sz="1400" baseline="30000" dirty="0"/>
-              <a:t>rd</a:t>
-            </a:r>
-            <a:r>
-              <a:rPr lang="en-US" sz="1400" dirty="0"/>
-              <a:t> Down Run/Pass No YTG Constraints </a:t>
-            </a:r>
-          </a:p>
-        </p:txBody>
-      </p:sp>
-      <p:sp>
-        <p:nvSpPr>
-          <p:cNvPr id="13" name="TextBox 12">
-            <a:extLst>
-              <a:ext uri="{FF2B5EF4-FFF2-40B4-BE49-F238E27FC236}">
-                <a16:creationId xmlns:a16="http://schemas.microsoft.com/office/drawing/2014/main" id="{ED5B85D6-78FC-462A-BC11-B242FC94F2BE}"/>
-              </a:ext>
-            </a:extLst>
-          </p:cNvPr>
-          <p:cNvSpPr txBox="1"/>
-          <p:nvPr/>
-        </p:nvSpPr>
-        <p:spPr>
-          <a:xfrm>
-            <a:off x="4560770" y="786556"/>
-            <a:ext cx="3191069" cy="307777"/>
-          </a:xfrm>
-          <a:prstGeom prst="rect">
-            <a:avLst/>
-          </a:prstGeom>
-          <a:noFill/>
-        </p:spPr>
-        <p:txBody>
-          <a:bodyPr wrap="square" rtlCol="0">
-            <a:spAutoFit/>
-          </a:bodyPr>
-          <a:lstStyle/>
-          <a:p>
-            <a:pPr algn="ctr"/>
-            <a:r>
-              <a:rPr lang="en-US" sz="1400" dirty="0"/>
-              <a:t>3</a:t>
-            </a:r>
-            <a:r>
-              <a:rPr lang="en-US" sz="1400" baseline="30000" dirty="0"/>
-              <a:t>rd</a:t>
-            </a:r>
-            <a:r>
-              <a:rPr lang="en-US" sz="1400" dirty="0"/>
-              <a:t> Down Run/Pass &lt;=5 YTG</a:t>
-            </a:r>
-          </a:p>
-        </p:txBody>
-      </p:sp>
-      <p:sp>
-        <p:nvSpPr>
-          <p:cNvPr id="14" name="TextBox 13">
-            <a:extLst>
-              <a:ext uri="{FF2B5EF4-FFF2-40B4-BE49-F238E27FC236}">
-                <a16:creationId xmlns:a16="http://schemas.microsoft.com/office/drawing/2014/main" id="{BDB61736-604D-4700-A47E-B5884D0CECDC}"/>
-              </a:ext>
-            </a:extLst>
-          </p:cNvPr>
-          <p:cNvSpPr txBox="1"/>
-          <p:nvPr/>
-        </p:nvSpPr>
-        <p:spPr>
-          <a:xfrm>
-            <a:off x="8449415" y="784577"/>
-            <a:ext cx="3191069" cy="307777"/>
-          </a:xfrm>
-          <a:prstGeom prst="rect">
-            <a:avLst/>
-          </a:prstGeom>
-          <a:noFill/>
-        </p:spPr>
-        <p:txBody>
-          <a:bodyPr wrap="square" rtlCol="0">
-            <a:spAutoFit/>
-          </a:bodyPr>
-          <a:lstStyle/>
-          <a:p>
-            <a:pPr algn="ctr"/>
-            <a:r>
-              <a:rPr lang="en-US" sz="1400" dirty="0"/>
-              <a:t>3</a:t>
-            </a:r>
-            <a:r>
-              <a:rPr lang="en-US" sz="1400" baseline="30000" dirty="0"/>
-              <a:t>rd</a:t>
-            </a:r>
-            <a:r>
-              <a:rPr lang="en-US" sz="1400" dirty="0"/>
-              <a:t> Down Run/Pass &lt;=3 YTG</a:t>
-            </a:r>
-          </a:p>
-        </p:txBody>
-      </p:sp>
-      <p:sp>
-        <p:nvSpPr>
-          <p:cNvPr id="15" name="Rectangle 14">
-            <a:extLst>
-              <a:ext uri="{FF2B5EF4-FFF2-40B4-BE49-F238E27FC236}">
-                <a16:creationId xmlns:a16="http://schemas.microsoft.com/office/drawing/2014/main" id="{106B4DA0-3F67-490A-9D63-762DF1CA2262}"/>
-              </a:ext>
-            </a:extLst>
-          </p:cNvPr>
-          <p:cNvSpPr/>
-          <p:nvPr/>
-        </p:nvSpPr>
-        <p:spPr>
-          <a:xfrm>
-            <a:off x="1018077" y="59665"/>
-            <a:ext cx="10155858" cy="523220"/>
-          </a:xfrm>
-          <a:prstGeom prst="rect">
-            <a:avLst/>
-          </a:prstGeom>
-        </p:spPr>
-        <p:txBody>
-          <a:bodyPr wrap="none">
-            <a:spAutoFit/>
-          </a:bodyPr>
-          <a:lstStyle/>
-          <a:p>
-            <a:pPr algn="ctr"/>
-            <a:r>
-              <a:rPr lang="en-US" sz="2800" dirty="0"/>
-              <a:t>3</a:t>
-            </a:r>
-            <a:r>
-              <a:rPr lang="en-US" sz="2800" baseline="30000" dirty="0"/>
-              <a:t>rd</a:t>
-            </a:r>
-            <a:r>
-              <a:rPr lang="en-US" sz="2800" dirty="0"/>
-              <a:t> Down Run/Pass Random Forest Confusion Matrix (pass=0, run=1)</a:t>
-            </a:r>
-          </a:p>
-        </p:txBody>
-      </p:sp>
-      <p:sp>
-        <p:nvSpPr>
-          <p:cNvPr id="19" name="TextBox 18">
-            <a:extLst>
-              <a:ext uri="{FF2B5EF4-FFF2-40B4-BE49-F238E27FC236}">
-                <a16:creationId xmlns:a16="http://schemas.microsoft.com/office/drawing/2014/main" id="{97662B6C-E17A-40F8-A7AD-61BE75B61359}"/>
-              </a:ext>
-            </a:extLst>
-          </p:cNvPr>
-          <p:cNvSpPr txBox="1"/>
-          <p:nvPr/>
-        </p:nvSpPr>
-        <p:spPr>
-          <a:xfrm>
-            <a:off x="1433619" y="6377361"/>
-            <a:ext cx="1175357" cy="369332"/>
-          </a:xfrm>
-          <a:prstGeom prst="rect">
-            <a:avLst/>
-          </a:prstGeom>
-          <a:noFill/>
-        </p:spPr>
-        <p:txBody>
-          <a:bodyPr wrap="square" rtlCol="0">
-            <a:spAutoFit/>
-          </a:bodyPr>
-          <a:lstStyle/>
-          <a:p>
-            <a:r>
-              <a:rPr lang="en-US" dirty="0"/>
-              <a:t>n = 19704</a:t>
-            </a:r>
-          </a:p>
-        </p:txBody>
-      </p:sp>
-      <p:sp>
-        <p:nvSpPr>
-          <p:cNvPr id="20" name="TextBox 19">
-            <a:extLst>
-              <a:ext uri="{FF2B5EF4-FFF2-40B4-BE49-F238E27FC236}">
-                <a16:creationId xmlns:a16="http://schemas.microsoft.com/office/drawing/2014/main" id="{10393F83-25EA-4EA8-ACE8-C04E5AE28C73}"/>
-              </a:ext>
-            </a:extLst>
-          </p:cNvPr>
-          <p:cNvSpPr txBox="1"/>
-          <p:nvPr/>
-        </p:nvSpPr>
-        <p:spPr>
-          <a:xfrm>
-            <a:off x="5454748" y="6377361"/>
-            <a:ext cx="1175357" cy="369332"/>
-          </a:xfrm>
-          <a:prstGeom prst="rect">
-            <a:avLst/>
-          </a:prstGeom>
-          <a:noFill/>
-        </p:spPr>
-        <p:txBody>
-          <a:bodyPr wrap="square" rtlCol="0">
-            <a:spAutoFit/>
-          </a:bodyPr>
-          <a:lstStyle/>
-          <a:p>
-            <a:r>
-              <a:rPr lang="en-US" dirty="0"/>
-              <a:t>n = 13450</a:t>
-            </a:r>
-          </a:p>
-        </p:txBody>
-      </p:sp>
-      <p:sp>
-        <p:nvSpPr>
-          <p:cNvPr id="25" name="TextBox 24">
-            <a:extLst>
-              <a:ext uri="{FF2B5EF4-FFF2-40B4-BE49-F238E27FC236}">
-                <a16:creationId xmlns:a16="http://schemas.microsoft.com/office/drawing/2014/main" id="{85EE4BC7-548D-4FE8-8BB7-84DB00572884}"/>
-              </a:ext>
-            </a:extLst>
-          </p:cNvPr>
-          <p:cNvSpPr txBox="1"/>
-          <p:nvPr/>
-        </p:nvSpPr>
-        <p:spPr>
-          <a:xfrm>
-            <a:off x="9475877" y="6377361"/>
-            <a:ext cx="1175357" cy="369332"/>
-          </a:xfrm>
-          <a:prstGeom prst="rect">
-            <a:avLst/>
-          </a:prstGeom>
-          <a:noFill/>
-        </p:spPr>
-        <p:txBody>
-          <a:bodyPr wrap="square" rtlCol="0">
-            <a:spAutoFit/>
-          </a:bodyPr>
-          <a:lstStyle/>
-          <a:p>
-            <a:r>
-              <a:rPr lang="en-US" dirty="0"/>
-              <a:t>n = 11474</a:t>
-            </a:r>
-          </a:p>
-        </p:txBody>
-      </p:sp>
-      <p:pic>
-        <p:nvPicPr>
-          <p:cNvPr id="3" name="Picture 2" descr="A screenshot of a cell phone&#10;&#10;Description automatically generated">
-            <a:extLst>
-              <a:ext uri="{FF2B5EF4-FFF2-40B4-BE49-F238E27FC236}">
-                <a16:creationId xmlns:a16="http://schemas.microsoft.com/office/drawing/2014/main" id="{325B09C7-3372-4075-8BA1-B3C797ABE9A3}"/>
-              </a:ext>
-            </a:extLst>
-          </p:cNvPr>
-          <p:cNvPicPr>
-            <a:picLocks noChangeAspect="1"/>
-          </p:cNvPicPr>
-          <p:nvPr/>
-        </p:nvPicPr>
-        <p:blipFill>
-          <a:blip r:embed="rId3">
-            <a:extLst>
-              <a:ext uri="{28A0092B-C50C-407E-A947-70E740481C1C}">
-                <a14:useLocalDpi xmlns:a14="http://schemas.microsoft.com/office/drawing/2010/main" val="0"/>
-              </a:ext>
-            </a:extLst>
-          </a:blip>
-          <a:stretch>
-            <a:fillRect/>
-          </a:stretch>
-        </p:blipFill>
-        <p:spPr>
-          <a:xfrm>
-            <a:off x="133943" y="3108029"/>
-            <a:ext cx="4163507" cy="3208307"/>
-          </a:xfrm>
-          <a:prstGeom prst="rect">
-            <a:avLst/>
-          </a:prstGeom>
-        </p:spPr>
-      </p:pic>
-      <p:pic>
-        <p:nvPicPr>
-          <p:cNvPr id="5" name="Picture 4" descr="A screenshot of a cell phone&#10;&#10;Description automatically generated">
-            <a:extLst>
-              <a:ext uri="{FF2B5EF4-FFF2-40B4-BE49-F238E27FC236}">
-                <a16:creationId xmlns:a16="http://schemas.microsoft.com/office/drawing/2014/main" id="{A6EFE63E-E1A7-4C1E-8029-B0A556AADF7A}"/>
-              </a:ext>
-            </a:extLst>
-          </p:cNvPr>
-          <p:cNvPicPr>
-            <a:picLocks noChangeAspect="1"/>
-          </p:cNvPicPr>
-          <p:nvPr/>
-        </p:nvPicPr>
-        <p:blipFill>
-          <a:blip r:embed="rId4">
-            <a:extLst>
-              <a:ext uri="{28A0092B-C50C-407E-A947-70E740481C1C}">
-                <a14:useLocalDpi xmlns:a14="http://schemas.microsoft.com/office/drawing/2010/main" val="0"/>
-              </a:ext>
-            </a:extLst>
-          </a:blip>
-          <a:stretch>
-            <a:fillRect/>
-          </a:stretch>
-        </p:blipFill>
-        <p:spPr>
-          <a:xfrm>
-            <a:off x="4297450" y="3194483"/>
-            <a:ext cx="3922525" cy="2879659"/>
-          </a:xfrm>
-          <a:prstGeom prst="rect">
-            <a:avLst/>
-          </a:prstGeom>
-        </p:spPr>
-      </p:pic>
-      <p:pic>
-        <p:nvPicPr>
-          <p:cNvPr id="8" name="Picture 7" descr="A screenshot of a cell phone&#10;&#10;Description automatically generated">
-            <a:extLst>
-              <a:ext uri="{FF2B5EF4-FFF2-40B4-BE49-F238E27FC236}">
-                <a16:creationId xmlns:a16="http://schemas.microsoft.com/office/drawing/2014/main" id="{99BA8AEF-C482-41EF-BBC6-B7C4F07C6A22}"/>
-              </a:ext>
-            </a:extLst>
-          </p:cNvPr>
-          <p:cNvPicPr>
-            <a:picLocks noChangeAspect="1"/>
-          </p:cNvPicPr>
-          <p:nvPr/>
-        </p:nvPicPr>
-        <p:blipFill>
-          <a:blip r:embed="rId5">
-            <a:extLst>
-              <a:ext uri="{28A0092B-C50C-407E-A947-70E740481C1C}">
-                <a14:useLocalDpi xmlns:a14="http://schemas.microsoft.com/office/drawing/2010/main" val="0"/>
-              </a:ext>
-            </a:extLst>
-          </a:blip>
-          <a:stretch>
-            <a:fillRect/>
-          </a:stretch>
-        </p:blipFill>
-        <p:spPr>
-          <a:xfrm>
-            <a:off x="8122876" y="3195451"/>
-            <a:ext cx="3935181" cy="2965145"/>
-          </a:xfrm>
-          <a:prstGeom prst="rect">
-            <a:avLst/>
-          </a:prstGeom>
-        </p:spPr>
-      </p:pic>
-      <p:pic>
-        <p:nvPicPr>
-          <p:cNvPr id="28" name="Picture 27" descr="A screenshot of a cell phone&#10;&#10;Description automatically generated">
-            <a:extLst>
-              <a:ext uri="{FF2B5EF4-FFF2-40B4-BE49-F238E27FC236}">
-                <a16:creationId xmlns:a16="http://schemas.microsoft.com/office/drawing/2014/main" id="{4A7907FC-CFEF-4000-A881-0D7FB27DEA7B}"/>
-              </a:ext>
-            </a:extLst>
-          </p:cNvPr>
-          <p:cNvPicPr>
-            <a:picLocks noChangeAspect="1"/>
-          </p:cNvPicPr>
-          <p:nvPr/>
-        </p:nvPicPr>
-        <p:blipFill>
-          <a:blip r:embed="rId6">
-            <a:extLst>
-              <a:ext uri="{28A0092B-C50C-407E-A947-70E740481C1C}">
-                <a14:useLocalDpi xmlns:a14="http://schemas.microsoft.com/office/drawing/2010/main" val="0"/>
-              </a:ext>
-            </a:extLst>
-          </a:blip>
-          <a:stretch>
-            <a:fillRect/>
-          </a:stretch>
-        </p:blipFill>
-        <p:spPr>
-          <a:xfrm>
-            <a:off x="181237" y="1082172"/>
-            <a:ext cx="3916018" cy="2169564"/>
-          </a:xfrm>
-          <a:prstGeom prst="rect">
-            <a:avLst/>
-          </a:prstGeom>
-        </p:spPr>
-      </p:pic>
-      <p:pic>
-        <p:nvPicPr>
-          <p:cNvPr id="30" name="Picture 29" descr="A screenshot of a cell phone&#10;&#10;Description automatically generated">
-            <a:extLst>
-              <a:ext uri="{FF2B5EF4-FFF2-40B4-BE49-F238E27FC236}">
-                <a16:creationId xmlns:a16="http://schemas.microsoft.com/office/drawing/2014/main" id="{D7666577-9716-477F-8128-A230D6F67CE4}"/>
-              </a:ext>
-            </a:extLst>
-          </p:cNvPr>
-          <p:cNvPicPr>
-            <a:picLocks noChangeAspect="1"/>
-          </p:cNvPicPr>
-          <p:nvPr/>
-        </p:nvPicPr>
-        <p:blipFill>
-          <a:blip r:embed="rId7">
-            <a:extLst>
-              <a:ext uri="{28A0092B-C50C-407E-A947-70E740481C1C}">
-                <a14:useLocalDpi xmlns:a14="http://schemas.microsoft.com/office/drawing/2010/main" val="0"/>
-              </a:ext>
-            </a:extLst>
-          </a:blip>
-          <a:stretch>
-            <a:fillRect/>
-          </a:stretch>
-        </p:blipFill>
-        <p:spPr>
-          <a:xfrm>
-            <a:off x="4297450" y="1082172"/>
-            <a:ext cx="3817273" cy="2092764"/>
-          </a:xfrm>
-          <a:prstGeom prst="rect">
-            <a:avLst/>
-          </a:prstGeom>
-        </p:spPr>
-      </p:pic>
-      <p:pic>
-        <p:nvPicPr>
-          <p:cNvPr id="32" name="Picture 31" descr="A screenshot of a cell phone&#10;&#10;Description automatically generated">
-            <a:extLst>
-              <a:ext uri="{FF2B5EF4-FFF2-40B4-BE49-F238E27FC236}">
-                <a16:creationId xmlns:a16="http://schemas.microsoft.com/office/drawing/2014/main" id="{088C28F3-77C4-479D-B5B7-F0311B9AA3DA}"/>
-              </a:ext>
-            </a:extLst>
-          </p:cNvPr>
-          <p:cNvPicPr>
-            <a:picLocks noChangeAspect="1"/>
-          </p:cNvPicPr>
-          <p:nvPr/>
-        </p:nvPicPr>
-        <p:blipFill>
-          <a:blip r:embed="rId8">
-            <a:extLst>
-              <a:ext uri="{28A0092B-C50C-407E-A947-70E740481C1C}">
-                <a14:useLocalDpi xmlns:a14="http://schemas.microsoft.com/office/drawing/2010/main" val="0"/>
-              </a:ext>
-            </a:extLst>
-          </a:blip>
-          <a:stretch>
-            <a:fillRect/>
-          </a:stretch>
-        </p:blipFill>
-        <p:spPr>
-          <a:xfrm>
-            <a:off x="8215354" y="1079266"/>
-            <a:ext cx="3817273" cy="2114733"/>
-          </a:xfrm>
-          <a:prstGeom prst="rect">
-            <a:avLst/>
-          </a:prstGeom>
-        </p:spPr>
-      </p:pic>
-    </p:spTree>
-    <p:extLst>
-      <p:ext uri="{BB962C8B-B14F-4D97-AF65-F5344CB8AC3E}">
-        <p14:creationId xmlns:p14="http://schemas.microsoft.com/office/powerpoint/2010/main" val="2937080568"/>
-      </p:ext>
-    </p:extLst>
-  </p:cSld>
-  <p:clrMapOvr>
-    <a:masterClrMapping/>
-  </p:clrMapOvr>
-</p:sld>
-</file>
-
-<file path=ppt/slides/slide9.xml><?xml version="1.0" encoding="utf-8"?>
-<p:sld xmlns:a="http://schemas.openxmlformats.org/drawingml/2006/main" xmlns:r="http://schemas.openxmlformats.org/officeDocument/2006/relationships" xmlns:p="http://schemas.openxmlformats.org/presentationml/2006/main">
-  <p:cSld>
-    <p:spTree>
-      <p:nvGrpSpPr>
-        <p:cNvPr id="1" name=""/>
-        <p:cNvGrpSpPr/>
-        <p:nvPr/>
-      </p:nvGrpSpPr>
-      <p:grpSpPr>
-        <a:xfrm>
-          <a:off x="0" y="0"/>
-          <a:ext cx="0" cy="0"/>
-          <a:chOff x="0" y="0"/>
-          <a:chExt cx="0" cy="0"/>
-        </a:xfrm>
-      </p:grpSpPr>
-      <p:sp>
-        <p:nvSpPr>
           <p:cNvPr id="19" name="TextBox 18">
             <a:extLst>
               <a:ext uri="{FF2B5EF4-FFF2-40B4-BE49-F238E27FC236}">
@@ -11019,6 +8449,2846 @@
     <p:extLst>
       <p:ext uri="{BB962C8B-B14F-4D97-AF65-F5344CB8AC3E}">
         <p14:creationId xmlns:p14="http://schemas.microsoft.com/office/powerpoint/2010/main" val="3873877460"/>
+      </p:ext>
+    </p:extLst>
+  </p:cSld>
+  <p:clrMapOvr>
+    <a:masterClrMapping/>
+  </p:clrMapOvr>
+</p:sld>
+</file>
+
+<file path=ppt/slides/slide11.xml><?xml version="1.0" encoding="utf-8"?>
+<p:sld xmlns:a="http://schemas.openxmlformats.org/drawingml/2006/main" xmlns:r="http://schemas.openxmlformats.org/officeDocument/2006/relationships" xmlns:p="http://schemas.openxmlformats.org/presentationml/2006/main">
+  <p:cSld>
+    <p:spTree>
+      <p:nvGrpSpPr>
+        <p:cNvPr id="1" name=""/>
+        <p:cNvGrpSpPr/>
+        <p:nvPr/>
+      </p:nvGrpSpPr>
+      <p:grpSpPr>
+        <a:xfrm>
+          <a:off x="0" y="0"/>
+          <a:ext cx="0" cy="0"/>
+          <a:chOff x="0" y="0"/>
+          <a:chExt cx="0" cy="0"/>
+        </a:xfrm>
+      </p:grpSpPr>
+      <p:sp>
+        <p:nvSpPr>
+          <p:cNvPr id="10" name="TextBox 9">
+            <a:extLst>
+              <a:ext uri="{FF2B5EF4-FFF2-40B4-BE49-F238E27FC236}">
+                <a16:creationId xmlns:a16="http://schemas.microsoft.com/office/drawing/2014/main" id="{C47F4133-0DF6-49D0-AE87-A39DD540404B}"/>
+              </a:ext>
+            </a:extLst>
+          </p:cNvPr>
+          <p:cNvSpPr txBox="1"/>
+          <p:nvPr/>
+        </p:nvSpPr>
+        <p:spPr>
+          <a:xfrm>
+            <a:off x="1288556" y="0"/>
+            <a:ext cx="10204007" cy="523220"/>
+          </a:xfrm>
+          <a:prstGeom prst="rect">
+            <a:avLst/>
+          </a:prstGeom>
+          <a:noFill/>
+        </p:spPr>
+        <p:txBody>
+          <a:bodyPr wrap="square" rtlCol="0">
+            <a:spAutoFit/>
+          </a:bodyPr>
+          <a:lstStyle/>
+          <a:p>
+            <a:pPr algn="ctr"/>
+            <a:r>
+              <a:rPr lang="en-US" sz="2800" dirty="0"/>
+              <a:t>3</a:t>
+            </a:r>
+            <a:r>
+              <a:rPr lang="en-US" sz="2800" baseline="30000" dirty="0"/>
+              <a:t>rd</a:t>
+            </a:r>
+            <a:r>
+              <a:rPr lang="en-US" sz="2800" dirty="0"/>
+              <a:t> Down Run/Pass &lt;=1 Yards to go (n=2946)</a:t>
+            </a:r>
+          </a:p>
+        </p:txBody>
+      </p:sp>
+      <p:pic>
+        <p:nvPicPr>
+          <p:cNvPr id="3" name="Picture 2" descr="A screenshot of a cell phone&#10;&#10;Description automatically generated">
+            <a:extLst>
+              <a:ext uri="{FF2B5EF4-FFF2-40B4-BE49-F238E27FC236}">
+                <a16:creationId xmlns:a16="http://schemas.microsoft.com/office/drawing/2014/main" id="{D78B674C-58DE-479E-8B32-A2B61A6EDD93}"/>
+              </a:ext>
+            </a:extLst>
+          </p:cNvPr>
+          <p:cNvPicPr>
+            <a:picLocks noChangeAspect="1"/>
+          </p:cNvPicPr>
+          <p:nvPr/>
+        </p:nvPicPr>
+        <p:blipFill>
+          <a:blip r:embed="rId3">
+            <a:extLst>
+              <a:ext uri="{28A0092B-C50C-407E-A947-70E740481C1C}">
+                <a14:useLocalDpi xmlns:a14="http://schemas.microsoft.com/office/drawing/2010/main" val="0"/>
+              </a:ext>
+            </a:extLst>
+          </a:blip>
+          <a:stretch>
+            <a:fillRect/>
+          </a:stretch>
+        </p:blipFill>
+        <p:spPr>
+          <a:xfrm>
+            <a:off x="7312593" y="773959"/>
+            <a:ext cx="4352395" cy="2424761"/>
+          </a:xfrm>
+          <a:prstGeom prst="rect">
+            <a:avLst/>
+          </a:prstGeom>
+        </p:spPr>
+      </p:pic>
+      <p:pic>
+        <p:nvPicPr>
+          <p:cNvPr id="5" name="Picture 4" descr="A screenshot of a cell phone&#10;&#10;Description automatically generated">
+            <a:extLst>
+              <a:ext uri="{FF2B5EF4-FFF2-40B4-BE49-F238E27FC236}">
+                <a16:creationId xmlns:a16="http://schemas.microsoft.com/office/drawing/2014/main" id="{23BEDD86-C444-41ED-9492-A540D47FB046}"/>
+              </a:ext>
+            </a:extLst>
+          </p:cNvPr>
+          <p:cNvPicPr>
+            <a:picLocks noChangeAspect="1"/>
+          </p:cNvPicPr>
+          <p:nvPr/>
+        </p:nvPicPr>
+        <p:blipFill>
+          <a:blip r:embed="rId4">
+            <a:extLst>
+              <a:ext uri="{28A0092B-C50C-407E-A947-70E740481C1C}">
+                <a14:useLocalDpi xmlns:a14="http://schemas.microsoft.com/office/drawing/2010/main" val="0"/>
+              </a:ext>
+            </a:extLst>
+          </a:blip>
+          <a:stretch>
+            <a:fillRect/>
+          </a:stretch>
+        </p:blipFill>
+        <p:spPr>
+          <a:xfrm>
+            <a:off x="7003755" y="3078312"/>
+            <a:ext cx="4970072" cy="3779688"/>
+          </a:xfrm>
+          <a:prstGeom prst="rect">
+            <a:avLst/>
+          </a:prstGeom>
+        </p:spPr>
+      </p:pic>
+      <p:pic>
+        <p:nvPicPr>
+          <p:cNvPr id="7" name="Picture 6" descr="A screenshot of a cell phone&#10;&#10;Description automatically generated">
+            <a:extLst>
+              <a:ext uri="{FF2B5EF4-FFF2-40B4-BE49-F238E27FC236}">
+                <a16:creationId xmlns:a16="http://schemas.microsoft.com/office/drawing/2014/main" id="{57410A97-2276-4209-AAD5-3A9FAF10EF0D}"/>
+              </a:ext>
+            </a:extLst>
+          </p:cNvPr>
+          <p:cNvPicPr>
+            <a:picLocks noChangeAspect="1"/>
+          </p:cNvPicPr>
+          <p:nvPr/>
+        </p:nvPicPr>
+        <p:blipFill>
+          <a:blip r:embed="rId5">
+            <a:extLst>
+              <a:ext uri="{28A0092B-C50C-407E-A947-70E740481C1C}">
+                <a14:useLocalDpi xmlns:a14="http://schemas.microsoft.com/office/drawing/2010/main" val="0"/>
+              </a:ext>
+            </a:extLst>
+          </a:blip>
+          <a:stretch>
+            <a:fillRect/>
+          </a:stretch>
+        </p:blipFill>
+        <p:spPr>
+          <a:xfrm>
+            <a:off x="527013" y="523220"/>
+            <a:ext cx="5642782" cy="3206640"/>
+          </a:xfrm>
+          <a:prstGeom prst="rect">
+            <a:avLst/>
+          </a:prstGeom>
+        </p:spPr>
+      </p:pic>
+      <p:pic>
+        <p:nvPicPr>
+          <p:cNvPr id="9" name="Picture 8" descr="A picture containing bird, table&#10;&#10;Description automatically generated">
+            <a:extLst>
+              <a:ext uri="{FF2B5EF4-FFF2-40B4-BE49-F238E27FC236}">
+                <a16:creationId xmlns:a16="http://schemas.microsoft.com/office/drawing/2014/main" id="{3696C4B9-7C08-45B0-A600-D366D4DBE0A7}"/>
+              </a:ext>
+            </a:extLst>
+          </p:cNvPr>
+          <p:cNvPicPr>
+            <a:picLocks noChangeAspect="1"/>
+          </p:cNvPicPr>
+          <p:nvPr/>
+        </p:nvPicPr>
+        <p:blipFill>
+          <a:blip r:embed="rId6">
+            <a:extLst>
+              <a:ext uri="{28A0092B-C50C-407E-A947-70E740481C1C}">
+                <a14:useLocalDpi xmlns:a14="http://schemas.microsoft.com/office/drawing/2010/main" val="0"/>
+              </a:ext>
+            </a:extLst>
+          </a:blip>
+          <a:stretch>
+            <a:fillRect/>
+          </a:stretch>
+        </p:blipFill>
+        <p:spPr>
+          <a:xfrm>
+            <a:off x="1539430" y="4037869"/>
+            <a:ext cx="4389088" cy="2526561"/>
+          </a:xfrm>
+          <a:prstGeom prst="rect">
+            <a:avLst/>
+          </a:prstGeom>
+        </p:spPr>
+      </p:pic>
+    </p:spTree>
+    <p:extLst>
+      <p:ext uri="{BB962C8B-B14F-4D97-AF65-F5344CB8AC3E}">
+        <p14:creationId xmlns:p14="http://schemas.microsoft.com/office/powerpoint/2010/main" val="3620870480"/>
+      </p:ext>
+    </p:extLst>
+  </p:cSld>
+  <p:clrMapOvr>
+    <a:masterClrMapping/>
+  </p:clrMapOvr>
+</p:sld>
+</file>
+
+<file path=ppt/slides/slide12.xml><?xml version="1.0" encoding="utf-8"?>
+<p:sld xmlns:a="http://schemas.openxmlformats.org/drawingml/2006/main" xmlns:r="http://schemas.openxmlformats.org/officeDocument/2006/relationships" xmlns:p="http://schemas.openxmlformats.org/presentationml/2006/main">
+  <p:cSld>
+    <p:spTree>
+      <p:nvGrpSpPr>
+        <p:cNvPr id="1" name=""/>
+        <p:cNvGrpSpPr/>
+        <p:nvPr/>
+      </p:nvGrpSpPr>
+      <p:grpSpPr>
+        <a:xfrm>
+          <a:off x="0" y="0"/>
+          <a:ext cx="0" cy="0"/>
+          <a:chOff x="0" y="0"/>
+          <a:chExt cx="0" cy="0"/>
+        </a:xfrm>
+      </p:grpSpPr>
+      <p:sp>
+        <p:nvSpPr>
+          <p:cNvPr id="2" name="Title 1">
+            <a:extLst>
+              <a:ext uri="{FF2B5EF4-FFF2-40B4-BE49-F238E27FC236}">
+                <a16:creationId xmlns:a16="http://schemas.microsoft.com/office/drawing/2014/main" id="{F1C79842-E8BF-432C-B13A-F655174638C1}"/>
+              </a:ext>
+            </a:extLst>
+          </p:cNvPr>
+          <p:cNvSpPr>
+            <a:spLocks noGrp="1"/>
+          </p:cNvSpPr>
+          <p:nvPr>
+            <p:ph type="title"/>
+          </p:nvPr>
+        </p:nvSpPr>
+        <p:spPr/>
+        <p:txBody>
+          <a:bodyPr/>
+          <a:lstStyle/>
+          <a:p>
+            <a:endParaRPr lang="en-US"/>
+          </a:p>
+        </p:txBody>
+      </p:sp>
+      <p:sp>
+        <p:nvSpPr>
+          <p:cNvPr id="3" name="Content Placeholder 2">
+            <a:extLst>
+              <a:ext uri="{FF2B5EF4-FFF2-40B4-BE49-F238E27FC236}">
+                <a16:creationId xmlns:a16="http://schemas.microsoft.com/office/drawing/2014/main" id="{B98B4B06-06E1-4CF3-A153-AF5DF0343193}"/>
+              </a:ext>
+            </a:extLst>
+          </p:cNvPr>
+          <p:cNvSpPr>
+            <a:spLocks noGrp="1"/>
+          </p:cNvSpPr>
+          <p:nvPr>
+            <p:ph idx="1"/>
+          </p:nvPr>
+        </p:nvSpPr>
+        <p:spPr/>
+        <p:txBody>
+          <a:bodyPr/>
+          <a:lstStyle/>
+          <a:p>
+            <a:endParaRPr lang="en-US"/>
+          </a:p>
+        </p:txBody>
+      </p:sp>
+      <p:pic>
+        <p:nvPicPr>
+          <p:cNvPr id="4" name="Picture 3">
+            <a:extLst>
+              <a:ext uri="{FF2B5EF4-FFF2-40B4-BE49-F238E27FC236}">
+                <a16:creationId xmlns:a16="http://schemas.microsoft.com/office/drawing/2014/main" id="{4C1D8765-61F3-4063-AA0C-0EB4BF8AF8AB}"/>
+              </a:ext>
+            </a:extLst>
+          </p:cNvPr>
+          <p:cNvPicPr>
+            <a:picLocks noChangeAspect="1"/>
+          </p:cNvPicPr>
+          <p:nvPr/>
+        </p:nvPicPr>
+        <p:blipFill>
+          <a:blip r:embed="rId3"/>
+          <a:stretch>
+            <a:fillRect/>
+          </a:stretch>
+        </p:blipFill>
+        <p:spPr>
+          <a:xfrm>
+            <a:off x="0" y="11832"/>
+            <a:ext cx="12192000" cy="6834335"/>
+          </a:xfrm>
+          <a:prstGeom prst="rect">
+            <a:avLst/>
+          </a:prstGeom>
+        </p:spPr>
+      </p:pic>
+    </p:spTree>
+    <p:extLst>
+      <p:ext uri="{BB962C8B-B14F-4D97-AF65-F5344CB8AC3E}">
+        <p14:creationId xmlns:p14="http://schemas.microsoft.com/office/powerpoint/2010/main" val="259039989"/>
+      </p:ext>
+    </p:extLst>
+  </p:cSld>
+  <p:clrMapOvr>
+    <a:masterClrMapping/>
+  </p:clrMapOvr>
+</p:sld>
+</file>
+
+<file path=ppt/slides/slide13.xml><?xml version="1.0" encoding="utf-8"?>
+<p:sld xmlns:a="http://schemas.openxmlformats.org/drawingml/2006/main" xmlns:r="http://schemas.openxmlformats.org/officeDocument/2006/relationships" xmlns:p="http://schemas.openxmlformats.org/presentationml/2006/main">
+  <p:cSld>
+    <p:spTree>
+      <p:nvGrpSpPr>
+        <p:cNvPr id="1" name=""/>
+        <p:cNvGrpSpPr/>
+        <p:nvPr/>
+      </p:nvGrpSpPr>
+      <p:grpSpPr>
+        <a:xfrm>
+          <a:off x="0" y="0"/>
+          <a:ext cx="0" cy="0"/>
+          <a:chOff x="0" y="0"/>
+          <a:chExt cx="0" cy="0"/>
+        </a:xfrm>
+      </p:grpSpPr>
+      <p:sp>
+        <p:nvSpPr>
+          <p:cNvPr id="5" name="Title 4">
+            <a:extLst>
+              <a:ext uri="{FF2B5EF4-FFF2-40B4-BE49-F238E27FC236}">
+                <a16:creationId xmlns:a16="http://schemas.microsoft.com/office/drawing/2014/main" id="{D6F8D27D-0848-445B-8C84-7534F2F855A0}"/>
+              </a:ext>
+            </a:extLst>
+          </p:cNvPr>
+          <p:cNvSpPr>
+            <a:spLocks noGrp="1"/>
+          </p:cNvSpPr>
+          <p:nvPr>
+            <p:ph type="title"/>
+          </p:nvPr>
+        </p:nvSpPr>
+        <p:spPr/>
+        <p:txBody>
+          <a:bodyPr/>
+          <a:lstStyle/>
+          <a:p>
+            <a:r>
+              <a:rPr lang="en-US" dirty="0"/>
+              <a:t>Challenge Two: Low accuracy</a:t>
+            </a:r>
+          </a:p>
+        </p:txBody>
+      </p:sp>
+      <p:sp>
+        <p:nvSpPr>
+          <p:cNvPr id="6" name="Content Placeholder 5">
+            <a:extLst>
+              <a:ext uri="{FF2B5EF4-FFF2-40B4-BE49-F238E27FC236}">
+                <a16:creationId xmlns:a16="http://schemas.microsoft.com/office/drawing/2014/main" id="{E24E3E28-6F7D-4A11-AFFB-99BFD1A8DC78}"/>
+              </a:ext>
+            </a:extLst>
+          </p:cNvPr>
+          <p:cNvSpPr>
+            <a:spLocks noGrp="1"/>
+          </p:cNvSpPr>
+          <p:nvPr>
+            <p:ph idx="1"/>
+          </p:nvPr>
+        </p:nvSpPr>
+        <p:spPr/>
+        <p:txBody>
+          <a:bodyPr/>
+          <a:lstStyle/>
+          <a:p>
+            <a:r>
+              <a:rPr lang="en-US" dirty="0"/>
+              <a:t>We used linear regression, logistic regression, and two classification models in the hopes of finding one that could accurately predict the likelihood of success of the plays. </a:t>
+            </a:r>
+          </a:p>
+          <a:p>
+            <a:r>
+              <a:rPr lang="en-US" dirty="0"/>
+              <a:t>Unfortunately, we were unable to find any with an accuracy of above 70 ~4%, even when we used deep learning. </a:t>
+            </a:r>
+          </a:p>
+        </p:txBody>
+      </p:sp>
+    </p:spTree>
+    <p:extLst>
+      <p:ext uri="{BB962C8B-B14F-4D97-AF65-F5344CB8AC3E}">
+        <p14:creationId xmlns:p14="http://schemas.microsoft.com/office/powerpoint/2010/main" val="500897574"/>
+      </p:ext>
+    </p:extLst>
+  </p:cSld>
+  <p:clrMapOvr>
+    <a:masterClrMapping/>
+  </p:clrMapOvr>
+</p:sld>
+</file>
+
+<file path=ppt/slides/slide14.xml><?xml version="1.0" encoding="utf-8"?>
+<p:sld xmlns:a="http://schemas.openxmlformats.org/drawingml/2006/main" xmlns:r="http://schemas.openxmlformats.org/officeDocument/2006/relationships" xmlns:p="http://schemas.openxmlformats.org/presentationml/2006/main">
+  <p:cSld>
+    <p:spTree>
+      <p:nvGrpSpPr>
+        <p:cNvPr id="1" name=""/>
+        <p:cNvGrpSpPr/>
+        <p:nvPr/>
+      </p:nvGrpSpPr>
+      <p:grpSpPr>
+        <a:xfrm>
+          <a:off x="0" y="0"/>
+          <a:ext cx="0" cy="0"/>
+          <a:chOff x="0" y="0"/>
+          <a:chExt cx="0" cy="0"/>
+        </a:xfrm>
+      </p:grpSpPr>
+      <p:sp>
+        <p:nvSpPr>
+          <p:cNvPr id="7" name="Title 6">
+            <a:extLst>
+              <a:ext uri="{FF2B5EF4-FFF2-40B4-BE49-F238E27FC236}">
+                <a16:creationId xmlns:a16="http://schemas.microsoft.com/office/drawing/2014/main" id="{BE5FEBAE-36C2-4AB8-AE0A-C133EB23C482}"/>
+              </a:ext>
+            </a:extLst>
+          </p:cNvPr>
+          <p:cNvSpPr>
+            <a:spLocks noGrp="1"/>
+          </p:cNvSpPr>
+          <p:nvPr>
+            <p:ph type="title"/>
+          </p:nvPr>
+        </p:nvSpPr>
+        <p:spPr>
+          <a:xfrm>
+            <a:off x="1141413" y="609600"/>
+            <a:ext cx="9905998" cy="457200"/>
+          </a:xfrm>
+        </p:spPr>
+        <p:txBody>
+          <a:bodyPr>
+            <a:normAutofit fontScale="90000"/>
+          </a:bodyPr>
+          <a:lstStyle/>
+          <a:p>
+            <a:endParaRPr lang="en-US" dirty="0"/>
+          </a:p>
+        </p:txBody>
+      </p:sp>
+      <p:pic>
+        <p:nvPicPr>
+          <p:cNvPr id="11" name="Content Placeholder 10" descr="A screenshot of a cell phone&#10;&#10;Description automatically generated">
+            <a:extLst>
+              <a:ext uri="{FF2B5EF4-FFF2-40B4-BE49-F238E27FC236}">
+                <a16:creationId xmlns:a16="http://schemas.microsoft.com/office/drawing/2014/main" id="{154186B7-EE1A-4D56-943D-E62DACD2082D}"/>
+              </a:ext>
+            </a:extLst>
+          </p:cNvPr>
+          <p:cNvPicPr>
+            <a:picLocks noGrp="1" noChangeAspect="1"/>
+          </p:cNvPicPr>
+          <p:nvPr>
+            <p:ph sz="half" idx="1"/>
+          </p:nvPr>
+        </p:nvPicPr>
+        <p:blipFill>
+          <a:blip r:embed="rId3">
+            <a:extLst>
+              <a:ext uri="{28A0092B-C50C-407E-A947-70E740481C1C}">
+                <a14:useLocalDpi xmlns:a14="http://schemas.microsoft.com/office/drawing/2010/main" val="0"/>
+              </a:ext>
+            </a:extLst>
+          </a:blip>
+          <a:stretch>
+            <a:fillRect/>
+          </a:stretch>
+        </p:blipFill>
+        <p:spPr>
+          <a:xfrm>
+            <a:off x="1141413" y="1498600"/>
+            <a:ext cx="4312919" cy="4292600"/>
+          </a:xfrm>
+        </p:spPr>
+      </p:pic>
+      <p:pic>
+        <p:nvPicPr>
+          <p:cNvPr id="17" name="Content Placeholder 16" descr="A screenshot of a cell phone&#10;&#10;Description automatically generated">
+            <a:extLst>
+              <a:ext uri="{FF2B5EF4-FFF2-40B4-BE49-F238E27FC236}">
+                <a16:creationId xmlns:a16="http://schemas.microsoft.com/office/drawing/2014/main" id="{B2D7D716-B318-4B07-9B3D-2E48777E4B8B}"/>
+              </a:ext>
+            </a:extLst>
+          </p:cNvPr>
+          <p:cNvPicPr>
+            <a:picLocks noGrp="1" noChangeAspect="1"/>
+          </p:cNvPicPr>
+          <p:nvPr>
+            <p:ph sz="half" idx="2"/>
+          </p:nvPr>
+        </p:nvPicPr>
+        <p:blipFill>
+          <a:blip r:embed="rId4">
+            <a:extLst>
+              <a:ext uri="{28A0092B-C50C-407E-A947-70E740481C1C}">
+                <a14:useLocalDpi xmlns:a14="http://schemas.microsoft.com/office/drawing/2010/main" val="0"/>
+              </a:ext>
+            </a:extLst>
+          </a:blip>
+          <a:stretch>
+            <a:fillRect/>
+          </a:stretch>
+        </p:blipFill>
+        <p:spPr>
+          <a:xfrm>
+            <a:off x="6353493" y="1498600"/>
+            <a:ext cx="5151119" cy="4292600"/>
+          </a:xfrm>
+        </p:spPr>
+      </p:pic>
+    </p:spTree>
+    <p:extLst>
+      <p:ext uri="{BB962C8B-B14F-4D97-AF65-F5344CB8AC3E}">
+        <p14:creationId xmlns:p14="http://schemas.microsoft.com/office/powerpoint/2010/main" val="1159949302"/>
+      </p:ext>
+    </p:extLst>
+  </p:cSld>
+  <p:clrMapOvr>
+    <a:masterClrMapping/>
+  </p:clrMapOvr>
+</p:sld>
+</file>
+
+<file path=ppt/slides/slide15.xml><?xml version="1.0" encoding="utf-8"?>
+<p:sld xmlns:a="http://schemas.openxmlformats.org/drawingml/2006/main" xmlns:r="http://schemas.openxmlformats.org/officeDocument/2006/relationships" xmlns:p="http://schemas.openxmlformats.org/presentationml/2006/main">
+  <p:cSld>
+    <p:spTree>
+      <p:nvGrpSpPr>
+        <p:cNvPr id="1" name=""/>
+        <p:cNvGrpSpPr/>
+        <p:nvPr/>
+      </p:nvGrpSpPr>
+      <p:grpSpPr>
+        <a:xfrm>
+          <a:off x="0" y="0"/>
+          <a:ext cx="0" cy="0"/>
+          <a:chOff x="0" y="0"/>
+          <a:chExt cx="0" cy="0"/>
+        </a:xfrm>
+      </p:grpSpPr>
+      <p:sp>
+        <p:nvSpPr>
+          <p:cNvPr id="7" name="Title 6">
+            <a:extLst>
+              <a:ext uri="{FF2B5EF4-FFF2-40B4-BE49-F238E27FC236}">
+                <a16:creationId xmlns:a16="http://schemas.microsoft.com/office/drawing/2014/main" id="{BE5FEBAE-36C2-4AB8-AE0A-C133EB23C482}"/>
+              </a:ext>
+            </a:extLst>
+          </p:cNvPr>
+          <p:cNvSpPr>
+            <a:spLocks noGrp="1"/>
+          </p:cNvSpPr>
+          <p:nvPr>
+            <p:ph type="title"/>
+          </p:nvPr>
+        </p:nvSpPr>
+        <p:spPr>
+          <a:xfrm>
+            <a:off x="1141413" y="609600"/>
+            <a:ext cx="9905998" cy="457200"/>
+          </a:xfrm>
+        </p:spPr>
+        <p:txBody>
+          <a:bodyPr>
+            <a:normAutofit fontScale="90000"/>
+          </a:bodyPr>
+          <a:lstStyle/>
+          <a:p>
+            <a:endParaRPr lang="en-US" dirty="0"/>
+          </a:p>
+        </p:txBody>
+      </p:sp>
+      <p:pic>
+        <p:nvPicPr>
+          <p:cNvPr id="8" name="Content Placeholder 7" descr="A screenshot of a cell phone&#10;&#10;Description automatically generated">
+            <a:extLst>
+              <a:ext uri="{FF2B5EF4-FFF2-40B4-BE49-F238E27FC236}">
+                <a16:creationId xmlns:a16="http://schemas.microsoft.com/office/drawing/2014/main" id="{1DEAF9F4-FA74-4087-8BD6-38D686C6A87E}"/>
+              </a:ext>
+            </a:extLst>
+          </p:cNvPr>
+          <p:cNvPicPr>
+            <a:picLocks noGrp="1" noChangeAspect="1"/>
+          </p:cNvPicPr>
+          <p:nvPr>
+            <p:ph sz="half" idx="1"/>
+          </p:nvPr>
+        </p:nvPicPr>
+        <p:blipFill>
+          <a:blip r:embed="rId3">
+            <a:extLst>
+              <a:ext uri="{28A0092B-C50C-407E-A947-70E740481C1C}">
+                <a14:useLocalDpi xmlns:a14="http://schemas.microsoft.com/office/drawing/2010/main" val="0"/>
+              </a:ext>
+            </a:extLst>
+          </a:blip>
+          <a:stretch>
+            <a:fillRect/>
+          </a:stretch>
+        </p:blipFill>
+        <p:spPr>
+          <a:xfrm>
+            <a:off x="486093" y="1651000"/>
+            <a:ext cx="4968239" cy="4140200"/>
+          </a:xfrm>
+        </p:spPr>
+      </p:pic>
+      <p:pic>
+        <p:nvPicPr>
+          <p:cNvPr id="10" name="Content Placeholder 9" descr="A screenshot of a cell phone&#10;&#10;Description automatically generated">
+            <a:extLst>
+              <a:ext uri="{FF2B5EF4-FFF2-40B4-BE49-F238E27FC236}">
+                <a16:creationId xmlns:a16="http://schemas.microsoft.com/office/drawing/2014/main" id="{A20AE008-9BB9-45A6-99CF-A03D1BB22EF4}"/>
+              </a:ext>
+            </a:extLst>
+          </p:cNvPr>
+          <p:cNvPicPr>
+            <a:picLocks noGrp="1" noChangeAspect="1"/>
+          </p:cNvPicPr>
+          <p:nvPr>
+            <p:ph sz="half" idx="2"/>
+          </p:nvPr>
+        </p:nvPicPr>
+        <p:blipFill>
+          <a:blip r:embed="rId4">
+            <a:extLst>
+              <a:ext uri="{28A0092B-C50C-407E-A947-70E740481C1C}">
+                <a14:useLocalDpi xmlns:a14="http://schemas.microsoft.com/office/drawing/2010/main" val="0"/>
+              </a:ext>
+            </a:extLst>
+          </a:blip>
+          <a:stretch>
+            <a:fillRect/>
+          </a:stretch>
+        </p:blipFill>
+        <p:spPr>
+          <a:xfrm>
+            <a:off x="6734493" y="1651000"/>
+            <a:ext cx="4968239" cy="4140200"/>
+          </a:xfrm>
+        </p:spPr>
+      </p:pic>
+    </p:spTree>
+    <p:extLst>
+      <p:ext uri="{BB962C8B-B14F-4D97-AF65-F5344CB8AC3E}">
+        <p14:creationId xmlns:p14="http://schemas.microsoft.com/office/powerpoint/2010/main" val="2934833398"/>
+      </p:ext>
+    </p:extLst>
+  </p:cSld>
+  <p:clrMapOvr>
+    <a:masterClrMapping/>
+  </p:clrMapOvr>
+</p:sld>
+</file>
+
+<file path=ppt/slides/slide16.xml><?xml version="1.0" encoding="utf-8"?>
+<p:sld xmlns:a="http://schemas.openxmlformats.org/drawingml/2006/main" xmlns:r="http://schemas.openxmlformats.org/officeDocument/2006/relationships" xmlns:p="http://schemas.openxmlformats.org/presentationml/2006/main">
+  <p:cSld>
+    <p:spTree>
+      <p:nvGrpSpPr>
+        <p:cNvPr id="1" name=""/>
+        <p:cNvGrpSpPr/>
+        <p:nvPr/>
+      </p:nvGrpSpPr>
+      <p:grpSpPr>
+        <a:xfrm>
+          <a:off x="0" y="0"/>
+          <a:ext cx="0" cy="0"/>
+          <a:chOff x="0" y="0"/>
+          <a:chExt cx="0" cy="0"/>
+        </a:xfrm>
+      </p:grpSpPr>
+      <p:sp>
+        <p:nvSpPr>
+          <p:cNvPr id="2" name="Title 1">
+            <a:extLst>
+              <a:ext uri="{FF2B5EF4-FFF2-40B4-BE49-F238E27FC236}">
+                <a16:creationId xmlns:a16="http://schemas.microsoft.com/office/drawing/2014/main" id="{4014AB50-5090-4EB7-BCA5-F39FFF73DAFF}"/>
+              </a:ext>
+            </a:extLst>
+          </p:cNvPr>
+          <p:cNvSpPr>
+            <a:spLocks noGrp="1"/>
+          </p:cNvSpPr>
+          <p:nvPr>
+            <p:ph type="title"/>
+          </p:nvPr>
+        </p:nvSpPr>
+        <p:spPr>
+          <a:xfrm>
+            <a:off x="1141413" y="609600"/>
+            <a:ext cx="9905998" cy="457200"/>
+          </a:xfrm>
+        </p:spPr>
+        <p:txBody>
+          <a:bodyPr>
+            <a:normAutofit fontScale="90000"/>
+          </a:bodyPr>
+          <a:lstStyle/>
+          <a:p>
+            <a:endParaRPr lang="en-US" dirty="0"/>
+          </a:p>
+        </p:txBody>
+      </p:sp>
+      <p:pic>
+        <p:nvPicPr>
+          <p:cNvPr id="6" name="Content Placeholder 5" descr="A screenshot of a cell phone&#10;&#10;Description automatically generated">
+            <a:extLst>
+              <a:ext uri="{FF2B5EF4-FFF2-40B4-BE49-F238E27FC236}">
+                <a16:creationId xmlns:a16="http://schemas.microsoft.com/office/drawing/2014/main" id="{8F584762-C0AB-4554-BDC3-8E0CC6368041}"/>
+              </a:ext>
+            </a:extLst>
+          </p:cNvPr>
+          <p:cNvPicPr>
+            <a:picLocks noGrp="1" noChangeAspect="1"/>
+          </p:cNvPicPr>
+          <p:nvPr>
+            <p:ph sz="half" idx="1"/>
+          </p:nvPr>
+        </p:nvPicPr>
+        <p:blipFill>
+          <a:blip r:embed="rId3">
+            <a:extLst>
+              <a:ext uri="{28A0092B-C50C-407E-A947-70E740481C1C}">
+                <a14:useLocalDpi xmlns:a14="http://schemas.microsoft.com/office/drawing/2010/main" val="0"/>
+              </a:ext>
+            </a:extLst>
+          </a:blip>
+          <a:stretch>
+            <a:fillRect/>
+          </a:stretch>
+        </p:blipFill>
+        <p:spPr>
+          <a:xfrm>
+            <a:off x="1705293" y="2667000"/>
+            <a:ext cx="3749039" cy="3124200"/>
+          </a:xfrm>
+        </p:spPr>
+      </p:pic>
+      <p:pic>
+        <p:nvPicPr>
+          <p:cNvPr id="8" name="Content Placeholder 7" descr="A screenshot of a cell phone&#10;&#10;Description automatically generated">
+            <a:extLst>
+              <a:ext uri="{FF2B5EF4-FFF2-40B4-BE49-F238E27FC236}">
+                <a16:creationId xmlns:a16="http://schemas.microsoft.com/office/drawing/2014/main" id="{8AA0E65B-2425-4701-8718-080125B03605}"/>
+              </a:ext>
+            </a:extLst>
+          </p:cNvPr>
+          <p:cNvPicPr>
+            <a:picLocks noGrp="1" noChangeAspect="1"/>
+          </p:cNvPicPr>
+          <p:nvPr>
+            <p:ph sz="half" idx="2"/>
+          </p:nvPr>
+        </p:nvPicPr>
+        <p:blipFill>
+          <a:blip r:embed="rId4">
+            <a:extLst>
+              <a:ext uri="{28A0092B-C50C-407E-A947-70E740481C1C}">
+                <a14:useLocalDpi xmlns:a14="http://schemas.microsoft.com/office/drawing/2010/main" val="0"/>
+              </a:ext>
+            </a:extLst>
+          </a:blip>
+          <a:stretch>
+            <a:fillRect/>
+          </a:stretch>
+        </p:blipFill>
+        <p:spPr>
+          <a:xfrm>
+            <a:off x="6734493" y="2667000"/>
+            <a:ext cx="3749039" cy="3124200"/>
+          </a:xfrm>
+        </p:spPr>
+      </p:pic>
+    </p:spTree>
+    <p:extLst>
+      <p:ext uri="{BB962C8B-B14F-4D97-AF65-F5344CB8AC3E}">
+        <p14:creationId xmlns:p14="http://schemas.microsoft.com/office/powerpoint/2010/main" val="2780314523"/>
+      </p:ext>
+    </p:extLst>
+  </p:cSld>
+  <p:clrMapOvr>
+    <a:masterClrMapping/>
+  </p:clrMapOvr>
+</p:sld>
+</file>
+
+<file path=ppt/slides/slide17.xml><?xml version="1.0" encoding="utf-8"?>
+<p:sld xmlns:a="http://schemas.openxmlformats.org/drawingml/2006/main" xmlns:r="http://schemas.openxmlformats.org/officeDocument/2006/relationships" xmlns:p="http://schemas.openxmlformats.org/presentationml/2006/main">
+  <p:cSld>
+    <p:spTree>
+      <p:nvGrpSpPr>
+        <p:cNvPr id="1" name=""/>
+        <p:cNvGrpSpPr/>
+        <p:nvPr/>
+      </p:nvGrpSpPr>
+      <p:grpSpPr>
+        <a:xfrm>
+          <a:off x="0" y="0"/>
+          <a:ext cx="0" cy="0"/>
+          <a:chOff x="0" y="0"/>
+          <a:chExt cx="0" cy="0"/>
+        </a:xfrm>
+      </p:grpSpPr>
+      <p:sp>
+        <p:nvSpPr>
+          <p:cNvPr id="2" name="Title 1">
+            <a:extLst>
+              <a:ext uri="{FF2B5EF4-FFF2-40B4-BE49-F238E27FC236}">
+                <a16:creationId xmlns:a16="http://schemas.microsoft.com/office/drawing/2014/main" id="{E3E128F2-E747-4D55-A988-33E341C27F22}"/>
+              </a:ext>
+            </a:extLst>
+          </p:cNvPr>
+          <p:cNvSpPr>
+            <a:spLocks noGrp="1"/>
+          </p:cNvSpPr>
+          <p:nvPr>
+            <p:ph type="title"/>
+          </p:nvPr>
+        </p:nvSpPr>
+        <p:spPr>
+          <a:xfrm>
+            <a:off x="1141413" y="609600"/>
+            <a:ext cx="9905998" cy="5377132"/>
+          </a:xfrm>
+        </p:spPr>
+        <p:txBody>
+          <a:bodyPr/>
+          <a:lstStyle/>
+          <a:p>
+            <a:pPr algn="ctr"/>
+            <a:r>
+              <a:rPr lang="en-US" dirty="0"/>
+              <a:t>fin</a:t>
+            </a:r>
+          </a:p>
+        </p:txBody>
+      </p:sp>
+    </p:spTree>
+    <p:extLst>
+      <p:ext uri="{BB962C8B-B14F-4D97-AF65-F5344CB8AC3E}">
+        <p14:creationId xmlns:p14="http://schemas.microsoft.com/office/powerpoint/2010/main" val="1685573632"/>
+      </p:ext>
+    </p:extLst>
+  </p:cSld>
+  <p:clrMapOvr>
+    <a:masterClrMapping/>
+  </p:clrMapOvr>
+</p:sld>
+</file>
+
+<file path=ppt/slides/slide2.xml><?xml version="1.0" encoding="utf-8"?>
+<p:sld xmlns:a="http://schemas.openxmlformats.org/drawingml/2006/main" xmlns:r="http://schemas.openxmlformats.org/officeDocument/2006/relationships" xmlns:p="http://schemas.openxmlformats.org/presentationml/2006/main">
+  <p:cSld>
+    <p:spTree>
+      <p:nvGrpSpPr>
+        <p:cNvPr id="1" name=""/>
+        <p:cNvGrpSpPr/>
+        <p:nvPr/>
+      </p:nvGrpSpPr>
+      <p:grpSpPr>
+        <a:xfrm>
+          <a:off x="0" y="0"/>
+          <a:ext cx="0" cy="0"/>
+          <a:chOff x="0" y="0"/>
+          <a:chExt cx="0" cy="0"/>
+        </a:xfrm>
+      </p:grpSpPr>
+      <p:sp>
+        <p:nvSpPr>
+          <p:cNvPr id="2" name="Title 1">
+            <a:extLst>
+              <a:ext uri="{FF2B5EF4-FFF2-40B4-BE49-F238E27FC236}">
+                <a16:creationId xmlns:a16="http://schemas.microsoft.com/office/drawing/2014/main" id="{DD47DD54-DD28-46D3-A6E5-2A5963C06A3F}"/>
+              </a:ext>
+            </a:extLst>
+          </p:cNvPr>
+          <p:cNvSpPr>
+            <a:spLocks noGrp="1"/>
+          </p:cNvSpPr>
+          <p:nvPr>
+            <p:ph type="title"/>
+          </p:nvPr>
+        </p:nvSpPr>
+        <p:spPr/>
+        <p:txBody>
+          <a:bodyPr/>
+          <a:lstStyle/>
+          <a:p>
+            <a:r>
+              <a:rPr lang="en-US" dirty="0"/>
+              <a:t>Goal</a:t>
+            </a:r>
+          </a:p>
+        </p:txBody>
+      </p:sp>
+      <p:sp>
+        <p:nvSpPr>
+          <p:cNvPr id="3" name="Content Placeholder 2">
+            <a:extLst>
+              <a:ext uri="{FF2B5EF4-FFF2-40B4-BE49-F238E27FC236}">
+                <a16:creationId xmlns:a16="http://schemas.microsoft.com/office/drawing/2014/main" id="{5D6B98E1-5589-4066-A5A8-DE574AA6A1AC}"/>
+              </a:ext>
+            </a:extLst>
+          </p:cNvPr>
+          <p:cNvSpPr>
+            <a:spLocks noGrp="1"/>
+          </p:cNvSpPr>
+          <p:nvPr>
+            <p:ph idx="1"/>
+          </p:nvPr>
+        </p:nvSpPr>
+        <p:spPr>
+          <a:xfrm>
+            <a:off x="1072055" y="2191407"/>
+            <a:ext cx="9975356" cy="3599794"/>
+          </a:xfrm>
+        </p:spPr>
+        <p:txBody>
+          <a:bodyPr/>
+          <a:lstStyle/>
+          <a:p>
+            <a:r>
+              <a:rPr lang="en-US" dirty="0"/>
+              <a:t>The goal was to determine whether we could accurately predict the success potential of a third down play based on current game situation. Specifically, whether teams should run or pass in certain conditions.</a:t>
+            </a:r>
+          </a:p>
+          <a:p>
+            <a:r>
+              <a:rPr lang="en-US" dirty="0"/>
+              <a:t>We focused on third down because failing to convert a third down usually means the drive has stalled and the team must punt or attempt a field goal. In turn, time of possession is something that teams seek to control in each game. While each down is important, this “make or Break” situation doesn’t exist on the 1</a:t>
+            </a:r>
+            <a:r>
+              <a:rPr lang="en-US" baseline="30000" dirty="0"/>
+              <a:t>st</a:t>
+            </a:r>
+            <a:r>
+              <a:rPr lang="en-US" dirty="0"/>
+              <a:t> and 2</a:t>
+            </a:r>
+            <a:r>
+              <a:rPr lang="en-US" baseline="30000" dirty="0"/>
+              <a:t>nd</a:t>
+            </a:r>
+            <a:r>
+              <a:rPr lang="en-US" dirty="0"/>
+              <a:t> down. </a:t>
+            </a:r>
+          </a:p>
+        </p:txBody>
+      </p:sp>
+    </p:spTree>
+    <p:extLst>
+      <p:ext uri="{BB962C8B-B14F-4D97-AF65-F5344CB8AC3E}">
+        <p14:creationId xmlns:p14="http://schemas.microsoft.com/office/powerpoint/2010/main" val="2890131826"/>
+      </p:ext>
+    </p:extLst>
+  </p:cSld>
+  <p:clrMapOvr>
+    <a:masterClrMapping/>
+  </p:clrMapOvr>
+</p:sld>
+</file>
+
+<file path=ppt/slides/slide3.xml><?xml version="1.0" encoding="utf-8"?>
+<p:sld xmlns:a="http://schemas.openxmlformats.org/drawingml/2006/main" xmlns:r="http://schemas.openxmlformats.org/officeDocument/2006/relationships" xmlns:p="http://schemas.openxmlformats.org/presentationml/2006/main">
+  <p:cSld>
+    <p:spTree>
+      <p:nvGrpSpPr>
+        <p:cNvPr id="1" name=""/>
+        <p:cNvGrpSpPr/>
+        <p:nvPr/>
+      </p:nvGrpSpPr>
+      <p:grpSpPr>
+        <a:xfrm>
+          <a:off x="0" y="0"/>
+          <a:ext cx="0" cy="0"/>
+          <a:chOff x="0" y="0"/>
+          <a:chExt cx="0" cy="0"/>
+        </a:xfrm>
+      </p:grpSpPr>
+      <p:sp>
+        <p:nvSpPr>
+          <p:cNvPr id="2" name="Title 1">
+            <a:extLst>
+              <a:ext uri="{FF2B5EF4-FFF2-40B4-BE49-F238E27FC236}">
+                <a16:creationId xmlns:a16="http://schemas.microsoft.com/office/drawing/2014/main" id="{B70F4CF8-69BA-4940-8D09-AF80B38B8030}"/>
+              </a:ext>
+            </a:extLst>
+          </p:cNvPr>
+          <p:cNvSpPr>
+            <a:spLocks noGrp="1"/>
+          </p:cNvSpPr>
+          <p:nvPr>
+            <p:ph type="title"/>
+          </p:nvPr>
+        </p:nvSpPr>
+        <p:spPr/>
+        <p:txBody>
+          <a:bodyPr/>
+          <a:lstStyle/>
+          <a:p>
+            <a:r>
+              <a:rPr lang="en-US" dirty="0"/>
+              <a:t>Tools and data</a:t>
+            </a:r>
+          </a:p>
+        </p:txBody>
+      </p:sp>
+      <p:sp>
+        <p:nvSpPr>
+          <p:cNvPr id="3" name="Content Placeholder 2">
+            <a:extLst>
+              <a:ext uri="{FF2B5EF4-FFF2-40B4-BE49-F238E27FC236}">
+                <a16:creationId xmlns:a16="http://schemas.microsoft.com/office/drawing/2014/main" id="{5EE97864-97F9-488A-8423-A93BFBB716FC}"/>
+              </a:ext>
+            </a:extLst>
+          </p:cNvPr>
+          <p:cNvSpPr>
+            <a:spLocks noGrp="1"/>
+          </p:cNvSpPr>
+          <p:nvPr>
+            <p:ph idx="1"/>
+          </p:nvPr>
+        </p:nvSpPr>
+        <p:spPr/>
+        <p:txBody>
+          <a:bodyPr/>
+          <a:lstStyle/>
+          <a:p>
+            <a:r>
+              <a:rPr lang="en-US" dirty="0"/>
+              <a:t>We used several python libraries in our analyses: pandas, </a:t>
+            </a:r>
+            <a:r>
+              <a:rPr lang="en-US" dirty="0" err="1"/>
+              <a:t>numpy</a:t>
+            </a:r>
+            <a:r>
+              <a:rPr lang="en-US" dirty="0"/>
+              <a:t>, sci-kit learn.</a:t>
+            </a:r>
+          </a:p>
+          <a:p>
+            <a:r>
+              <a:rPr lang="en-US" dirty="0"/>
+              <a:t>We  used the seaborn and matplotlib libraries and tableau to create our visualizations. </a:t>
+            </a:r>
+          </a:p>
+          <a:p>
+            <a:r>
+              <a:rPr lang="en-US" dirty="0"/>
+              <a:t>Our data came from the </a:t>
+            </a:r>
+            <a:r>
+              <a:rPr lang="en-US" dirty="0" err="1"/>
+              <a:t>nfl</a:t>
+            </a:r>
+            <a:r>
+              <a:rPr lang="en-US" dirty="0"/>
+              <a:t> </a:t>
+            </a:r>
+            <a:r>
+              <a:rPr lang="en-US" dirty="0" err="1"/>
+              <a:t>api</a:t>
+            </a:r>
+            <a:r>
+              <a:rPr lang="en-US" dirty="0"/>
+              <a:t>.</a:t>
+            </a:r>
+          </a:p>
+        </p:txBody>
+      </p:sp>
+    </p:spTree>
+    <p:extLst>
+      <p:ext uri="{BB962C8B-B14F-4D97-AF65-F5344CB8AC3E}">
+        <p14:creationId xmlns:p14="http://schemas.microsoft.com/office/powerpoint/2010/main" val="2253457673"/>
+      </p:ext>
+    </p:extLst>
+  </p:cSld>
+  <p:clrMapOvr>
+    <a:masterClrMapping/>
+  </p:clrMapOvr>
+</p:sld>
+</file>
+
+<file path=ppt/slides/slide4.xml><?xml version="1.0" encoding="utf-8"?>
+<p:sld xmlns:a="http://schemas.openxmlformats.org/drawingml/2006/main" xmlns:r="http://schemas.openxmlformats.org/officeDocument/2006/relationships" xmlns:p="http://schemas.openxmlformats.org/presentationml/2006/main">
+  <p:cSld>
+    <p:spTree>
+      <p:nvGrpSpPr>
+        <p:cNvPr id="1" name=""/>
+        <p:cNvGrpSpPr/>
+        <p:nvPr/>
+      </p:nvGrpSpPr>
+      <p:grpSpPr>
+        <a:xfrm>
+          <a:off x="0" y="0"/>
+          <a:ext cx="0" cy="0"/>
+          <a:chOff x="0" y="0"/>
+          <a:chExt cx="0" cy="0"/>
+        </a:xfrm>
+      </p:grpSpPr>
+      <p:sp>
+        <p:nvSpPr>
+          <p:cNvPr id="2" name="Title 1">
+            <a:extLst>
+              <a:ext uri="{FF2B5EF4-FFF2-40B4-BE49-F238E27FC236}">
+                <a16:creationId xmlns:a16="http://schemas.microsoft.com/office/drawing/2014/main" id="{B70F4CF8-69BA-4940-8D09-AF80B38B8030}"/>
+              </a:ext>
+            </a:extLst>
+          </p:cNvPr>
+          <p:cNvSpPr>
+            <a:spLocks noGrp="1"/>
+          </p:cNvSpPr>
+          <p:nvPr>
+            <p:ph type="title"/>
+          </p:nvPr>
+        </p:nvSpPr>
+        <p:spPr/>
+        <p:txBody>
+          <a:bodyPr/>
+          <a:lstStyle/>
+          <a:p>
+            <a:r>
+              <a:rPr lang="en-US" dirty="0"/>
+              <a:t>Regression Models </a:t>
+            </a:r>
+          </a:p>
+        </p:txBody>
+      </p:sp>
+      <p:sp>
+        <p:nvSpPr>
+          <p:cNvPr id="3" name="Content Placeholder 2">
+            <a:extLst>
+              <a:ext uri="{FF2B5EF4-FFF2-40B4-BE49-F238E27FC236}">
+                <a16:creationId xmlns:a16="http://schemas.microsoft.com/office/drawing/2014/main" id="{5EE97864-97F9-488A-8423-A93BFBB716FC}"/>
+              </a:ext>
+            </a:extLst>
+          </p:cNvPr>
+          <p:cNvSpPr>
+            <a:spLocks noGrp="1"/>
+          </p:cNvSpPr>
+          <p:nvPr>
+            <p:ph idx="1"/>
+          </p:nvPr>
+        </p:nvSpPr>
+        <p:spPr>
+          <a:xfrm>
+            <a:off x="708917" y="2044557"/>
+            <a:ext cx="10338494" cy="3746643"/>
+          </a:xfrm>
+        </p:spPr>
+        <p:txBody>
+          <a:bodyPr>
+            <a:normAutofit fontScale="92500" lnSpcReduction="10000"/>
+          </a:bodyPr>
+          <a:lstStyle/>
+          <a:p>
+            <a:pPr marL="0" indent="0" fontAlgn="ctr">
+              <a:buNone/>
+            </a:pPr>
+            <a:endParaRPr lang="en-US" dirty="0">
+              <a:effectLst/>
+            </a:endParaRPr>
+          </a:p>
+          <a:p>
+            <a:pPr fontAlgn="ctr"/>
+            <a:r>
+              <a:rPr lang="en-US" dirty="0">
+                <a:effectLst/>
+              </a:rPr>
+              <a:t>Linear Regression</a:t>
+            </a:r>
+          </a:p>
+          <a:p>
+            <a:pPr fontAlgn="ctr"/>
+            <a:r>
+              <a:rPr lang="en-US" dirty="0">
+                <a:effectLst/>
+              </a:rPr>
+              <a:t>Logistic Regression </a:t>
+            </a:r>
+          </a:p>
+          <a:p>
+            <a:pPr fontAlgn="ctr"/>
+            <a:r>
+              <a:rPr lang="en-US" dirty="0">
+                <a:effectLst/>
+              </a:rPr>
+              <a:t>Classification Model </a:t>
+            </a:r>
+          </a:p>
+          <a:p>
+            <a:pPr fontAlgn="ctr"/>
+            <a:r>
+              <a:rPr lang="en-US" dirty="0">
+                <a:effectLst/>
+              </a:rPr>
+              <a:t>Confusion Matrix </a:t>
+            </a:r>
+          </a:p>
+          <a:p>
+            <a:pPr fontAlgn="ctr"/>
+            <a:r>
+              <a:rPr lang="en-US" dirty="0">
+                <a:effectLst/>
+              </a:rPr>
+              <a:t>Random Forest </a:t>
+            </a:r>
+          </a:p>
+          <a:p>
+            <a:pPr fontAlgn="ctr"/>
+            <a:r>
+              <a:rPr lang="en-US" dirty="0">
+                <a:effectLst/>
+              </a:rPr>
+              <a:t>Grid Search </a:t>
+            </a:r>
+          </a:p>
+          <a:p>
+            <a:pPr fontAlgn="ctr"/>
+            <a:r>
+              <a:rPr lang="en-US" dirty="0">
+                <a:effectLst/>
+              </a:rPr>
+              <a:t>Sequential - </a:t>
+            </a:r>
+            <a:r>
+              <a:rPr lang="en-US" dirty="0" err="1">
+                <a:effectLst/>
+              </a:rPr>
+              <a:t>Keras</a:t>
+            </a:r>
+            <a:r>
+              <a:rPr lang="en-US" dirty="0">
+                <a:effectLst/>
+              </a:rPr>
+              <a:t> Model</a:t>
+            </a:r>
+          </a:p>
+          <a:p>
+            <a:pPr fontAlgn="ctr"/>
+            <a:r>
+              <a:rPr lang="en-US" dirty="0">
+                <a:effectLst/>
+              </a:rPr>
+              <a:t>K-nearest neighbors algorithm</a:t>
+            </a:r>
+          </a:p>
+        </p:txBody>
+      </p:sp>
+    </p:spTree>
+    <p:extLst>
+      <p:ext uri="{BB962C8B-B14F-4D97-AF65-F5344CB8AC3E}">
+        <p14:creationId xmlns:p14="http://schemas.microsoft.com/office/powerpoint/2010/main" val="3474774583"/>
+      </p:ext>
+    </p:extLst>
+  </p:cSld>
+  <p:clrMapOvr>
+    <a:masterClrMapping/>
+  </p:clrMapOvr>
+</p:sld>
+</file>
+
+<file path=ppt/slides/slide5.xml><?xml version="1.0" encoding="utf-8"?>
+<p:sld xmlns:a="http://schemas.openxmlformats.org/drawingml/2006/main" xmlns:r="http://schemas.openxmlformats.org/officeDocument/2006/relationships" xmlns:p="http://schemas.openxmlformats.org/presentationml/2006/main">
+  <p:cSld>
+    <p:bg>
+      <p:bgPr>
+        <a:blipFill rotWithShape="1">
+          <a:blip r:embed="rId3">
+            <a:duotone>
+              <a:schemeClr val="bg2">
+                <a:shade val="28000"/>
+                <a:satMod val="94000"/>
+                <a:lumMod val="20000"/>
+              </a:schemeClr>
+              <a:schemeClr val="bg2">
+                <a:tint val="94000"/>
+                <a:shade val="84000"/>
+                <a:satMod val="148000"/>
+                <a:lumMod val="114000"/>
+              </a:schemeClr>
+            </a:duotone>
+          </a:blip>
+          <a:stretch/>
+        </a:blipFill>
+        <a:effectLst/>
+      </p:bgPr>
+    </p:bg>
+    <p:spTree>
+      <p:nvGrpSpPr>
+        <p:cNvPr id="1" name=""/>
+        <p:cNvGrpSpPr/>
+        <p:nvPr/>
+      </p:nvGrpSpPr>
+      <p:grpSpPr>
+        <a:xfrm>
+          <a:off x="0" y="0"/>
+          <a:ext cx="0" cy="0"/>
+          <a:chOff x="0" y="0"/>
+          <a:chExt cx="0" cy="0"/>
+        </a:xfrm>
+      </p:grpSpPr>
+      <p:sp>
+        <p:nvSpPr>
+          <p:cNvPr id="2" name="Title 1">
+            <a:extLst>
+              <a:ext uri="{FF2B5EF4-FFF2-40B4-BE49-F238E27FC236}">
+                <a16:creationId xmlns:a16="http://schemas.microsoft.com/office/drawing/2014/main" id="{2479F550-120A-49F4-B295-D9926EBFC31C}"/>
+              </a:ext>
+            </a:extLst>
+          </p:cNvPr>
+          <p:cNvSpPr>
+            <a:spLocks noGrp="1"/>
+          </p:cNvSpPr>
+          <p:nvPr>
+            <p:ph type="title"/>
+          </p:nvPr>
+        </p:nvSpPr>
+        <p:spPr>
+          <a:xfrm>
+            <a:off x="974179" y="714375"/>
+            <a:ext cx="3332955" cy="5076826"/>
+          </a:xfrm>
+        </p:spPr>
+        <p:txBody>
+          <a:bodyPr anchor="ctr">
+            <a:normAutofit/>
+          </a:bodyPr>
+          <a:lstStyle/>
+          <a:p>
+            <a:r>
+              <a:rPr lang="en-US" sz="4000" dirty="0">
+                <a:solidFill>
+                  <a:schemeClr val="tx2">
+                    <a:lumMod val="90000"/>
+                  </a:schemeClr>
+                </a:solidFill>
+              </a:rPr>
+              <a:t>Data and cleaning: </a:t>
+            </a:r>
+          </a:p>
+        </p:txBody>
+      </p:sp>
+      <p:sp>
+        <p:nvSpPr>
+          <p:cNvPr id="8" name="Rectangle 7">
+            <a:extLst>
+              <a:ext uri="{FF2B5EF4-FFF2-40B4-BE49-F238E27FC236}">
+                <a16:creationId xmlns:a16="http://schemas.microsoft.com/office/drawing/2014/main" id="{375136A9-49F9-4DA0-A741-F065B0FA091D}"/>
+              </a:ext>
+              <a:ext uri="{C183D7F6-B498-43B3-948B-1728B52AA6E4}">
+                <adec:decorative xmlns:adec="http://schemas.microsoft.com/office/drawing/2017/decorative" val="1"/>
+              </a:ext>
+            </a:extLst>
+          </p:cNvPr>
+          <p:cNvSpPr>
+            <a:spLocks noGrp="1" noRot="1" noChangeAspect="1" noMove="1" noResize="1" noEditPoints="1" noAdjustHandles="1" noChangeArrowheads="1" noChangeShapeType="1" noTextEdit="1"/>
+          </p:cNvSpPr>
+          <p:nvPr>
+            <p:extLst>
+              <p:ext uri="{386F3935-93C4-4BCD-93E2-E3B085C9AB24}">
+                <p16:designElem xmlns:p16="http://schemas.microsoft.com/office/powerpoint/2015/main" val="1"/>
+              </p:ext>
+            </p:extLst>
+          </p:nvPr>
+        </p:nvSpPr>
+        <p:spPr>
+          <a:xfrm>
+            <a:off x="4633356" y="0"/>
+            <a:ext cx="7558643" cy="6858000"/>
+          </a:xfrm>
+          <a:prstGeom prst="rect">
+            <a:avLst/>
+          </a:prstGeom>
+          <a:solidFill>
+            <a:schemeClr val="bg2"/>
+          </a:solidFill>
+          <a:ln>
+            <a:noFill/>
+          </a:ln>
+          <a:effectLst>
+            <a:innerShdw blurRad="63500" dist="50800" dir="10800000">
+              <a:prstClr val="black">
+                <a:alpha val="50000"/>
+              </a:prstClr>
+            </a:innerShdw>
+          </a:effectLst>
+        </p:spPr>
+        <p:style>
+          <a:lnRef idx="2">
+            <a:schemeClr val="accent1">
+              <a:shade val="50000"/>
+            </a:schemeClr>
+          </a:lnRef>
+          <a:fillRef idx="1">
+            <a:schemeClr val="accent1"/>
+          </a:fillRef>
+          <a:effectRef idx="0">
+            <a:schemeClr val="accent1"/>
+          </a:effectRef>
+          <a:fontRef idx="minor">
+            <a:schemeClr val="lt1"/>
+          </a:fontRef>
+        </p:style>
+        <p:txBody>
+          <a:bodyPr rtlCol="0" anchor="ctr"/>
+          <a:lstStyle/>
+          <a:p>
+            <a:pPr algn="ctr"/>
+            <a:endParaRPr lang="en-US" dirty="0"/>
+          </a:p>
+        </p:txBody>
+      </p:sp>
+      <p:sp>
+        <p:nvSpPr>
+          <p:cNvPr id="10" name="Rectangle 9">
+            <a:extLst>
+              <a:ext uri="{FF2B5EF4-FFF2-40B4-BE49-F238E27FC236}">
+                <a16:creationId xmlns:a16="http://schemas.microsoft.com/office/drawing/2014/main" id="{B912F6C7-0423-4B6F-AECE-710C848918FD}"/>
+              </a:ext>
+              <a:ext uri="{C183D7F6-B498-43B3-948B-1728B52AA6E4}">
+                <adec:decorative xmlns:adec="http://schemas.microsoft.com/office/drawing/2017/decorative" val="1"/>
+              </a:ext>
+            </a:extLst>
+          </p:cNvPr>
+          <p:cNvSpPr>
+            <a:spLocks noGrp="1" noRot="1" noChangeAspect="1" noMove="1" noResize="1" noEditPoints="1" noAdjustHandles="1" noChangeArrowheads="1" noChangeShapeType="1" noTextEdit="1"/>
+          </p:cNvSpPr>
+          <p:nvPr>
+            <p:extLst>
+              <p:ext uri="{386F3935-93C4-4BCD-93E2-E3B085C9AB24}">
+                <p16:designElem xmlns:p16="http://schemas.microsoft.com/office/powerpoint/2015/main" val="1"/>
+              </p:ext>
+            </p:extLst>
+          </p:nvPr>
+        </p:nvSpPr>
+        <p:spPr>
+          <a:xfrm rot="5400000" flipH="1">
+            <a:off x="1446539" y="3195797"/>
+            <a:ext cx="6858000" cy="466406"/>
+          </a:xfrm>
+          <a:prstGeom prst="rect">
+            <a:avLst/>
+          </a:prstGeom>
+          <a:gradFill>
+            <a:gsLst>
+              <a:gs pos="0">
+                <a:srgbClr val="363D46">
+                  <a:alpha val="0"/>
+                </a:srgbClr>
+              </a:gs>
+              <a:gs pos="100000">
+                <a:srgbClr val="363D46">
+                  <a:lumMod val="75000"/>
+                </a:srgbClr>
+              </a:gs>
+            </a:gsLst>
+            <a:lin ang="5400000" scaled="0"/>
+          </a:gradFill>
+          <a:ln>
+            <a:noFill/>
+          </a:ln>
+          <a:effectLst/>
+        </p:spPr>
+        <p:style>
+          <a:lnRef idx="2">
+            <a:schemeClr val="accent1">
+              <a:shade val="50000"/>
+            </a:schemeClr>
+          </a:lnRef>
+          <a:fillRef idx="1">
+            <a:schemeClr val="accent1"/>
+          </a:fillRef>
+          <a:effectRef idx="0">
+            <a:schemeClr val="accent1"/>
+          </a:effectRef>
+          <a:fontRef idx="minor">
+            <a:schemeClr val="lt1"/>
+          </a:fontRef>
+        </p:style>
+        <p:txBody>
+          <a:bodyPr rot="0" spcFirstLastPara="0" vertOverflow="overflow" horzOverflow="overflow" vert="horz" wrap="square" lIns="91440" tIns="45720" rIns="91440" bIns="45720" numCol="1" spcCol="0" rtlCol="0" fromWordArt="0" anchor="ctr" anchorCtr="0" forceAA="0" compatLnSpc="1">
+            <a:prstTxWarp prst="textNoShape">
+              <a:avLst/>
+            </a:prstTxWarp>
+            <a:noAutofit/>
+          </a:bodyPr>
+          <a:lstStyle/>
+          <a:p>
+            <a:pPr algn="ctr"/>
+            <a:endParaRPr lang="en-US"/>
+          </a:p>
+        </p:txBody>
+      </p:sp>
+      <p:cxnSp>
+        <p:nvCxnSpPr>
+          <p:cNvPr id="12" name="Straight Connector 11">
+            <a:extLst>
+              <a:ext uri="{FF2B5EF4-FFF2-40B4-BE49-F238E27FC236}">
+                <a16:creationId xmlns:a16="http://schemas.microsoft.com/office/drawing/2014/main" id="{A7208205-03EE-4EC8-9C34-59270C1880D8}"/>
+              </a:ext>
+              <a:ext uri="{C183D7F6-B498-43B3-948B-1728B52AA6E4}">
+                <adec:decorative xmlns:adec="http://schemas.microsoft.com/office/drawing/2017/decorative" val="1"/>
+              </a:ext>
+            </a:extLst>
+          </p:cNvPr>
+          <p:cNvCxnSpPr>
+            <a:cxnSpLocks noGrp="1" noRot="1" noChangeAspect="1" noMove="1" noResize="1" noEditPoints="1" noAdjustHandles="1" noChangeArrowheads="1" noChangeShapeType="1"/>
+          </p:cNvCxnSpPr>
+          <p:nvPr>
+            <p:extLst>
+              <p:ext uri="{386F3935-93C4-4BCD-93E2-E3B085C9AB24}">
+                <p16:designElem xmlns:p16="http://schemas.microsoft.com/office/powerpoint/2015/main" val="1"/>
+              </p:ext>
+            </p:extLst>
+          </p:nvPr>
+        </p:nvCxnSpPr>
+        <p:spPr>
+          <a:xfrm>
+            <a:off x="4642336" y="0"/>
+            <a:ext cx="0" cy="6858000"/>
+          </a:xfrm>
+          <a:prstGeom prst="line">
+            <a:avLst/>
+          </a:prstGeom>
+          <a:solidFill>
+            <a:srgbClr val="FFFFFF"/>
+          </a:solidFill>
+          <a:ln w="38100" cap="flat">
+            <a:gradFill flip="none" rotWithShape="1">
+              <a:gsLst>
+                <a:gs pos="0">
+                  <a:srgbClr val="363D46"/>
+                </a:gs>
+                <a:gs pos="100000">
+                  <a:srgbClr val="363D46">
+                    <a:lumMod val="75000"/>
+                  </a:srgbClr>
+                </a:gs>
+              </a:gsLst>
+              <a:lin ang="5400000" scaled="0"/>
+              <a:tileRect/>
+            </a:gradFill>
+            <a:miter lim="800000"/>
+          </a:ln>
+          <a:effectLst>
+            <a:innerShdw blurRad="57150" dist="38100" dir="14460000">
+              <a:srgbClr val="000000">
+                <a:alpha val="70000"/>
+              </a:srgbClr>
+            </a:innerShdw>
+          </a:effectLst>
+        </p:spPr>
+        <p:style>
+          <a:lnRef idx="2">
+            <a:schemeClr val="accent1">
+              <a:shade val="50000"/>
+            </a:schemeClr>
+          </a:lnRef>
+          <a:fillRef idx="1">
+            <a:schemeClr val="accent1"/>
+          </a:fillRef>
+          <a:effectRef idx="0">
+            <a:schemeClr val="accent1"/>
+          </a:effectRef>
+          <a:fontRef idx="minor">
+            <a:schemeClr val="lt1"/>
+          </a:fontRef>
+        </p:style>
+      </p:cxnSp>
+      <p:sp>
+        <p:nvSpPr>
+          <p:cNvPr id="7" name="Rectangle 4">
+            <a:extLst>
+              <a:ext uri="{FF2B5EF4-FFF2-40B4-BE49-F238E27FC236}">
+                <a16:creationId xmlns:a16="http://schemas.microsoft.com/office/drawing/2014/main" id="{ACA45BE0-1CD8-489E-AB1C-3CFC98B4CEE4}"/>
+              </a:ext>
+            </a:extLst>
+          </p:cNvPr>
+          <p:cNvSpPr>
+            <a:spLocks noGrp="1" noChangeArrowheads="1"/>
+          </p:cNvSpPr>
+          <p:nvPr>
+            <p:ph idx="1"/>
+          </p:nvPr>
+        </p:nvSpPr>
+        <p:spPr bwMode="auto">
+          <a:xfrm>
+            <a:off x="4973639" y="1159910"/>
+            <a:ext cx="6976624" cy="4185761"/>
+          </a:xfrm>
+          <a:prstGeom prst="rect">
+            <a:avLst/>
+          </a:prstGeom>
+          <a:noFill/>
+          <a:ln>
+            <a:noFill/>
+          </a:ln>
+          <a:effectLst/>
+          <a:extLst>
+            <a:ext uri="{909E8E84-426E-40DD-AFC4-6F175D3DCCD1}">
+              <a14:hiddenFill xmlns:a14="http://schemas.microsoft.com/office/drawing/2010/main">
+                <a:solidFill>
+                  <a:schemeClr val="accent1"/>
+                </a:solidFill>
+              </a14:hiddenFill>
+            </a:ext>
+            <a:ext uri="{91240B29-F687-4F45-9708-019B960494DF}">
+              <a14:hiddenLine xmlns:a14="http://schemas.microsoft.com/office/drawing/2010/main" w="9525">
+                <a:solidFill>
+                  <a:schemeClr val="tx1"/>
+                </a:solidFill>
+                <a:miter lim="800000"/>
+                <a:headEnd/>
+                <a:tailEnd/>
+              </a14:hiddenLine>
+            </a:ext>
+            <a:ext uri="{AF507438-7753-43E0-B8FC-AC1667EBCBE1}">
+              <a14:hiddenEffects xmlns:a14="http://schemas.microsoft.com/office/drawing/2010/main">
+                <a:effectLst>
+                  <a:outerShdw dist="35921" dir="2700000" algn="ctr" rotWithShape="0">
+                    <a:schemeClr val="bg2"/>
+                  </a:outerShdw>
+                </a:effectLst>
+              </a14:hiddenEffects>
+            </a:ext>
+          </a:extLst>
+        </p:spPr>
+        <p:txBody>
+          <a:bodyPr vert="horz" wrap="square" lIns="91440" tIns="45720" rIns="91440" bIns="45720" numCol="1" anchor="ctr" anchorCtr="0" compatLnSpc="1">
+            <a:prstTxWarp prst="textNoShape">
+              <a:avLst/>
+            </a:prstTxWarp>
+            <a:spAutoFit/>
+          </a:bodyPr>
+          <a:lstStyle>
+            <a:lvl1pPr eaLnBrk="0" fontAlgn="base" hangingPunct="0">
+              <a:spcBef>
+                <a:spcPct val="0"/>
+              </a:spcBef>
+              <a:spcAft>
+                <a:spcPct val="0"/>
+              </a:spcAft>
+              <a:defRPr>
+                <a:solidFill>
+                  <a:schemeClr val="tx1"/>
+                </a:solidFill>
+                <a:latin typeface="Arial" panose="020B0604020202020204" pitchFamily="34" charset="0"/>
+              </a:defRPr>
+            </a:lvl1pPr>
+            <a:lvl2pPr eaLnBrk="0" fontAlgn="base" hangingPunct="0">
+              <a:spcBef>
+                <a:spcPct val="0"/>
+              </a:spcBef>
+              <a:spcAft>
+                <a:spcPct val="0"/>
+              </a:spcAft>
+              <a:defRPr>
+                <a:solidFill>
+                  <a:schemeClr val="tx1"/>
+                </a:solidFill>
+                <a:latin typeface="Arial" panose="020B0604020202020204" pitchFamily="34" charset="0"/>
+              </a:defRPr>
+            </a:lvl2pPr>
+            <a:lvl3pPr eaLnBrk="0" fontAlgn="base" hangingPunct="0">
+              <a:spcBef>
+                <a:spcPct val="0"/>
+              </a:spcBef>
+              <a:spcAft>
+                <a:spcPct val="0"/>
+              </a:spcAft>
+              <a:defRPr>
+                <a:solidFill>
+                  <a:schemeClr val="tx1"/>
+                </a:solidFill>
+                <a:latin typeface="Arial" panose="020B0604020202020204" pitchFamily="34" charset="0"/>
+              </a:defRPr>
+            </a:lvl3pPr>
+            <a:lvl4pPr eaLnBrk="0" fontAlgn="base" hangingPunct="0">
+              <a:spcBef>
+                <a:spcPct val="0"/>
+              </a:spcBef>
+              <a:spcAft>
+                <a:spcPct val="0"/>
+              </a:spcAft>
+              <a:defRPr>
+                <a:solidFill>
+                  <a:schemeClr val="tx1"/>
+                </a:solidFill>
+                <a:latin typeface="Arial" panose="020B0604020202020204" pitchFamily="34" charset="0"/>
+              </a:defRPr>
+            </a:lvl4pPr>
+            <a:lvl5pPr eaLnBrk="0" fontAlgn="base" hangingPunct="0">
+              <a:spcBef>
+                <a:spcPct val="0"/>
+              </a:spcBef>
+              <a:spcAft>
+                <a:spcPct val="0"/>
+              </a:spcAft>
+              <a:defRPr>
+                <a:solidFill>
+                  <a:schemeClr val="tx1"/>
+                </a:solidFill>
+                <a:latin typeface="Arial" panose="020B0604020202020204" pitchFamily="34" charset="0"/>
+              </a:defRPr>
+            </a:lvl5pPr>
+            <a:lvl6pPr eaLnBrk="0" fontAlgn="base" hangingPunct="0">
+              <a:spcBef>
+                <a:spcPct val="0"/>
+              </a:spcBef>
+              <a:spcAft>
+                <a:spcPct val="0"/>
+              </a:spcAft>
+              <a:defRPr>
+                <a:solidFill>
+                  <a:schemeClr val="tx1"/>
+                </a:solidFill>
+                <a:latin typeface="Arial" panose="020B0604020202020204" pitchFamily="34" charset="0"/>
+              </a:defRPr>
+            </a:lvl6pPr>
+            <a:lvl7pPr eaLnBrk="0" fontAlgn="base" hangingPunct="0">
+              <a:spcBef>
+                <a:spcPct val="0"/>
+              </a:spcBef>
+              <a:spcAft>
+                <a:spcPct val="0"/>
+              </a:spcAft>
+              <a:defRPr>
+                <a:solidFill>
+                  <a:schemeClr val="tx1"/>
+                </a:solidFill>
+                <a:latin typeface="Arial" panose="020B0604020202020204" pitchFamily="34" charset="0"/>
+              </a:defRPr>
+            </a:lvl7pPr>
+            <a:lvl8pPr eaLnBrk="0" fontAlgn="base" hangingPunct="0">
+              <a:spcBef>
+                <a:spcPct val="0"/>
+              </a:spcBef>
+              <a:spcAft>
+                <a:spcPct val="0"/>
+              </a:spcAft>
+              <a:defRPr>
+                <a:solidFill>
+                  <a:schemeClr val="tx1"/>
+                </a:solidFill>
+                <a:latin typeface="Arial" panose="020B0604020202020204" pitchFamily="34" charset="0"/>
+              </a:defRPr>
+            </a:lvl8pPr>
+            <a:lvl9pPr eaLnBrk="0" fontAlgn="base" hangingPunct="0">
+              <a:spcBef>
+                <a:spcPct val="0"/>
+              </a:spcBef>
+              <a:spcAft>
+                <a:spcPct val="0"/>
+              </a:spcAft>
+              <a:defRPr>
+                <a:solidFill>
+                  <a:schemeClr val="tx1"/>
+                </a:solidFill>
+                <a:latin typeface="Arial" panose="020B0604020202020204" pitchFamily="34" charset="0"/>
+              </a:defRPr>
+            </a:lvl9pPr>
+          </a:lstStyle>
+          <a:p>
+            <a:pPr marL="0" marR="0" lvl="0" indent="0" algn="l" defTabSz="914400" rtl="0" eaLnBrk="0" fontAlgn="base" latinLnBrk="0" hangingPunct="0">
+              <a:lnSpc>
+                <a:spcPct val="100000"/>
+              </a:lnSpc>
+              <a:spcBef>
+                <a:spcPct val="0"/>
+              </a:spcBef>
+              <a:spcAft>
+                <a:spcPct val="0"/>
+              </a:spcAft>
+              <a:buClrTx/>
+              <a:buSzTx/>
+              <a:buFontTx/>
+              <a:buNone/>
+              <a:tabLst/>
+            </a:pPr>
+            <a:r>
+              <a:rPr kumimoji="0" lang="en-US" altLang="en-US" sz="1900" b="0" i="0" u="none" strike="noStrike" cap="none" normalizeH="0" baseline="0" dirty="0">
+                <a:ln>
+                  <a:noFill/>
+                </a:ln>
+                <a:solidFill>
+                  <a:schemeClr val="tx2">
+                    <a:lumMod val="90000"/>
+                  </a:schemeClr>
+                </a:solidFill>
+                <a:effectLst/>
+                <a:latin typeface="+mn-lt"/>
+              </a:rPr>
+              <a:t>Our Data came from </a:t>
+            </a:r>
+            <a:r>
+              <a:rPr kumimoji="0" lang="en-US" altLang="en-US" sz="1900" b="0" i="0" u="none" strike="noStrike" cap="none" normalizeH="0" baseline="0" dirty="0" err="1">
+                <a:ln>
+                  <a:noFill/>
+                </a:ln>
+                <a:solidFill>
+                  <a:schemeClr val="tx2">
+                    <a:lumMod val="90000"/>
+                  </a:schemeClr>
+                </a:solidFill>
+                <a:effectLst/>
+                <a:latin typeface="+mn-lt"/>
+              </a:rPr>
+              <a:t>nflscrapR</a:t>
+            </a:r>
+            <a:r>
+              <a:rPr kumimoji="0" lang="en-US" altLang="en-US" sz="1900" b="0" i="0" u="none" strike="noStrike" cap="none" normalizeH="0" baseline="0" dirty="0">
+                <a:ln>
+                  <a:noFill/>
+                </a:ln>
+                <a:solidFill>
+                  <a:schemeClr val="tx2">
+                    <a:lumMod val="90000"/>
+                  </a:schemeClr>
+                </a:solidFill>
+                <a:effectLst/>
+                <a:latin typeface="+mn-lt"/>
+              </a:rPr>
+              <a:t> which is a library in R that pulls play by play data from the NFL API.  This data contains every play from 2009-2018.  Using Pandas, we combined each year to create one large data frame.  From there </a:t>
+            </a:r>
+            <a:r>
+              <a:rPr kumimoji="0" lang="en-US" altLang="en-US" b="0" i="0" u="none" strike="noStrike" cap="none" normalizeH="0" baseline="0" dirty="0">
+                <a:ln>
+                  <a:noFill/>
+                </a:ln>
+                <a:solidFill>
+                  <a:schemeClr val="tx2">
+                    <a:lumMod val="90000"/>
+                  </a:schemeClr>
+                </a:solidFill>
+                <a:effectLst/>
+                <a:latin typeface="+mn-lt"/>
+              </a:rPr>
+              <a:t>we</a:t>
+            </a:r>
+            <a:r>
+              <a:rPr kumimoji="0" lang="en-US" altLang="en-US" sz="1900" b="0" i="0" u="none" strike="noStrike" cap="none" normalizeH="0" baseline="0" dirty="0">
+                <a:ln>
+                  <a:noFill/>
+                </a:ln>
+                <a:solidFill>
+                  <a:schemeClr val="tx2">
+                    <a:lumMod val="90000"/>
+                  </a:schemeClr>
+                </a:solidFill>
+                <a:effectLst/>
+                <a:latin typeface="+mn-lt"/>
+              </a:rPr>
+              <a:t> kept rows that had an EPA that was not null and had a play type of either no play, pass, or run.  Then we dropped all plays that were classified as a replay, challenge, or timeout.  We also removed any plays that involved a kneel or a spike.  Then, since the scope of our project was related to 3rd down, we dropped every play that wasn’t on 3rd down. Lastly, we selected the columns we wanted to use as attributes and created our final data frame which was then exported to a CSV for use within our machine learning models. </a:t>
+            </a:r>
+          </a:p>
+        </p:txBody>
+      </p:sp>
+    </p:spTree>
+    <p:extLst>
+      <p:ext uri="{BB962C8B-B14F-4D97-AF65-F5344CB8AC3E}">
+        <p14:creationId xmlns:p14="http://schemas.microsoft.com/office/powerpoint/2010/main" val="2185216837"/>
+      </p:ext>
+    </p:extLst>
+  </p:cSld>
+  <p:clrMapOvr>
+    <a:masterClrMapping/>
+  </p:clrMapOvr>
+</p:sld>
+</file>
+
+<file path=ppt/slides/slide6.xml><?xml version="1.0" encoding="utf-8"?>
+<p:sld xmlns:a="http://schemas.openxmlformats.org/drawingml/2006/main" xmlns:r="http://schemas.openxmlformats.org/officeDocument/2006/relationships" xmlns:p="http://schemas.openxmlformats.org/presentationml/2006/main">
+  <p:cSld>
+    <p:spTree>
+      <p:nvGrpSpPr>
+        <p:cNvPr id="1" name=""/>
+        <p:cNvGrpSpPr/>
+        <p:nvPr/>
+      </p:nvGrpSpPr>
+      <p:grpSpPr>
+        <a:xfrm>
+          <a:off x="0" y="0"/>
+          <a:ext cx="0" cy="0"/>
+          <a:chOff x="0" y="0"/>
+          <a:chExt cx="0" cy="0"/>
+        </a:xfrm>
+      </p:grpSpPr>
+      <p:sp>
+        <p:nvSpPr>
+          <p:cNvPr id="2" name="Title 1">
+            <a:extLst>
+              <a:ext uri="{FF2B5EF4-FFF2-40B4-BE49-F238E27FC236}">
+                <a16:creationId xmlns:a16="http://schemas.microsoft.com/office/drawing/2014/main" id="{144D50D9-FE03-4ECA-813F-D72A652EBD53}"/>
+              </a:ext>
+            </a:extLst>
+          </p:cNvPr>
+          <p:cNvSpPr>
+            <a:spLocks noGrp="1"/>
+          </p:cNvSpPr>
+          <p:nvPr>
+            <p:ph type="title"/>
+          </p:nvPr>
+        </p:nvSpPr>
+        <p:spPr/>
+        <p:txBody>
+          <a:bodyPr/>
+          <a:lstStyle/>
+          <a:p>
+            <a:r>
+              <a:rPr lang="en-US" dirty="0"/>
+              <a:t>CHALLENGE 1: Imbalanced data</a:t>
+            </a:r>
+          </a:p>
+        </p:txBody>
+      </p:sp>
+      <p:pic>
+        <p:nvPicPr>
+          <p:cNvPr id="6" name="Content Placeholder 5" descr="A picture containing device&#10;&#10;Description automatically generated">
+            <a:extLst>
+              <a:ext uri="{FF2B5EF4-FFF2-40B4-BE49-F238E27FC236}">
+                <a16:creationId xmlns:a16="http://schemas.microsoft.com/office/drawing/2014/main" id="{A63BABB0-6E60-4781-8BD8-38CD04087F3D}"/>
+              </a:ext>
+            </a:extLst>
+          </p:cNvPr>
+          <p:cNvPicPr>
+            <a:picLocks noGrp="1" noChangeAspect="1"/>
+          </p:cNvPicPr>
+          <p:nvPr>
+            <p:ph idx="1"/>
+          </p:nvPr>
+        </p:nvPicPr>
+        <p:blipFill>
+          <a:blip r:embed="rId3">
+            <a:extLst>
+              <a:ext uri="{28A0092B-C50C-407E-A947-70E740481C1C}">
+                <a14:useLocalDpi xmlns:a14="http://schemas.microsoft.com/office/drawing/2010/main" val="0"/>
+              </a:ext>
+            </a:extLst>
+          </a:blip>
+          <a:stretch>
+            <a:fillRect/>
+          </a:stretch>
+        </p:blipFill>
+        <p:spPr>
+          <a:xfrm>
+            <a:off x="5331788" y="1008993"/>
+            <a:ext cx="5487650" cy="4020623"/>
+          </a:xfrm>
+        </p:spPr>
+      </p:pic>
+      <p:sp>
+        <p:nvSpPr>
+          <p:cNvPr id="4" name="Text Placeholder 3">
+            <a:extLst>
+              <a:ext uri="{FF2B5EF4-FFF2-40B4-BE49-F238E27FC236}">
+                <a16:creationId xmlns:a16="http://schemas.microsoft.com/office/drawing/2014/main" id="{A0E139E5-FA67-4E5D-A537-BB51A93CF89F}"/>
+              </a:ext>
+            </a:extLst>
+          </p:cNvPr>
+          <p:cNvSpPr>
+            <a:spLocks noGrp="1"/>
+          </p:cNvSpPr>
+          <p:nvPr>
+            <p:ph type="body" sz="half" idx="2"/>
+          </p:nvPr>
+        </p:nvSpPr>
+        <p:spPr/>
+        <p:txBody>
+          <a:bodyPr/>
+          <a:lstStyle/>
+          <a:p>
+            <a:r>
+              <a:rPr lang="en-US" dirty="0"/>
+              <a:t>Many more pass plays than run plays. </a:t>
+            </a:r>
+          </a:p>
+          <a:p>
+            <a:r>
+              <a:rPr lang="en-US" dirty="0"/>
+              <a:t>Some features were limited to one type of play.</a:t>
+            </a:r>
+          </a:p>
+        </p:txBody>
+      </p:sp>
+    </p:spTree>
+    <p:extLst>
+      <p:ext uri="{BB962C8B-B14F-4D97-AF65-F5344CB8AC3E}">
+        <p14:creationId xmlns:p14="http://schemas.microsoft.com/office/powerpoint/2010/main" val="364487534"/>
+      </p:ext>
+    </p:extLst>
+  </p:cSld>
+  <p:clrMapOvr>
+    <a:masterClrMapping/>
+  </p:clrMapOvr>
+</p:sld>
+</file>
+
+<file path=ppt/slides/slide7.xml><?xml version="1.0" encoding="utf-8"?>
+<p:sld xmlns:a="http://schemas.openxmlformats.org/drawingml/2006/main" xmlns:r="http://schemas.openxmlformats.org/officeDocument/2006/relationships" xmlns:p="http://schemas.openxmlformats.org/presentationml/2006/main">
+  <p:cSld>
+    <p:spTree>
+      <p:nvGrpSpPr>
+        <p:cNvPr id="1" name=""/>
+        <p:cNvGrpSpPr/>
+        <p:nvPr/>
+      </p:nvGrpSpPr>
+      <p:grpSpPr>
+        <a:xfrm>
+          <a:off x="0" y="0"/>
+          <a:ext cx="0" cy="0"/>
+          <a:chOff x="0" y="0"/>
+          <a:chExt cx="0" cy="0"/>
+        </a:xfrm>
+      </p:grpSpPr>
+      <p:sp>
+        <p:nvSpPr>
+          <p:cNvPr id="4" name="Title 3">
+            <a:extLst>
+              <a:ext uri="{FF2B5EF4-FFF2-40B4-BE49-F238E27FC236}">
+                <a16:creationId xmlns:a16="http://schemas.microsoft.com/office/drawing/2014/main" id="{96FCDB0D-C213-47C4-9C8A-048916944CCB}"/>
+              </a:ext>
+            </a:extLst>
+          </p:cNvPr>
+          <p:cNvSpPr>
+            <a:spLocks noGrp="1"/>
+          </p:cNvSpPr>
+          <p:nvPr>
+            <p:ph type="title"/>
+          </p:nvPr>
+        </p:nvSpPr>
+        <p:spPr>
+          <a:xfrm>
+            <a:off x="1141413" y="609599"/>
+            <a:ext cx="9905998" cy="4742985"/>
+          </a:xfrm>
+        </p:spPr>
+        <p:txBody>
+          <a:bodyPr/>
+          <a:lstStyle/>
+          <a:p>
+            <a:r>
+              <a:rPr lang="en-US" dirty="0">
+                <a:hlinkClick r:id="rId3"/>
+              </a:rPr>
+              <a:t>https://public.tableau.com/profile/john.goodale#!/vizhome/ThirdDownSuccess/ThirdDownRunAvgEP?publish=yes</a:t>
+            </a:r>
+            <a:endParaRPr lang="en-US" dirty="0"/>
+          </a:p>
+        </p:txBody>
+      </p:sp>
+    </p:spTree>
+    <p:extLst>
+      <p:ext uri="{BB962C8B-B14F-4D97-AF65-F5344CB8AC3E}">
+        <p14:creationId xmlns:p14="http://schemas.microsoft.com/office/powerpoint/2010/main" val="1068461066"/>
+      </p:ext>
+    </p:extLst>
+  </p:cSld>
+  <p:clrMapOvr>
+    <a:masterClrMapping/>
+  </p:clrMapOvr>
+</p:sld>
+</file>
+
+<file path=ppt/slides/slide8.xml><?xml version="1.0" encoding="utf-8"?>
+<p:sld xmlns:a="http://schemas.openxmlformats.org/drawingml/2006/main" xmlns:r="http://schemas.openxmlformats.org/officeDocument/2006/relationships" xmlns:p="http://schemas.openxmlformats.org/presentationml/2006/main">
+  <p:cSld>
+    <p:spTree>
+      <p:nvGrpSpPr>
+        <p:cNvPr id="1" name=""/>
+        <p:cNvGrpSpPr/>
+        <p:nvPr/>
+      </p:nvGrpSpPr>
+      <p:grpSpPr>
+        <a:xfrm>
+          <a:off x="0" y="0"/>
+          <a:ext cx="0" cy="0"/>
+          <a:chOff x="0" y="0"/>
+          <a:chExt cx="0" cy="0"/>
+        </a:xfrm>
+      </p:grpSpPr>
+      <p:sp>
+        <p:nvSpPr>
+          <p:cNvPr id="10" name="TextBox 9">
+            <a:extLst>
+              <a:ext uri="{FF2B5EF4-FFF2-40B4-BE49-F238E27FC236}">
+                <a16:creationId xmlns:a16="http://schemas.microsoft.com/office/drawing/2014/main" id="{C47F4133-0DF6-49D0-AE87-A39DD540404B}"/>
+              </a:ext>
+            </a:extLst>
+          </p:cNvPr>
+          <p:cNvSpPr txBox="1"/>
+          <p:nvPr/>
+        </p:nvSpPr>
+        <p:spPr>
+          <a:xfrm>
+            <a:off x="1288557" y="0"/>
+            <a:ext cx="9614886" cy="523220"/>
+          </a:xfrm>
+          <a:prstGeom prst="rect">
+            <a:avLst/>
+          </a:prstGeom>
+          <a:noFill/>
+        </p:spPr>
+        <p:txBody>
+          <a:bodyPr wrap="square" rtlCol="0">
+            <a:spAutoFit/>
+          </a:bodyPr>
+          <a:lstStyle/>
+          <a:p>
+            <a:pPr algn="ctr"/>
+            <a:r>
+              <a:rPr lang="en-US" sz="2800" dirty="0"/>
+              <a:t>3</a:t>
+            </a:r>
+            <a:r>
+              <a:rPr lang="en-US" sz="2800" baseline="30000" dirty="0"/>
+              <a:t>rd</a:t>
+            </a:r>
+            <a:r>
+              <a:rPr lang="en-US" sz="2800" dirty="0"/>
+              <a:t> Down Conversion Random Forest Model (n=19704)</a:t>
+            </a:r>
+          </a:p>
+        </p:txBody>
+      </p:sp>
+      <p:pic>
+        <p:nvPicPr>
+          <p:cNvPr id="14" name="Picture 13" descr="A screenshot of a cell phone&#10;&#10;Description automatically generated">
+            <a:extLst>
+              <a:ext uri="{FF2B5EF4-FFF2-40B4-BE49-F238E27FC236}">
+                <a16:creationId xmlns:a16="http://schemas.microsoft.com/office/drawing/2014/main" id="{0A871C8B-F883-46E9-8F45-416505FA8648}"/>
+              </a:ext>
+            </a:extLst>
+          </p:cNvPr>
+          <p:cNvPicPr>
+            <a:picLocks noChangeAspect="1"/>
+          </p:cNvPicPr>
+          <p:nvPr/>
+        </p:nvPicPr>
+        <p:blipFill>
+          <a:blip r:embed="rId3">
+            <a:extLst>
+              <a:ext uri="{28A0092B-C50C-407E-A947-70E740481C1C}">
+                <a14:useLocalDpi xmlns:a14="http://schemas.microsoft.com/office/drawing/2010/main" val="0"/>
+              </a:ext>
+            </a:extLst>
+          </a:blip>
+          <a:stretch>
+            <a:fillRect/>
+          </a:stretch>
+        </p:blipFill>
+        <p:spPr>
+          <a:xfrm>
+            <a:off x="7018570" y="523220"/>
+            <a:ext cx="5031557" cy="2641842"/>
+          </a:xfrm>
+          <a:prstGeom prst="rect">
+            <a:avLst/>
+          </a:prstGeom>
+        </p:spPr>
+      </p:pic>
+      <p:pic>
+        <p:nvPicPr>
+          <p:cNvPr id="16" name="Picture 15" descr="A screenshot of a cell phone&#10;&#10;Description automatically generated">
+            <a:extLst>
+              <a:ext uri="{FF2B5EF4-FFF2-40B4-BE49-F238E27FC236}">
+                <a16:creationId xmlns:a16="http://schemas.microsoft.com/office/drawing/2014/main" id="{F31D768E-A47D-4CB3-A995-24535CF38396}"/>
+              </a:ext>
+            </a:extLst>
+          </p:cNvPr>
+          <p:cNvPicPr>
+            <a:picLocks noChangeAspect="1"/>
+          </p:cNvPicPr>
+          <p:nvPr/>
+        </p:nvPicPr>
+        <p:blipFill>
+          <a:blip r:embed="rId4">
+            <a:extLst>
+              <a:ext uri="{28A0092B-C50C-407E-A947-70E740481C1C}">
+                <a14:useLocalDpi xmlns:a14="http://schemas.microsoft.com/office/drawing/2010/main" val="0"/>
+              </a:ext>
+            </a:extLst>
+          </a:blip>
+          <a:stretch>
+            <a:fillRect/>
+          </a:stretch>
+        </p:blipFill>
+        <p:spPr>
+          <a:xfrm>
+            <a:off x="6981794" y="3042326"/>
+            <a:ext cx="5105108" cy="3815674"/>
+          </a:xfrm>
+          <a:prstGeom prst="rect">
+            <a:avLst/>
+          </a:prstGeom>
+        </p:spPr>
+      </p:pic>
+      <p:pic>
+        <p:nvPicPr>
+          <p:cNvPr id="18" name="Picture 17" descr="A screenshot of a cell phone&#10;&#10;Description automatically generated">
+            <a:extLst>
+              <a:ext uri="{FF2B5EF4-FFF2-40B4-BE49-F238E27FC236}">
+                <a16:creationId xmlns:a16="http://schemas.microsoft.com/office/drawing/2014/main" id="{3837024C-2EF8-401F-8DD1-34546D845C0D}"/>
+              </a:ext>
+            </a:extLst>
+          </p:cNvPr>
+          <p:cNvPicPr>
+            <a:picLocks noChangeAspect="1"/>
+          </p:cNvPicPr>
+          <p:nvPr/>
+        </p:nvPicPr>
+        <p:blipFill>
+          <a:blip r:embed="rId5">
+            <a:extLst>
+              <a:ext uri="{28A0092B-C50C-407E-A947-70E740481C1C}">
+                <a14:useLocalDpi xmlns:a14="http://schemas.microsoft.com/office/drawing/2010/main" val="0"/>
+              </a:ext>
+            </a:extLst>
+          </a:blip>
+          <a:stretch>
+            <a:fillRect/>
+          </a:stretch>
+        </p:blipFill>
+        <p:spPr>
+          <a:xfrm>
+            <a:off x="105098" y="523220"/>
+            <a:ext cx="5614975" cy="3185962"/>
+          </a:xfrm>
+          <a:prstGeom prst="rect">
+            <a:avLst/>
+          </a:prstGeom>
+        </p:spPr>
+      </p:pic>
+      <p:pic>
+        <p:nvPicPr>
+          <p:cNvPr id="20" name="Picture 19" descr="A screenshot of a cell phone&#10;&#10;Description automatically generated">
+            <a:extLst>
+              <a:ext uri="{FF2B5EF4-FFF2-40B4-BE49-F238E27FC236}">
+                <a16:creationId xmlns:a16="http://schemas.microsoft.com/office/drawing/2014/main" id="{270529A6-CE04-44E7-A1D5-BA3EE2B6EE74}"/>
+              </a:ext>
+            </a:extLst>
+          </p:cNvPr>
+          <p:cNvPicPr>
+            <a:picLocks noChangeAspect="1"/>
+          </p:cNvPicPr>
+          <p:nvPr/>
+        </p:nvPicPr>
+        <p:blipFill>
+          <a:blip r:embed="rId6">
+            <a:extLst>
+              <a:ext uri="{28A0092B-C50C-407E-A947-70E740481C1C}">
+                <a14:useLocalDpi xmlns:a14="http://schemas.microsoft.com/office/drawing/2010/main" val="0"/>
+              </a:ext>
+            </a:extLst>
+          </a:blip>
+          <a:stretch>
+            <a:fillRect/>
+          </a:stretch>
+        </p:blipFill>
+        <p:spPr>
+          <a:xfrm>
+            <a:off x="1801378" y="3673459"/>
+            <a:ext cx="3246923" cy="3144388"/>
+          </a:xfrm>
+          <a:prstGeom prst="rect">
+            <a:avLst/>
+          </a:prstGeom>
+        </p:spPr>
+      </p:pic>
+    </p:spTree>
+    <p:extLst>
+      <p:ext uri="{BB962C8B-B14F-4D97-AF65-F5344CB8AC3E}">
+        <p14:creationId xmlns:p14="http://schemas.microsoft.com/office/powerpoint/2010/main" val="4292151078"/>
+      </p:ext>
+    </p:extLst>
+  </p:cSld>
+  <p:clrMapOvr>
+    <a:masterClrMapping/>
+  </p:clrMapOvr>
+</p:sld>
+</file>
+
+<file path=ppt/slides/slide9.xml><?xml version="1.0" encoding="utf-8"?>
+<p:sld xmlns:a="http://schemas.openxmlformats.org/drawingml/2006/main" xmlns:r="http://schemas.openxmlformats.org/officeDocument/2006/relationships" xmlns:p="http://schemas.openxmlformats.org/presentationml/2006/main">
+  <p:cSld>
+    <p:spTree>
+      <p:nvGrpSpPr>
+        <p:cNvPr id="1" name=""/>
+        <p:cNvGrpSpPr/>
+        <p:nvPr/>
+      </p:nvGrpSpPr>
+      <p:grpSpPr>
+        <a:xfrm>
+          <a:off x="0" y="0"/>
+          <a:ext cx="0" cy="0"/>
+          <a:chOff x="0" y="0"/>
+          <a:chExt cx="0" cy="0"/>
+        </a:xfrm>
+      </p:grpSpPr>
+      <p:sp>
+        <p:nvSpPr>
+          <p:cNvPr id="12" name="TextBox 11">
+            <a:extLst>
+              <a:ext uri="{FF2B5EF4-FFF2-40B4-BE49-F238E27FC236}">
+                <a16:creationId xmlns:a16="http://schemas.microsoft.com/office/drawing/2014/main" id="{5E674315-D02E-4331-9434-C86DA67263A1}"/>
+              </a:ext>
+            </a:extLst>
+          </p:cNvPr>
+          <p:cNvSpPr txBox="1"/>
+          <p:nvPr/>
+        </p:nvSpPr>
+        <p:spPr>
+          <a:xfrm>
+            <a:off x="705991" y="774395"/>
+            <a:ext cx="3191069" cy="307777"/>
+          </a:xfrm>
+          <a:prstGeom prst="rect">
+            <a:avLst/>
+          </a:prstGeom>
+          <a:noFill/>
+        </p:spPr>
+        <p:txBody>
+          <a:bodyPr wrap="square" rtlCol="0">
+            <a:spAutoFit/>
+          </a:bodyPr>
+          <a:lstStyle/>
+          <a:p>
+            <a:pPr algn="ctr"/>
+            <a:r>
+              <a:rPr lang="en-US" sz="1400" dirty="0"/>
+              <a:t>3</a:t>
+            </a:r>
+            <a:r>
+              <a:rPr lang="en-US" sz="1400" baseline="30000" dirty="0"/>
+              <a:t>rd</a:t>
+            </a:r>
+            <a:r>
+              <a:rPr lang="en-US" sz="1400" dirty="0"/>
+              <a:t> Down Run/Pass No YTG Constraints </a:t>
+            </a:r>
+          </a:p>
+        </p:txBody>
+      </p:sp>
+      <p:sp>
+        <p:nvSpPr>
+          <p:cNvPr id="13" name="TextBox 12">
+            <a:extLst>
+              <a:ext uri="{FF2B5EF4-FFF2-40B4-BE49-F238E27FC236}">
+                <a16:creationId xmlns:a16="http://schemas.microsoft.com/office/drawing/2014/main" id="{ED5B85D6-78FC-462A-BC11-B242FC94F2BE}"/>
+              </a:ext>
+            </a:extLst>
+          </p:cNvPr>
+          <p:cNvSpPr txBox="1"/>
+          <p:nvPr/>
+        </p:nvSpPr>
+        <p:spPr>
+          <a:xfrm>
+            <a:off x="4560770" y="786556"/>
+            <a:ext cx="3191069" cy="307777"/>
+          </a:xfrm>
+          <a:prstGeom prst="rect">
+            <a:avLst/>
+          </a:prstGeom>
+          <a:noFill/>
+        </p:spPr>
+        <p:txBody>
+          <a:bodyPr wrap="square" rtlCol="0">
+            <a:spAutoFit/>
+          </a:bodyPr>
+          <a:lstStyle/>
+          <a:p>
+            <a:pPr algn="ctr"/>
+            <a:r>
+              <a:rPr lang="en-US" sz="1400" dirty="0"/>
+              <a:t>3</a:t>
+            </a:r>
+            <a:r>
+              <a:rPr lang="en-US" sz="1400" baseline="30000" dirty="0"/>
+              <a:t>rd</a:t>
+            </a:r>
+            <a:r>
+              <a:rPr lang="en-US" sz="1400" dirty="0"/>
+              <a:t> Down Run/Pass &lt;=5 YTG</a:t>
+            </a:r>
+          </a:p>
+        </p:txBody>
+      </p:sp>
+      <p:sp>
+        <p:nvSpPr>
+          <p:cNvPr id="14" name="TextBox 13">
+            <a:extLst>
+              <a:ext uri="{FF2B5EF4-FFF2-40B4-BE49-F238E27FC236}">
+                <a16:creationId xmlns:a16="http://schemas.microsoft.com/office/drawing/2014/main" id="{BDB61736-604D-4700-A47E-B5884D0CECDC}"/>
+              </a:ext>
+            </a:extLst>
+          </p:cNvPr>
+          <p:cNvSpPr txBox="1"/>
+          <p:nvPr/>
+        </p:nvSpPr>
+        <p:spPr>
+          <a:xfrm>
+            <a:off x="8449415" y="784577"/>
+            <a:ext cx="3191069" cy="307777"/>
+          </a:xfrm>
+          <a:prstGeom prst="rect">
+            <a:avLst/>
+          </a:prstGeom>
+          <a:noFill/>
+        </p:spPr>
+        <p:txBody>
+          <a:bodyPr wrap="square" rtlCol="0">
+            <a:spAutoFit/>
+          </a:bodyPr>
+          <a:lstStyle/>
+          <a:p>
+            <a:pPr algn="ctr"/>
+            <a:r>
+              <a:rPr lang="en-US" sz="1400" dirty="0"/>
+              <a:t>3</a:t>
+            </a:r>
+            <a:r>
+              <a:rPr lang="en-US" sz="1400" baseline="30000" dirty="0"/>
+              <a:t>rd</a:t>
+            </a:r>
+            <a:r>
+              <a:rPr lang="en-US" sz="1400" dirty="0"/>
+              <a:t> Down Run/Pass &lt;=3 YTG</a:t>
+            </a:r>
+          </a:p>
+        </p:txBody>
+      </p:sp>
+      <p:sp>
+        <p:nvSpPr>
+          <p:cNvPr id="15" name="Rectangle 14">
+            <a:extLst>
+              <a:ext uri="{FF2B5EF4-FFF2-40B4-BE49-F238E27FC236}">
+                <a16:creationId xmlns:a16="http://schemas.microsoft.com/office/drawing/2014/main" id="{106B4DA0-3F67-490A-9D63-762DF1CA2262}"/>
+              </a:ext>
+            </a:extLst>
+          </p:cNvPr>
+          <p:cNvSpPr/>
+          <p:nvPr/>
+        </p:nvSpPr>
+        <p:spPr>
+          <a:xfrm>
+            <a:off x="1018077" y="59665"/>
+            <a:ext cx="10155858" cy="523220"/>
+          </a:xfrm>
+          <a:prstGeom prst="rect">
+            <a:avLst/>
+          </a:prstGeom>
+        </p:spPr>
+        <p:txBody>
+          <a:bodyPr wrap="none">
+            <a:spAutoFit/>
+          </a:bodyPr>
+          <a:lstStyle/>
+          <a:p>
+            <a:pPr algn="ctr"/>
+            <a:r>
+              <a:rPr lang="en-US" sz="2800" dirty="0"/>
+              <a:t>3</a:t>
+            </a:r>
+            <a:r>
+              <a:rPr lang="en-US" sz="2800" baseline="30000" dirty="0"/>
+              <a:t>rd</a:t>
+            </a:r>
+            <a:r>
+              <a:rPr lang="en-US" sz="2800" dirty="0"/>
+              <a:t> Down Run/Pass Random Forest Confusion Matrix (pass=0, run=1)</a:t>
+            </a:r>
+          </a:p>
+        </p:txBody>
+      </p:sp>
+      <p:sp>
+        <p:nvSpPr>
+          <p:cNvPr id="19" name="TextBox 18">
+            <a:extLst>
+              <a:ext uri="{FF2B5EF4-FFF2-40B4-BE49-F238E27FC236}">
+                <a16:creationId xmlns:a16="http://schemas.microsoft.com/office/drawing/2014/main" id="{97662B6C-E17A-40F8-A7AD-61BE75B61359}"/>
+              </a:ext>
+            </a:extLst>
+          </p:cNvPr>
+          <p:cNvSpPr txBox="1"/>
+          <p:nvPr/>
+        </p:nvSpPr>
+        <p:spPr>
+          <a:xfrm>
+            <a:off x="1433619" y="6377361"/>
+            <a:ext cx="1175357" cy="369332"/>
+          </a:xfrm>
+          <a:prstGeom prst="rect">
+            <a:avLst/>
+          </a:prstGeom>
+          <a:noFill/>
+        </p:spPr>
+        <p:txBody>
+          <a:bodyPr wrap="square" rtlCol="0">
+            <a:spAutoFit/>
+          </a:bodyPr>
+          <a:lstStyle/>
+          <a:p>
+            <a:r>
+              <a:rPr lang="en-US" dirty="0"/>
+              <a:t>n = 19704</a:t>
+            </a:r>
+          </a:p>
+        </p:txBody>
+      </p:sp>
+      <p:sp>
+        <p:nvSpPr>
+          <p:cNvPr id="20" name="TextBox 19">
+            <a:extLst>
+              <a:ext uri="{FF2B5EF4-FFF2-40B4-BE49-F238E27FC236}">
+                <a16:creationId xmlns:a16="http://schemas.microsoft.com/office/drawing/2014/main" id="{10393F83-25EA-4EA8-ACE8-C04E5AE28C73}"/>
+              </a:ext>
+            </a:extLst>
+          </p:cNvPr>
+          <p:cNvSpPr txBox="1"/>
+          <p:nvPr/>
+        </p:nvSpPr>
+        <p:spPr>
+          <a:xfrm>
+            <a:off x="5454748" y="6377361"/>
+            <a:ext cx="1175357" cy="369332"/>
+          </a:xfrm>
+          <a:prstGeom prst="rect">
+            <a:avLst/>
+          </a:prstGeom>
+          <a:noFill/>
+        </p:spPr>
+        <p:txBody>
+          <a:bodyPr wrap="square" rtlCol="0">
+            <a:spAutoFit/>
+          </a:bodyPr>
+          <a:lstStyle/>
+          <a:p>
+            <a:r>
+              <a:rPr lang="en-US" dirty="0"/>
+              <a:t>n = 13450</a:t>
+            </a:r>
+          </a:p>
+        </p:txBody>
+      </p:sp>
+      <p:sp>
+        <p:nvSpPr>
+          <p:cNvPr id="25" name="TextBox 24">
+            <a:extLst>
+              <a:ext uri="{FF2B5EF4-FFF2-40B4-BE49-F238E27FC236}">
+                <a16:creationId xmlns:a16="http://schemas.microsoft.com/office/drawing/2014/main" id="{85EE4BC7-548D-4FE8-8BB7-84DB00572884}"/>
+              </a:ext>
+            </a:extLst>
+          </p:cNvPr>
+          <p:cNvSpPr txBox="1"/>
+          <p:nvPr/>
+        </p:nvSpPr>
+        <p:spPr>
+          <a:xfrm>
+            <a:off x="9475877" y="6377361"/>
+            <a:ext cx="1175357" cy="369332"/>
+          </a:xfrm>
+          <a:prstGeom prst="rect">
+            <a:avLst/>
+          </a:prstGeom>
+          <a:noFill/>
+        </p:spPr>
+        <p:txBody>
+          <a:bodyPr wrap="square" rtlCol="0">
+            <a:spAutoFit/>
+          </a:bodyPr>
+          <a:lstStyle/>
+          <a:p>
+            <a:r>
+              <a:rPr lang="en-US" dirty="0"/>
+              <a:t>n = 11474</a:t>
+            </a:r>
+          </a:p>
+        </p:txBody>
+      </p:sp>
+      <p:pic>
+        <p:nvPicPr>
+          <p:cNvPr id="3" name="Picture 2" descr="A screenshot of a cell phone&#10;&#10;Description automatically generated">
+            <a:extLst>
+              <a:ext uri="{FF2B5EF4-FFF2-40B4-BE49-F238E27FC236}">
+                <a16:creationId xmlns:a16="http://schemas.microsoft.com/office/drawing/2014/main" id="{325B09C7-3372-4075-8BA1-B3C797ABE9A3}"/>
+              </a:ext>
+            </a:extLst>
+          </p:cNvPr>
+          <p:cNvPicPr>
+            <a:picLocks noChangeAspect="1"/>
+          </p:cNvPicPr>
+          <p:nvPr/>
+        </p:nvPicPr>
+        <p:blipFill>
+          <a:blip r:embed="rId3">
+            <a:extLst>
+              <a:ext uri="{28A0092B-C50C-407E-A947-70E740481C1C}">
+                <a14:useLocalDpi xmlns:a14="http://schemas.microsoft.com/office/drawing/2010/main" val="0"/>
+              </a:ext>
+            </a:extLst>
+          </a:blip>
+          <a:stretch>
+            <a:fillRect/>
+          </a:stretch>
+        </p:blipFill>
+        <p:spPr>
+          <a:xfrm>
+            <a:off x="133943" y="3108029"/>
+            <a:ext cx="4163507" cy="3208307"/>
+          </a:xfrm>
+          <a:prstGeom prst="rect">
+            <a:avLst/>
+          </a:prstGeom>
+        </p:spPr>
+      </p:pic>
+      <p:pic>
+        <p:nvPicPr>
+          <p:cNvPr id="5" name="Picture 4" descr="A screenshot of a cell phone&#10;&#10;Description automatically generated">
+            <a:extLst>
+              <a:ext uri="{FF2B5EF4-FFF2-40B4-BE49-F238E27FC236}">
+                <a16:creationId xmlns:a16="http://schemas.microsoft.com/office/drawing/2014/main" id="{A6EFE63E-E1A7-4C1E-8029-B0A556AADF7A}"/>
+              </a:ext>
+            </a:extLst>
+          </p:cNvPr>
+          <p:cNvPicPr>
+            <a:picLocks noChangeAspect="1"/>
+          </p:cNvPicPr>
+          <p:nvPr/>
+        </p:nvPicPr>
+        <p:blipFill>
+          <a:blip r:embed="rId4">
+            <a:extLst>
+              <a:ext uri="{28A0092B-C50C-407E-A947-70E740481C1C}">
+                <a14:useLocalDpi xmlns:a14="http://schemas.microsoft.com/office/drawing/2010/main" val="0"/>
+              </a:ext>
+            </a:extLst>
+          </a:blip>
+          <a:stretch>
+            <a:fillRect/>
+          </a:stretch>
+        </p:blipFill>
+        <p:spPr>
+          <a:xfrm>
+            <a:off x="4297450" y="3194483"/>
+            <a:ext cx="3922525" cy="2879659"/>
+          </a:xfrm>
+          <a:prstGeom prst="rect">
+            <a:avLst/>
+          </a:prstGeom>
+        </p:spPr>
+      </p:pic>
+      <p:pic>
+        <p:nvPicPr>
+          <p:cNvPr id="8" name="Picture 7" descr="A screenshot of a cell phone&#10;&#10;Description automatically generated">
+            <a:extLst>
+              <a:ext uri="{FF2B5EF4-FFF2-40B4-BE49-F238E27FC236}">
+                <a16:creationId xmlns:a16="http://schemas.microsoft.com/office/drawing/2014/main" id="{99BA8AEF-C482-41EF-BBC6-B7C4F07C6A22}"/>
+              </a:ext>
+            </a:extLst>
+          </p:cNvPr>
+          <p:cNvPicPr>
+            <a:picLocks noChangeAspect="1"/>
+          </p:cNvPicPr>
+          <p:nvPr/>
+        </p:nvPicPr>
+        <p:blipFill>
+          <a:blip r:embed="rId5">
+            <a:extLst>
+              <a:ext uri="{28A0092B-C50C-407E-A947-70E740481C1C}">
+                <a14:useLocalDpi xmlns:a14="http://schemas.microsoft.com/office/drawing/2010/main" val="0"/>
+              </a:ext>
+            </a:extLst>
+          </a:blip>
+          <a:stretch>
+            <a:fillRect/>
+          </a:stretch>
+        </p:blipFill>
+        <p:spPr>
+          <a:xfrm>
+            <a:off x="8122876" y="3195451"/>
+            <a:ext cx="3935181" cy="2965145"/>
+          </a:xfrm>
+          <a:prstGeom prst="rect">
+            <a:avLst/>
+          </a:prstGeom>
+        </p:spPr>
+      </p:pic>
+      <p:pic>
+        <p:nvPicPr>
+          <p:cNvPr id="28" name="Picture 27" descr="A screenshot of a cell phone&#10;&#10;Description automatically generated">
+            <a:extLst>
+              <a:ext uri="{FF2B5EF4-FFF2-40B4-BE49-F238E27FC236}">
+                <a16:creationId xmlns:a16="http://schemas.microsoft.com/office/drawing/2014/main" id="{4A7907FC-CFEF-4000-A881-0D7FB27DEA7B}"/>
+              </a:ext>
+            </a:extLst>
+          </p:cNvPr>
+          <p:cNvPicPr>
+            <a:picLocks noChangeAspect="1"/>
+          </p:cNvPicPr>
+          <p:nvPr/>
+        </p:nvPicPr>
+        <p:blipFill>
+          <a:blip r:embed="rId6">
+            <a:extLst>
+              <a:ext uri="{28A0092B-C50C-407E-A947-70E740481C1C}">
+                <a14:useLocalDpi xmlns:a14="http://schemas.microsoft.com/office/drawing/2010/main" val="0"/>
+              </a:ext>
+            </a:extLst>
+          </a:blip>
+          <a:stretch>
+            <a:fillRect/>
+          </a:stretch>
+        </p:blipFill>
+        <p:spPr>
+          <a:xfrm>
+            <a:off x="181237" y="1082172"/>
+            <a:ext cx="3916018" cy="2169564"/>
+          </a:xfrm>
+          <a:prstGeom prst="rect">
+            <a:avLst/>
+          </a:prstGeom>
+        </p:spPr>
+      </p:pic>
+      <p:pic>
+        <p:nvPicPr>
+          <p:cNvPr id="30" name="Picture 29" descr="A screenshot of a cell phone&#10;&#10;Description automatically generated">
+            <a:extLst>
+              <a:ext uri="{FF2B5EF4-FFF2-40B4-BE49-F238E27FC236}">
+                <a16:creationId xmlns:a16="http://schemas.microsoft.com/office/drawing/2014/main" id="{D7666577-9716-477F-8128-A230D6F67CE4}"/>
+              </a:ext>
+            </a:extLst>
+          </p:cNvPr>
+          <p:cNvPicPr>
+            <a:picLocks noChangeAspect="1"/>
+          </p:cNvPicPr>
+          <p:nvPr/>
+        </p:nvPicPr>
+        <p:blipFill>
+          <a:blip r:embed="rId7">
+            <a:extLst>
+              <a:ext uri="{28A0092B-C50C-407E-A947-70E740481C1C}">
+                <a14:useLocalDpi xmlns:a14="http://schemas.microsoft.com/office/drawing/2010/main" val="0"/>
+              </a:ext>
+            </a:extLst>
+          </a:blip>
+          <a:stretch>
+            <a:fillRect/>
+          </a:stretch>
+        </p:blipFill>
+        <p:spPr>
+          <a:xfrm>
+            <a:off x="4297450" y="1082172"/>
+            <a:ext cx="3817273" cy="2092764"/>
+          </a:xfrm>
+          <a:prstGeom prst="rect">
+            <a:avLst/>
+          </a:prstGeom>
+        </p:spPr>
+      </p:pic>
+      <p:pic>
+        <p:nvPicPr>
+          <p:cNvPr id="32" name="Picture 31" descr="A screenshot of a cell phone&#10;&#10;Description automatically generated">
+            <a:extLst>
+              <a:ext uri="{FF2B5EF4-FFF2-40B4-BE49-F238E27FC236}">
+                <a16:creationId xmlns:a16="http://schemas.microsoft.com/office/drawing/2014/main" id="{088C28F3-77C4-479D-B5B7-F0311B9AA3DA}"/>
+              </a:ext>
+            </a:extLst>
+          </p:cNvPr>
+          <p:cNvPicPr>
+            <a:picLocks noChangeAspect="1"/>
+          </p:cNvPicPr>
+          <p:nvPr/>
+        </p:nvPicPr>
+        <p:blipFill>
+          <a:blip r:embed="rId8">
+            <a:extLst>
+              <a:ext uri="{28A0092B-C50C-407E-A947-70E740481C1C}">
+                <a14:useLocalDpi xmlns:a14="http://schemas.microsoft.com/office/drawing/2010/main" val="0"/>
+              </a:ext>
+            </a:extLst>
+          </a:blip>
+          <a:stretch>
+            <a:fillRect/>
+          </a:stretch>
+        </p:blipFill>
+        <p:spPr>
+          <a:xfrm>
+            <a:off x="8215354" y="1079266"/>
+            <a:ext cx="3817273" cy="2114733"/>
+          </a:xfrm>
+          <a:prstGeom prst="rect">
+            <a:avLst/>
+          </a:prstGeom>
+        </p:spPr>
+      </p:pic>
+    </p:spTree>
+    <p:extLst>
+      <p:ext uri="{BB962C8B-B14F-4D97-AF65-F5344CB8AC3E}">
+        <p14:creationId xmlns:p14="http://schemas.microsoft.com/office/powerpoint/2010/main" val="2937080568"/>
       </p:ext>
     </p:extLst>
   </p:cSld>
